--- a/weathercheckingrpi/doc/Presentations/projet_meteo_JL_KG_23042019v3.pptx
+++ b/weathercheckingrpi/doc/Presentations/projet_meteo_JL_KG_23042019v3.pptx
@@ -5,30 +5,28 @@
     <p:sldMasterId id="2147483648" r:id="rId2"/>
     <p:sldMasterId id="2147483661" r:id="rId3"/>
     <p:sldMasterId id="2147483674" r:id="rId4"/>
-    <p:sldMasterId id="2147483687" r:id="rId5"/>
-    <p:sldMasterId id="2147483700" r:id="rId6"/>
   </p:sldMasterIdLst>
   <p:sldIdLst>
-    <p:sldId id="256" r:id="rId7"/>
-    <p:sldId id="257" r:id="rId8"/>
-    <p:sldId id="258" r:id="rId9"/>
-    <p:sldId id="259" r:id="rId10"/>
-    <p:sldId id="260" r:id="rId11"/>
-    <p:sldId id="261" r:id="rId12"/>
-    <p:sldId id="262" r:id="rId13"/>
-    <p:sldId id="263" r:id="rId14"/>
-    <p:sldId id="264" r:id="rId15"/>
-    <p:sldId id="265" r:id="rId16"/>
-    <p:sldId id="266" r:id="rId17"/>
-    <p:sldId id="267" r:id="rId18"/>
-    <p:sldId id="268" r:id="rId19"/>
-    <p:sldId id="269" r:id="rId20"/>
-    <p:sldId id="270" r:id="rId21"/>
-    <p:sldId id="271" r:id="rId22"/>
-    <p:sldId id="272" r:id="rId23"/>
-    <p:sldId id="273" r:id="rId24"/>
-    <p:sldId id="274" r:id="rId25"/>
-    <p:sldId id="275" r:id="rId26"/>
+    <p:sldId id="256" r:id="rId5"/>
+    <p:sldId id="257" r:id="rId6"/>
+    <p:sldId id="258" r:id="rId7"/>
+    <p:sldId id="259" r:id="rId8"/>
+    <p:sldId id="260" r:id="rId9"/>
+    <p:sldId id="261" r:id="rId10"/>
+    <p:sldId id="262" r:id="rId11"/>
+    <p:sldId id="263" r:id="rId12"/>
+    <p:sldId id="264" r:id="rId13"/>
+    <p:sldId id="265" r:id="rId14"/>
+    <p:sldId id="266" r:id="rId15"/>
+    <p:sldId id="267" r:id="rId16"/>
+    <p:sldId id="268" r:id="rId17"/>
+    <p:sldId id="269" r:id="rId18"/>
+    <p:sldId id="270" r:id="rId19"/>
+    <p:sldId id="271" r:id="rId20"/>
+    <p:sldId id="272" r:id="rId21"/>
+    <p:sldId id="273" r:id="rId22"/>
+    <p:sldId id="274" r:id="rId23"/>
+    <p:sldId id="275" r:id="rId24"/>
   </p:sldIdLst>
   <p:sldSz cx="12192000" cy="6858000"/>
   <p:notesSz cx="7559675" cy="10691812"/>
@@ -3455,195 +3453,6 @@
 </p:sldLayout>
 </file>
 
-<file path=ppt/slideLayouts/slideLayout37.xml><?xml version="1.0" encoding="utf-8"?>
-<p:sldLayout xmlns:a="http://schemas.openxmlformats.org/drawingml/2006/main" xmlns:p="http://schemas.openxmlformats.org/presentationml/2006/main" xmlns:r="http://schemas.openxmlformats.org/officeDocument/2006/relationships" xmlns:p14="http://schemas.microsoft.com/office/powerpoint/2010/main" xmlns:p15="http://schemas.microsoft.com/office/powerpoint/2012/main" xmlns:mc="http://schemas.openxmlformats.org/markup-compatibility/2006" type="blank" preserve="1">
-  <p:cSld name="Blank Slide">
-    <p:spTree>
-      <p:nvGrpSpPr>
-        <p:cNvPr id="1" name=""/>
-        <p:cNvGrpSpPr/>
-        <p:nvPr/>
-      </p:nvGrpSpPr>
-      <p:grpSpPr>
-        <a:xfrm>
-          <a:off x="0" y="0"/>
-          <a:ext cx="0" cy="0"/>
-          <a:chOff x="0" y="0"/>
-          <a:chExt cx="0" cy="0"/>
-        </a:xfrm>
-      </p:grpSpPr>
-    </p:spTree>
-  </p:cSld>
-</p:sldLayout>
-</file>
-
-<file path=ppt/slideLayouts/slideLayout38.xml><?xml version="1.0" encoding="utf-8"?>
-<p:sldLayout xmlns:a="http://schemas.openxmlformats.org/drawingml/2006/main" xmlns:p="http://schemas.openxmlformats.org/presentationml/2006/main" xmlns:r="http://schemas.openxmlformats.org/officeDocument/2006/relationships" xmlns:p14="http://schemas.microsoft.com/office/powerpoint/2010/main" xmlns:p15="http://schemas.microsoft.com/office/powerpoint/2012/main" xmlns:mc="http://schemas.openxmlformats.org/markup-compatibility/2006" type="tx" preserve="1">
-  <p:cSld name="Title Slide">
-    <p:spTree>
-      <p:nvGrpSpPr>
-        <p:cNvPr id="1" name=""/>
-        <p:cNvGrpSpPr/>
-        <p:nvPr/>
-      </p:nvGrpSpPr>
-      <p:grpSpPr>
-        <a:xfrm>
-          <a:off x="0" y="0"/>
-          <a:ext cx="0" cy="0"/>
-          <a:chOff x="0" y="0"/>
-          <a:chExt cx="0" cy="0"/>
-        </a:xfrm>
-      </p:grpSpPr>
-      <p:sp>
-        <p:nvSpPr>
-          <p:cNvPr id="119" name="PlaceHolder 1"/>
-          <p:cNvSpPr>
-            <a:spLocks noGrp="1"/>
-          </p:cNvSpPr>
-          <p:nvPr>
-            <p:ph type="title"/>
-          </p:nvPr>
-        </p:nvSpPr>
-        <p:spPr>
-          <a:xfrm>
-            <a:off x="609480" y="273600"/>
-            <a:ext cx="10972440" cy="1144800"/>
-          </a:xfrm>
-          <a:prstGeom prst="rect">
-            <a:avLst/>
-          </a:prstGeom>
-        </p:spPr>
-        <p:txBody>
-          <a:bodyPr lIns="0" rIns="0" tIns="0" bIns="0" anchor="ctr">
-            <a:spAutoFit/>
-          </a:bodyPr>
-          <a:p>
-            <a:pPr algn="ctr"/>
-            <a:endParaRPr b="0" lang="fr-FR" sz="4400" spc="-1" strike="noStrike">
-              <a:latin typeface="Arial"/>
-            </a:endParaRPr>
-          </a:p>
-        </p:txBody>
-      </p:sp>
-      <p:sp>
-        <p:nvSpPr>
-          <p:cNvPr id="120" name="PlaceHolder 2"/>
-          <p:cNvSpPr>
-            <a:spLocks noGrp="1"/>
-          </p:cNvSpPr>
-          <p:nvPr>
-            <p:ph type="subTitle"/>
-          </p:nvPr>
-        </p:nvSpPr>
-        <p:spPr>
-          <a:xfrm>
-            <a:off x="609480" y="1604520"/>
-            <a:ext cx="10972440" cy="3977280"/>
-          </a:xfrm>
-          <a:prstGeom prst="rect">
-            <a:avLst/>
-          </a:prstGeom>
-        </p:spPr>
-        <p:txBody>
-          <a:bodyPr lIns="0" rIns="0" tIns="0" bIns="0" anchor="ctr">
-            <a:spAutoFit/>
-          </a:bodyPr>
-          <a:p>
-            <a:pPr algn="ctr"/>
-            <a:endParaRPr b="0" lang="fr-FR" sz="3200" spc="-1" strike="noStrike">
-              <a:latin typeface="Arial"/>
-            </a:endParaRPr>
-          </a:p>
-        </p:txBody>
-      </p:sp>
-    </p:spTree>
-  </p:cSld>
-</p:sldLayout>
-</file>
-
-<file path=ppt/slideLayouts/slideLayout39.xml><?xml version="1.0" encoding="utf-8"?>
-<p:sldLayout xmlns:a="http://schemas.openxmlformats.org/drawingml/2006/main" xmlns:p="http://schemas.openxmlformats.org/presentationml/2006/main" xmlns:r="http://schemas.openxmlformats.org/officeDocument/2006/relationships" xmlns:p14="http://schemas.microsoft.com/office/powerpoint/2010/main" xmlns:p15="http://schemas.microsoft.com/office/powerpoint/2012/main" xmlns:mc="http://schemas.openxmlformats.org/markup-compatibility/2006" type="obj" preserve="1">
-  <p:cSld name="Title, Content">
-    <p:spTree>
-      <p:nvGrpSpPr>
-        <p:cNvPr id="1" name=""/>
-        <p:cNvGrpSpPr/>
-        <p:nvPr/>
-      </p:nvGrpSpPr>
-      <p:grpSpPr>
-        <a:xfrm>
-          <a:off x="0" y="0"/>
-          <a:ext cx="0" cy="0"/>
-          <a:chOff x="0" y="0"/>
-          <a:chExt cx="0" cy="0"/>
-        </a:xfrm>
-      </p:grpSpPr>
-      <p:sp>
-        <p:nvSpPr>
-          <p:cNvPr id="121" name="PlaceHolder 1"/>
-          <p:cNvSpPr>
-            <a:spLocks noGrp="1"/>
-          </p:cNvSpPr>
-          <p:nvPr>
-            <p:ph type="title"/>
-          </p:nvPr>
-        </p:nvSpPr>
-        <p:spPr>
-          <a:xfrm>
-            <a:off x="609480" y="273600"/>
-            <a:ext cx="10972440" cy="1144800"/>
-          </a:xfrm>
-          <a:prstGeom prst="rect">
-            <a:avLst/>
-          </a:prstGeom>
-        </p:spPr>
-        <p:txBody>
-          <a:bodyPr lIns="0" rIns="0" tIns="0" bIns="0" anchor="ctr">
-            <a:spAutoFit/>
-          </a:bodyPr>
-          <a:p>
-            <a:pPr algn="ctr"/>
-            <a:endParaRPr b="0" lang="fr-FR" sz="4400" spc="-1" strike="noStrike">
-              <a:latin typeface="Arial"/>
-            </a:endParaRPr>
-          </a:p>
-        </p:txBody>
-      </p:sp>
-      <p:sp>
-        <p:nvSpPr>
-          <p:cNvPr id="122" name="PlaceHolder 2"/>
-          <p:cNvSpPr>
-            <a:spLocks noGrp="1"/>
-          </p:cNvSpPr>
-          <p:nvPr>
-            <p:ph type="body"/>
-          </p:nvPr>
-        </p:nvSpPr>
-        <p:spPr>
-          <a:xfrm>
-            <a:off x="609480" y="1604520"/>
-            <a:ext cx="10972440" cy="3977280"/>
-          </a:xfrm>
-          <a:prstGeom prst="rect">
-            <a:avLst/>
-          </a:prstGeom>
-        </p:spPr>
-        <p:txBody>
-          <a:bodyPr lIns="0" rIns="0" tIns="0" bIns="0">
-            <a:normAutofit/>
-          </a:bodyPr>
-          <a:p>
-            <a:endParaRPr b="0" lang="fr-FR" sz="3200" spc="-1" strike="noStrike">
-              <a:latin typeface="Arial"/>
-            </a:endParaRPr>
-          </a:p>
-        </p:txBody>
-      </p:sp>
-    </p:spTree>
-  </p:cSld>
-</p:sldLayout>
-</file>
-
 <file path=ppt/slideLayouts/slideLayout4.xml><?xml version="1.0" encoding="utf-8"?>
 <p:sldLayout xmlns:a="http://schemas.openxmlformats.org/drawingml/2006/main" xmlns:p="http://schemas.openxmlformats.org/presentationml/2006/main" xmlns:r="http://schemas.openxmlformats.org/officeDocument/2006/relationships" xmlns:p14="http://schemas.microsoft.com/office/powerpoint/2010/main" xmlns:p15="http://schemas.microsoft.com/office/powerpoint/2012/main" xmlns:mc="http://schemas.openxmlformats.org/markup-compatibility/2006" type="twoObj" preserve="1">
   <p:cSld name="Title, 2 Content">
@@ -3752,1195 +3561,6 @@
           </a:p>
         </p:txBody>
       </p:sp>
-    </p:spTree>
-  </p:cSld>
-</p:sldLayout>
-</file>
-
-<file path=ppt/slideLayouts/slideLayout40.xml><?xml version="1.0" encoding="utf-8"?>
-<p:sldLayout xmlns:a="http://schemas.openxmlformats.org/drawingml/2006/main" xmlns:p="http://schemas.openxmlformats.org/presentationml/2006/main" xmlns:r="http://schemas.openxmlformats.org/officeDocument/2006/relationships" xmlns:p14="http://schemas.microsoft.com/office/powerpoint/2010/main" xmlns:p15="http://schemas.microsoft.com/office/powerpoint/2012/main" xmlns:mc="http://schemas.openxmlformats.org/markup-compatibility/2006" type="twoObj" preserve="1">
-  <p:cSld name="Title, 2 Content">
-    <p:spTree>
-      <p:nvGrpSpPr>
-        <p:cNvPr id="1" name=""/>
-        <p:cNvGrpSpPr/>
-        <p:nvPr/>
-      </p:nvGrpSpPr>
-      <p:grpSpPr>
-        <a:xfrm>
-          <a:off x="0" y="0"/>
-          <a:ext cx="0" cy="0"/>
-          <a:chOff x="0" y="0"/>
-          <a:chExt cx="0" cy="0"/>
-        </a:xfrm>
-      </p:grpSpPr>
-      <p:sp>
-        <p:nvSpPr>
-          <p:cNvPr id="123" name="PlaceHolder 1"/>
-          <p:cNvSpPr>
-            <a:spLocks noGrp="1"/>
-          </p:cNvSpPr>
-          <p:nvPr>
-            <p:ph type="title"/>
-          </p:nvPr>
-        </p:nvSpPr>
-        <p:spPr>
-          <a:xfrm>
-            <a:off x="609480" y="273600"/>
-            <a:ext cx="10972440" cy="1144800"/>
-          </a:xfrm>
-          <a:prstGeom prst="rect">
-            <a:avLst/>
-          </a:prstGeom>
-        </p:spPr>
-        <p:txBody>
-          <a:bodyPr lIns="0" rIns="0" tIns="0" bIns="0" anchor="ctr">
-            <a:spAutoFit/>
-          </a:bodyPr>
-          <a:p>
-            <a:pPr algn="ctr"/>
-            <a:endParaRPr b="0" lang="fr-FR" sz="4400" spc="-1" strike="noStrike">
-              <a:latin typeface="Arial"/>
-            </a:endParaRPr>
-          </a:p>
-        </p:txBody>
-      </p:sp>
-      <p:sp>
-        <p:nvSpPr>
-          <p:cNvPr id="124" name="PlaceHolder 2"/>
-          <p:cNvSpPr>
-            <a:spLocks noGrp="1"/>
-          </p:cNvSpPr>
-          <p:nvPr>
-            <p:ph type="body"/>
-          </p:nvPr>
-        </p:nvSpPr>
-        <p:spPr>
-          <a:xfrm>
-            <a:off x="609480" y="1604520"/>
-            <a:ext cx="5354280" cy="3977280"/>
-          </a:xfrm>
-          <a:prstGeom prst="rect">
-            <a:avLst/>
-          </a:prstGeom>
-        </p:spPr>
-        <p:txBody>
-          <a:bodyPr lIns="0" rIns="0" tIns="0" bIns="0">
-            <a:normAutofit/>
-          </a:bodyPr>
-          <a:p>
-            <a:endParaRPr b="0" lang="fr-FR" sz="3200" spc="-1" strike="noStrike">
-              <a:latin typeface="Arial"/>
-            </a:endParaRPr>
-          </a:p>
-        </p:txBody>
-      </p:sp>
-      <p:sp>
-        <p:nvSpPr>
-          <p:cNvPr id="125" name="PlaceHolder 3"/>
-          <p:cNvSpPr>
-            <a:spLocks noGrp="1"/>
-          </p:cNvSpPr>
-          <p:nvPr>
-            <p:ph type="body"/>
-          </p:nvPr>
-        </p:nvSpPr>
-        <p:spPr>
-          <a:xfrm>
-            <a:off x="6231960" y="1604520"/>
-            <a:ext cx="5354280" cy="3977280"/>
-          </a:xfrm>
-          <a:prstGeom prst="rect">
-            <a:avLst/>
-          </a:prstGeom>
-        </p:spPr>
-        <p:txBody>
-          <a:bodyPr lIns="0" rIns="0" tIns="0" bIns="0">
-            <a:normAutofit/>
-          </a:bodyPr>
-          <a:p>
-            <a:endParaRPr b="0" lang="fr-FR" sz="3200" spc="-1" strike="noStrike">
-              <a:latin typeface="Arial"/>
-            </a:endParaRPr>
-          </a:p>
-        </p:txBody>
-      </p:sp>
-    </p:spTree>
-  </p:cSld>
-</p:sldLayout>
-</file>
-
-<file path=ppt/slideLayouts/slideLayout41.xml><?xml version="1.0" encoding="utf-8"?>
-<p:sldLayout xmlns:a="http://schemas.openxmlformats.org/drawingml/2006/main" xmlns:p="http://schemas.openxmlformats.org/presentationml/2006/main" xmlns:r="http://schemas.openxmlformats.org/officeDocument/2006/relationships" xmlns:p14="http://schemas.microsoft.com/office/powerpoint/2010/main" xmlns:p15="http://schemas.microsoft.com/office/powerpoint/2012/main" xmlns:mc="http://schemas.openxmlformats.org/markup-compatibility/2006" type="titleOnly" preserve="1">
-  <p:cSld name="Title Only">
-    <p:spTree>
-      <p:nvGrpSpPr>
-        <p:cNvPr id="1" name=""/>
-        <p:cNvGrpSpPr/>
-        <p:nvPr/>
-      </p:nvGrpSpPr>
-      <p:grpSpPr>
-        <a:xfrm>
-          <a:off x="0" y="0"/>
-          <a:ext cx="0" cy="0"/>
-          <a:chOff x="0" y="0"/>
-          <a:chExt cx="0" cy="0"/>
-        </a:xfrm>
-      </p:grpSpPr>
-      <p:sp>
-        <p:nvSpPr>
-          <p:cNvPr id="126" name="PlaceHolder 1"/>
-          <p:cNvSpPr>
-            <a:spLocks noGrp="1"/>
-          </p:cNvSpPr>
-          <p:nvPr>
-            <p:ph type="title"/>
-          </p:nvPr>
-        </p:nvSpPr>
-        <p:spPr>
-          <a:xfrm>
-            <a:off x="609480" y="273600"/>
-            <a:ext cx="10972440" cy="1144800"/>
-          </a:xfrm>
-          <a:prstGeom prst="rect">
-            <a:avLst/>
-          </a:prstGeom>
-        </p:spPr>
-        <p:txBody>
-          <a:bodyPr lIns="0" rIns="0" tIns="0" bIns="0" anchor="ctr">
-            <a:spAutoFit/>
-          </a:bodyPr>
-          <a:p>
-            <a:pPr algn="ctr"/>
-            <a:endParaRPr b="0" lang="fr-FR" sz="4400" spc="-1" strike="noStrike">
-              <a:latin typeface="Arial"/>
-            </a:endParaRPr>
-          </a:p>
-        </p:txBody>
-      </p:sp>
-    </p:spTree>
-  </p:cSld>
-</p:sldLayout>
-</file>
-
-<file path=ppt/slideLayouts/slideLayout42.xml><?xml version="1.0" encoding="utf-8"?>
-<p:sldLayout xmlns:a="http://schemas.openxmlformats.org/drawingml/2006/main" xmlns:p="http://schemas.openxmlformats.org/presentationml/2006/main" xmlns:r="http://schemas.openxmlformats.org/officeDocument/2006/relationships" xmlns:p14="http://schemas.microsoft.com/office/powerpoint/2010/main" xmlns:p15="http://schemas.microsoft.com/office/powerpoint/2012/main" xmlns:mc="http://schemas.openxmlformats.org/markup-compatibility/2006" type="objOnly" preserve="1">
-  <p:cSld name="Centered Text">
-    <p:spTree>
-      <p:nvGrpSpPr>
-        <p:cNvPr id="1" name=""/>
-        <p:cNvGrpSpPr/>
-        <p:nvPr/>
-      </p:nvGrpSpPr>
-      <p:grpSpPr>
-        <a:xfrm>
-          <a:off x="0" y="0"/>
-          <a:ext cx="0" cy="0"/>
-          <a:chOff x="0" y="0"/>
-          <a:chExt cx="0" cy="0"/>
-        </a:xfrm>
-      </p:grpSpPr>
-      <p:sp>
-        <p:nvSpPr>
-          <p:cNvPr id="127" name="PlaceHolder 1"/>
-          <p:cNvSpPr>
-            <a:spLocks noGrp="1"/>
-          </p:cNvSpPr>
-          <p:nvPr>
-            <p:ph type="subTitle"/>
-          </p:nvPr>
-        </p:nvSpPr>
-        <p:spPr>
-          <a:xfrm>
-            <a:off x="609480" y="273600"/>
-            <a:ext cx="10972440" cy="5307840"/>
-          </a:xfrm>
-          <a:prstGeom prst="rect">
-            <a:avLst/>
-          </a:prstGeom>
-        </p:spPr>
-        <p:txBody>
-          <a:bodyPr lIns="0" rIns="0" tIns="0" bIns="0" anchor="ctr">
-            <a:spAutoFit/>
-          </a:bodyPr>
-          <a:p>
-            <a:pPr algn="ctr"/>
-            <a:endParaRPr b="0" lang="fr-FR" sz="3200" spc="-1" strike="noStrike">
-              <a:latin typeface="Arial"/>
-            </a:endParaRPr>
-          </a:p>
-        </p:txBody>
-      </p:sp>
-    </p:spTree>
-  </p:cSld>
-</p:sldLayout>
-</file>
-
-<file path=ppt/slideLayouts/slideLayout43.xml><?xml version="1.0" encoding="utf-8"?>
-<p:sldLayout xmlns:a="http://schemas.openxmlformats.org/drawingml/2006/main" xmlns:p="http://schemas.openxmlformats.org/presentationml/2006/main" xmlns:r="http://schemas.openxmlformats.org/officeDocument/2006/relationships" xmlns:p14="http://schemas.microsoft.com/office/powerpoint/2010/main" xmlns:p15="http://schemas.microsoft.com/office/powerpoint/2012/main" xmlns:mc="http://schemas.openxmlformats.org/markup-compatibility/2006" type="twoObjAndObj" preserve="1">
-  <p:cSld name="Title, 2 Content and Content">
-    <p:spTree>
-      <p:nvGrpSpPr>
-        <p:cNvPr id="1" name=""/>
-        <p:cNvGrpSpPr/>
-        <p:nvPr/>
-      </p:nvGrpSpPr>
-      <p:grpSpPr>
-        <a:xfrm>
-          <a:off x="0" y="0"/>
-          <a:ext cx="0" cy="0"/>
-          <a:chOff x="0" y="0"/>
-          <a:chExt cx="0" cy="0"/>
-        </a:xfrm>
-      </p:grpSpPr>
-      <p:sp>
-        <p:nvSpPr>
-          <p:cNvPr id="128" name="PlaceHolder 1"/>
-          <p:cNvSpPr>
-            <a:spLocks noGrp="1"/>
-          </p:cNvSpPr>
-          <p:nvPr>
-            <p:ph type="title"/>
-          </p:nvPr>
-        </p:nvSpPr>
-        <p:spPr>
-          <a:xfrm>
-            <a:off x="609480" y="273600"/>
-            <a:ext cx="10972440" cy="1144800"/>
-          </a:xfrm>
-          <a:prstGeom prst="rect">
-            <a:avLst/>
-          </a:prstGeom>
-        </p:spPr>
-        <p:txBody>
-          <a:bodyPr lIns="0" rIns="0" tIns="0" bIns="0" anchor="ctr">
-            <a:spAutoFit/>
-          </a:bodyPr>
-          <a:p>
-            <a:pPr algn="ctr"/>
-            <a:endParaRPr b="0" lang="fr-FR" sz="4400" spc="-1" strike="noStrike">
-              <a:latin typeface="Arial"/>
-            </a:endParaRPr>
-          </a:p>
-        </p:txBody>
-      </p:sp>
-      <p:sp>
-        <p:nvSpPr>
-          <p:cNvPr id="129" name="PlaceHolder 2"/>
-          <p:cNvSpPr>
-            <a:spLocks noGrp="1"/>
-          </p:cNvSpPr>
-          <p:nvPr>
-            <p:ph type="body"/>
-          </p:nvPr>
-        </p:nvSpPr>
-        <p:spPr>
-          <a:xfrm>
-            <a:off x="609480" y="1604520"/>
-            <a:ext cx="5354280" cy="1896840"/>
-          </a:xfrm>
-          <a:prstGeom prst="rect">
-            <a:avLst/>
-          </a:prstGeom>
-        </p:spPr>
-        <p:txBody>
-          <a:bodyPr lIns="0" rIns="0" tIns="0" bIns="0">
-            <a:normAutofit/>
-          </a:bodyPr>
-          <a:p>
-            <a:endParaRPr b="0" lang="fr-FR" sz="3200" spc="-1" strike="noStrike">
-              <a:latin typeface="Arial"/>
-            </a:endParaRPr>
-          </a:p>
-        </p:txBody>
-      </p:sp>
-      <p:sp>
-        <p:nvSpPr>
-          <p:cNvPr id="130" name="PlaceHolder 3"/>
-          <p:cNvSpPr>
-            <a:spLocks noGrp="1"/>
-          </p:cNvSpPr>
-          <p:nvPr>
-            <p:ph type="body"/>
-          </p:nvPr>
-        </p:nvSpPr>
-        <p:spPr>
-          <a:xfrm>
-            <a:off x="6231960" y="1604520"/>
-            <a:ext cx="5354280" cy="3977280"/>
-          </a:xfrm>
-          <a:prstGeom prst="rect">
-            <a:avLst/>
-          </a:prstGeom>
-        </p:spPr>
-        <p:txBody>
-          <a:bodyPr lIns="0" rIns="0" tIns="0" bIns="0">
-            <a:normAutofit/>
-          </a:bodyPr>
-          <a:p>
-            <a:endParaRPr b="0" lang="fr-FR" sz="3200" spc="-1" strike="noStrike">
-              <a:latin typeface="Arial"/>
-            </a:endParaRPr>
-          </a:p>
-        </p:txBody>
-      </p:sp>
-      <p:sp>
-        <p:nvSpPr>
-          <p:cNvPr id="131" name="PlaceHolder 4"/>
-          <p:cNvSpPr>
-            <a:spLocks noGrp="1"/>
-          </p:cNvSpPr>
-          <p:nvPr>
-            <p:ph type="body"/>
-          </p:nvPr>
-        </p:nvSpPr>
-        <p:spPr>
-          <a:xfrm>
-            <a:off x="609480" y="3682080"/>
-            <a:ext cx="5354280" cy="1896840"/>
-          </a:xfrm>
-          <a:prstGeom prst="rect">
-            <a:avLst/>
-          </a:prstGeom>
-        </p:spPr>
-        <p:txBody>
-          <a:bodyPr lIns="0" rIns="0" tIns="0" bIns="0">
-            <a:normAutofit/>
-          </a:bodyPr>
-          <a:p>
-            <a:endParaRPr b="0" lang="fr-FR" sz="3200" spc="-1" strike="noStrike">
-              <a:latin typeface="Arial"/>
-            </a:endParaRPr>
-          </a:p>
-        </p:txBody>
-      </p:sp>
-    </p:spTree>
-  </p:cSld>
-</p:sldLayout>
-</file>
-
-<file path=ppt/slideLayouts/slideLayout44.xml><?xml version="1.0" encoding="utf-8"?>
-<p:sldLayout xmlns:a="http://schemas.openxmlformats.org/drawingml/2006/main" xmlns:p="http://schemas.openxmlformats.org/presentationml/2006/main" xmlns:r="http://schemas.openxmlformats.org/officeDocument/2006/relationships" xmlns:p14="http://schemas.microsoft.com/office/powerpoint/2010/main" xmlns:p15="http://schemas.microsoft.com/office/powerpoint/2012/main" xmlns:mc="http://schemas.openxmlformats.org/markup-compatibility/2006" type="objAndTwoObj" preserve="1">
-  <p:cSld name="Title Content and 2 Content">
-    <p:spTree>
-      <p:nvGrpSpPr>
-        <p:cNvPr id="1" name=""/>
-        <p:cNvGrpSpPr/>
-        <p:nvPr/>
-      </p:nvGrpSpPr>
-      <p:grpSpPr>
-        <a:xfrm>
-          <a:off x="0" y="0"/>
-          <a:ext cx="0" cy="0"/>
-          <a:chOff x="0" y="0"/>
-          <a:chExt cx="0" cy="0"/>
-        </a:xfrm>
-      </p:grpSpPr>
-      <p:sp>
-        <p:nvSpPr>
-          <p:cNvPr id="132" name="PlaceHolder 1"/>
-          <p:cNvSpPr>
-            <a:spLocks noGrp="1"/>
-          </p:cNvSpPr>
-          <p:nvPr>
-            <p:ph type="title"/>
-          </p:nvPr>
-        </p:nvSpPr>
-        <p:spPr>
-          <a:xfrm>
-            <a:off x="609480" y="273600"/>
-            <a:ext cx="10972440" cy="1144800"/>
-          </a:xfrm>
-          <a:prstGeom prst="rect">
-            <a:avLst/>
-          </a:prstGeom>
-        </p:spPr>
-        <p:txBody>
-          <a:bodyPr lIns="0" rIns="0" tIns="0" bIns="0" anchor="ctr">
-            <a:spAutoFit/>
-          </a:bodyPr>
-          <a:p>
-            <a:pPr algn="ctr"/>
-            <a:endParaRPr b="0" lang="fr-FR" sz="4400" spc="-1" strike="noStrike">
-              <a:latin typeface="Arial"/>
-            </a:endParaRPr>
-          </a:p>
-        </p:txBody>
-      </p:sp>
-      <p:sp>
-        <p:nvSpPr>
-          <p:cNvPr id="133" name="PlaceHolder 2"/>
-          <p:cNvSpPr>
-            <a:spLocks noGrp="1"/>
-          </p:cNvSpPr>
-          <p:nvPr>
-            <p:ph type="body"/>
-          </p:nvPr>
-        </p:nvSpPr>
-        <p:spPr>
-          <a:xfrm>
-            <a:off x="609480" y="1604520"/>
-            <a:ext cx="5354280" cy="3977280"/>
-          </a:xfrm>
-          <a:prstGeom prst="rect">
-            <a:avLst/>
-          </a:prstGeom>
-        </p:spPr>
-        <p:txBody>
-          <a:bodyPr lIns="0" rIns="0" tIns="0" bIns="0">
-            <a:normAutofit/>
-          </a:bodyPr>
-          <a:p>
-            <a:endParaRPr b="0" lang="fr-FR" sz="3200" spc="-1" strike="noStrike">
-              <a:latin typeface="Arial"/>
-            </a:endParaRPr>
-          </a:p>
-        </p:txBody>
-      </p:sp>
-      <p:sp>
-        <p:nvSpPr>
-          <p:cNvPr id="134" name="PlaceHolder 3"/>
-          <p:cNvSpPr>
-            <a:spLocks noGrp="1"/>
-          </p:cNvSpPr>
-          <p:nvPr>
-            <p:ph type="body"/>
-          </p:nvPr>
-        </p:nvSpPr>
-        <p:spPr>
-          <a:xfrm>
-            <a:off x="6231960" y="1604520"/>
-            <a:ext cx="5354280" cy="1896840"/>
-          </a:xfrm>
-          <a:prstGeom prst="rect">
-            <a:avLst/>
-          </a:prstGeom>
-        </p:spPr>
-        <p:txBody>
-          <a:bodyPr lIns="0" rIns="0" tIns="0" bIns="0">
-            <a:normAutofit/>
-          </a:bodyPr>
-          <a:p>
-            <a:endParaRPr b="0" lang="fr-FR" sz="3200" spc="-1" strike="noStrike">
-              <a:latin typeface="Arial"/>
-            </a:endParaRPr>
-          </a:p>
-        </p:txBody>
-      </p:sp>
-      <p:sp>
-        <p:nvSpPr>
-          <p:cNvPr id="135" name="PlaceHolder 4"/>
-          <p:cNvSpPr>
-            <a:spLocks noGrp="1"/>
-          </p:cNvSpPr>
-          <p:nvPr>
-            <p:ph type="body"/>
-          </p:nvPr>
-        </p:nvSpPr>
-        <p:spPr>
-          <a:xfrm>
-            <a:off x="6231960" y="3682080"/>
-            <a:ext cx="5354280" cy="1896840"/>
-          </a:xfrm>
-          <a:prstGeom prst="rect">
-            <a:avLst/>
-          </a:prstGeom>
-        </p:spPr>
-        <p:txBody>
-          <a:bodyPr lIns="0" rIns="0" tIns="0" bIns="0">
-            <a:normAutofit/>
-          </a:bodyPr>
-          <a:p>
-            <a:endParaRPr b="0" lang="fr-FR" sz="3200" spc="-1" strike="noStrike">
-              <a:latin typeface="Arial"/>
-            </a:endParaRPr>
-          </a:p>
-        </p:txBody>
-      </p:sp>
-    </p:spTree>
-  </p:cSld>
-</p:sldLayout>
-</file>
-
-<file path=ppt/slideLayouts/slideLayout45.xml><?xml version="1.0" encoding="utf-8"?>
-<p:sldLayout xmlns:a="http://schemas.openxmlformats.org/drawingml/2006/main" xmlns:p="http://schemas.openxmlformats.org/presentationml/2006/main" xmlns:r="http://schemas.openxmlformats.org/officeDocument/2006/relationships" xmlns:p14="http://schemas.microsoft.com/office/powerpoint/2010/main" xmlns:p15="http://schemas.microsoft.com/office/powerpoint/2012/main" xmlns:mc="http://schemas.openxmlformats.org/markup-compatibility/2006" type="twoObjOverTx" preserve="1">
-  <p:cSld name="Title, 2 Content over Content">
-    <p:spTree>
-      <p:nvGrpSpPr>
-        <p:cNvPr id="1" name=""/>
-        <p:cNvGrpSpPr/>
-        <p:nvPr/>
-      </p:nvGrpSpPr>
-      <p:grpSpPr>
-        <a:xfrm>
-          <a:off x="0" y="0"/>
-          <a:ext cx="0" cy="0"/>
-          <a:chOff x="0" y="0"/>
-          <a:chExt cx="0" cy="0"/>
-        </a:xfrm>
-      </p:grpSpPr>
-      <p:sp>
-        <p:nvSpPr>
-          <p:cNvPr id="136" name="PlaceHolder 1"/>
-          <p:cNvSpPr>
-            <a:spLocks noGrp="1"/>
-          </p:cNvSpPr>
-          <p:nvPr>
-            <p:ph type="title"/>
-          </p:nvPr>
-        </p:nvSpPr>
-        <p:spPr>
-          <a:xfrm>
-            <a:off x="609480" y="273600"/>
-            <a:ext cx="10972440" cy="1144800"/>
-          </a:xfrm>
-          <a:prstGeom prst="rect">
-            <a:avLst/>
-          </a:prstGeom>
-        </p:spPr>
-        <p:txBody>
-          <a:bodyPr lIns="0" rIns="0" tIns="0" bIns="0" anchor="ctr">
-            <a:spAutoFit/>
-          </a:bodyPr>
-          <a:p>
-            <a:pPr algn="ctr"/>
-            <a:endParaRPr b="0" lang="fr-FR" sz="4400" spc="-1" strike="noStrike">
-              <a:latin typeface="Arial"/>
-            </a:endParaRPr>
-          </a:p>
-        </p:txBody>
-      </p:sp>
-      <p:sp>
-        <p:nvSpPr>
-          <p:cNvPr id="137" name="PlaceHolder 2"/>
-          <p:cNvSpPr>
-            <a:spLocks noGrp="1"/>
-          </p:cNvSpPr>
-          <p:nvPr>
-            <p:ph type="body"/>
-          </p:nvPr>
-        </p:nvSpPr>
-        <p:spPr>
-          <a:xfrm>
-            <a:off x="609480" y="1604520"/>
-            <a:ext cx="5354280" cy="1896840"/>
-          </a:xfrm>
-          <a:prstGeom prst="rect">
-            <a:avLst/>
-          </a:prstGeom>
-        </p:spPr>
-        <p:txBody>
-          <a:bodyPr lIns="0" rIns="0" tIns="0" bIns="0">
-            <a:normAutofit/>
-          </a:bodyPr>
-          <a:p>
-            <a:endParaRPr b="0" lang="fr-FR" sz="3200" spc="-1" strike="noStrike">
-              <a:latin typeface="Arial"/>
-            </a:endParaRPr>
-          </a:p>
-        </p:txBody>
-      </p:sp>
-      <p:sp>
-        <p:nvSpPr>
-          <p:cNvPr id="138" name="PlaceHolder 3"/>
-          <p:cNvSpPr>
-            <a:spLocks noGrp="1"/>
-          </p:cNvSpPr>
-          <p:nvPr>
-            <p:ph type="body"/>
-          </p:nvPr>
-        </p:nvSpPr>
-        <p:spPr>
-          <a:xfrm>
-            <a:off x="6231960" y="1604520"/>
-            <a:ext cx="5354280" cy="1896840"/>
-          </a:xfrm>
-          <a:prstGeom prst="rect">
-            <a:avLst/>
-          </a:prstGeom>
-        </p:spPr>
-        <p:txBody>
-          <a:bodyPr lIns="0" rIns="0" tIns="0" bIns="0">
-            <a:normAutofit/>
-          </a:bodyPr>
-          <a:p>
-            <a:endParaRPr b="0" lang="fr-FR" sz="3200" spc="-1" strike="noStrike">
-              <a:latin typeface="Arial"/>
-            </a:endParaRPr>
-          </a:p>
-        </p:txBody>
-      </p:sp>
-      <p:sp>
-        <p:nvSpPr>
-          <p:cNvPr id="139" name="PlaceHolder 4"/>
-          <p:cNvSpPr>
-            <a:spLocks noGrp="1"/>
-          </p:cNvSpPr>
-          <p:nvPr>
-            <p:ph type="body"/>
-          </p:nvPr>
-        </p:nvSpPr>
-        <p:spPr>
-          <a:xfrm>
-            <a:off x="609480" y="3682080"/>
-            <a:ext cx="10972440" cy="1896840"/>
-          </a:xfrm>
-          <a:prstGeom prst="rect">
-            <a:avLst/>
-          </a:prstGeom>
-        </p:spPr>
-        <p:txBody>
-          <a:bodyPr lIns="0" rIns="0" tIns="0" bIns="0">
-            <a:normAutofit/>
-          </a:bodyPr>
-          <a:p>
-            <a:endParaRPr b="0" lang="fr-FR" sz="3200" spc="-1" strike="noStrike">
-              <a:latin typeface="Arial"/>
-            </a:endParaRPr>
-          </a:p>
-        </p:txBody>
-      </p:sp>
-    </p:spTree>
-  </p:cSld>
-</p:sldLayout>
-</file>
-
-<file path=ppt/slideLayouts/slideLayout46.xml><?xml version="1.0" encoding="utf-8"?>
-<p:sldLayout xmlns:a="http://schemas.openxmlformats.org/drawingml/2006/main" xmlns:p="http://schemas.openxmlformats.org/presentationml/2006/main" xmlns:r="http://schemas.openxmlformats.org/officeDocument/2006/relationships" xmlns:p14="http://schemas.microsoft.com/office/powerpoint/2010/main" xmlns:p15="http://schemas.microsoft.com/office/powerpoint/2012/main" xmlns:mc="http://schemas.openxmlformats.org/markup-compatibility/2006" type="objOverTx" preserve="1">
-  <p:cSld name="Title, Content over Content">
-    <p:spTree>
-      <p:nvGrpSpPr>
-        <p:cNvPr id="1" name=""/>
-        <p:cNvGrpSpPr/>
-        <p:nvPr/>
-      </p:nvGrpSpPr>
-      <p:grpSpPr>
-        <a:xfrm>
-          <a:off x="0" y="0"/>
-          <a:ext cx="0" cy="0"/>
-          <a:chOff x="0" y="0"/>
-          <a:chExt cx="0" cy="0"/>
-        </a:xfrm>
-      </p:grpSpPr>
-      <p:sp>
-        <p:nvSpPr>
-          <p:cNvPr id="140" name="PlaceHolder 1"/>
-          <p:cNvSpPr>
-            <a:spLocks noGrp="1"/>
-          </p:cNvSpPr>
-          <p:nvPr>
-            <p:ph type="title"/>
-          </p:nvPr>
-        </p:nvSpPr>
-        <p:spPr>
-          <a:xfrm>
-            <a:off x="609480" y="273600"/>
-            <a:ext cx="10972440" cy="1144800"/>
-          </a:xfrm>
-          <a:prstGeom prst="rect">
-            <a:avLst/>
-          </a:prstGeom>
-        </p:spPr>
-        <p:txBody>
-          <a:bodyPr lIns="0" rIns="0" tIns="0" bIns="0" anchor="ctr">
-            <a:spAutoFit/>
-          </a:bodyPr>
-          <a:p>
-            <a:pPr algn="ctr"/>
-            <a:endParaRPr b="0" lang="fr-FR" sz="4400" spc="-1" strike="noStrike">
-              <a:latin typeface="Arial"/>
-            </a:endParaRPr>
-          </a:p>
-        </p:txBody>
-      </p:sp>
-      <p:sp>
-        <p:nvSpPr>
-          <p:cNvPr id="141" name="PlaceHolder 2"/>
-          <p:cNvSpPr>
-            <a:spLocks noGrp="1"/>
-          </p:cNvSpPr>
-          <p:nvPr>
-            <p:ph type="body"/>
-          </p:nvPr>
-        </p:nvSpPr>
-        <p:spPr>
-          <a:xfrm>
-            <a:off x="609480" y="1604520"/>
-            <a:ext cx="10972440" cy="1896840"/>
-          </a:xfrm>
-          <a:prstGeom prst="rect">
-            <a:avLst/>
-          </a:prstGeom>
-        </p:spPr>
-        <p:txBody>
-          <a:bodyPr lIns="0" rIns="0" tIns="0" bIns="0">
-            <a:normAutofit/>
-          </a:bodyPr>
-          <a:p>
-            <a:endParaRPr b="0" lang="fr-FR" sz="3200" spc="-1" strike="noStrike">
-              <a:latin typeface="Arial"/>
-            </a:endParaRPr>
-          </a:p>
-        </p:txBody>
-      </p:sp>
-      <p:sp>
-        <p:nvSpPr>
-          <p:cNvPr id="142" name="PlaceHolder 3"/>
-          <p:cNvSpPr>
-            <a:spLocks noGrp="1"/>
-          </p:cNvSpPr>
-          <p:nvPr>
-            <p:ph type="body"/>
-          </p:nvPr>
-        </p:nvSpPr>
-        <p:spPr>
-          <a:xfrm>
-            <a:off x="609480" y="3682080"/>
-            <a:ext cx="10972440" cy="1896840"/>
-          </a:xfrm>
-          <a:prstGeom prst="rect">
-            <a:avLst/>
-          </a:prstGeom>
-        </p:spPr>
-        <p:txBody>
-          <a:bodyPr lIns="0" rIns="0" tIns="0" bIns="0">
-            <a:normAutofit/>
-          </a:bodyPr>
-          <a:p>
-            <a:endParaRPr b="0" lang="fr-FR" sz="3200" spc="-1" strike="noStrike">
-              <a:latin typeface="Arial"/>
-            </a:endParaRPr>
-          </a:p>
-        </p:txBody>
-      </p:sp>
-    </p:spTree>
-  </p:cSld>
-</p:sldLayout>
-</file>
-
-<file path=ppt/slideLayouts/slideLayout47.xml><?xml version="1.0" encoding="utf-8"?>
-<p:sldLayout xmlns:a="http://schemas.openxmlformats.org/drawingml/2006/main" xmlns:p="http://schemas.openxmlformats.org/presentationml/2006/main" xmlns:r="http://schemas.openxmlformats.org/officeDocument/2006/relationships" xmlns:p14="http://schemas.microsoft.com/office/powerpoint/2010/main" xmlns:p15="http://schemas.microsoft.com/office/powerpoint/2012/main" xmlns:mc="http://schemas.openxmlformats.org/markup-compatibility/2006" type="fourObj" preserve="1">
-  <p:cSld name="Title, 4 Content">
-    <p:spTree>
-      <p:nvGrpSpPr>
-        <p:cNvPr id="1" name=""/>
-        <p:cNvGrpSpPr/>
-        <p:nvPr/>
-      </p:nvGrpSpPr>
-      <p:grpSpPr>
-        <a:xfrm>
-          <a:off x="0" y="0"/>
-          <a:ext cx="0" cy="0"/>
-          <a:chOff x="0" y="0"/>
-          <a:chExt cx="0" cy="0"/>
-        </a:xfrm>
-      </p:grpSpPr>
-      <p:sp>
-        <p:nvSpPr>
-          <p:cNvPr id="143" name="PlaceHolder 1"/>
-          <p:cNvSpPr>
-            <a:spLocks noGrp="1"/>
-          </p:cNvSpPr>
-          <p:nvPr>
-            <p:ph type="title"/>
-          </p:nvPr>
-        </p:nvSpPr>
-        <p:spPr>
-          <a:xfrm>
-            <a:off x="609480" y="273600"/>
-            <a:ext cx="10972440" cy="1144800"/>
-          </a:xfrm>
-          <a:prstGeom prst="rect">
-            <a:avLst/>
-          </a:prstGeom>
-        </p:spPr>
-        <p:txBody>
-          <a:bodyPr lIns="0" rIns="0" tIns="0" bIns="0" anchor="ctr">
-            <a:spAutoFit/>
-          </a:bodyPr>
-          <a:p>
-            <a:pPr algn="ctr"/>
-            <a:endParaRPr b="0" lang="fr-FR" sz="4400" spc="-1" strike="noStrike">
-              <a:latin typeface="Arial"/>
-            </a:endParaRPr>
-          </a:p>
-        </p:txBody>
-      </p:sp>
-      <p:sp>
-        <p:nvSpPr>
-          <p:cNvPr id="144" name="PlaceHolder 2"/>
-          <p:cNvSpPr>
-            <a:spLocks noGrp="1"/>
-          </p:cNvSpPr>
-          <p:nvPr>
-            <p:ph type="body"/>
-          </p:nvPr>
-        </p:nvSpPr>
-        <p:spPr>
-          <a:xfrm>
-            <a:off x="609480" y="1604520"/>
-            <a:ext cx="5354280" cy="1896840"/>
-          </a:xfrm>
-          <a:prstGeom prst="rect">
-            <a:avLst/>
-          </a:prstGeom>
-        </p:spPr>
-        <p:txBody>
-          <a:bodyPr lIns="0" rIns="0" tIns="0" bIns="0">
-            <a:normAutofit/>
-          </a:bodyPr>
-          <a:p>
-            <a:endParaRPr b="0" lang="fr-FR" sz="3200" spc="-1" strike="noStrike">
-              <a:latin typeface="Arial"/>
-            </a:endParaRPr>
-          </a:p>
-        </p:txBody>
-      </p:sp>
-      <p:sp>
-        <p:nvSpPr>
-          <p:cNvPr id="145" name="PlaceHolder 3"/>
-          <p:cNvSpPr>
-            <a:spLocks noGrp="1"/>
-          </p:cNvSpPr>
-          <p:nvPr>
-            <p:ph type="body"/>
-          </p:nvPr>
-        </p:nvSpPr>
-        <p:spPr>
-          <a:xfrm>
-            <a:off x="6231960" y="1604520"/>
-            <a:ext cx="5354280" cy="1896840"/>
-          </a:xfrm>
-          <a:prstGeom prst="rect">
-            <a:avLst/>
-          </a:prstGeom>
-        </p:spPr>
-        <p:txBody>
-          <a:bodyPr lIns="0" rIns="0" tIns="0" bIns="0">
-            <a:normAutofit/>
-          </a:bodyPr>
-          <a:p>
-            <a:endParaRPr b="0" lang="fr-FR" sz="3200" spc="-1" strike="noStrike">
-              <a:latin typeface="Arial"/>
-            </a:endParaRPr>
-          </a:p>
-        </p:txBody>
-      </p:sp>
-      <p:sp>
-        <p:nvSpPr>
-          <p:cNvPr id="146" name="PlaceHolder 4"/>
-          <p:cNvSpPr>
-            <a:spLocks noGrp="1"/>
-          </p:cNvSpPr>
-          <p:nvPr>
-            <p:ph type="body"/>
-          </p:nvPr>
-        </p:nvSpPr>
-        <p:spPr>
-          <a:xfrm>
-            <a:off x="609480" y="3682080"/>
-            <a:ext cx="5354280" cy="1896840"/>
-          </a:xfrm>
-          <a:prstGeom prst="rect">
-            <a:avLst/>
-          </a:prstGeom>
-        </p:spPr>
-        <p:txBody>
-          <a:bodyPr lIns="0" rIns="0" tIns="0" bIns="0">
-            <a:normAutofit/>
-          </a:bodyPr>
-          <a:p>
-            <a:endParaRPr b="0" lang="fr-FR" sz="3200" spc="-1" strike="noStrike">
-              <a:latin typeface="Arial"/>
-            </a:endParaRPr>
-          </a:p>
-        </p:txBody>
-      </p:sp>
-      <p:sp>
-        <p:nvSpPr>
-          <p:cNvPr id="147" name="PlaceHolder 5"/>
-          <p:cNvSpPr>
-            <a:spLocks noGrp="1"/>
-          </p:cNvSpPr>
-          <p:nvPr>
-            <p:ph type="body"/>
-          </p:nvPr>
-        </p:nvSpPr>
-        <p:spPr>
-          <a:xfrm>
-            <a:off x="6231960" y="3682080"/>
-            <a:ext cx="5354280" cy="1896840"/>
-          </a:xfrm>
-          <a:prstGeom prst="rect">
-            <a:avLst/>
-          </a:prstGeom>
-        </p:spPr>
-        <p:txBody>
-          <a:bodyPr lIns="0" rIns="0" tIns="0" bIns="0">
-            <a:normAutofit/>
-          </a:bodyPr>
-          <a:p>
-            <a:endParaRPr b="0" lang="fr-FR" sz="3200" spc="-1" strike="noStrike">
-              <a:latin typeface="Arial"/>
-            </a:endParaRPr>
-          </a:p>
-        </p:txBody>
-      </p:sp>
-    </p:spTree>
-  </p:cSld>
-</p:sldLayout>
-</file>
-
-<file path=ppt/slideLayouts/slideLayout48.xml><?xml version="1.0" encoding="utf-8"?>
-<p:sldLayout xmlns:a="http://schemas.openxmlformats.org/drawingml/2006/main" xmlns:p="http://schemas.openxmlformats.org/presentationml/2006/main" xmlns:r="http://schemas.openxmlformats.org/officeDocument/2006/relationships" xmlns:p14="http://schemas.microsoft.com/office/powerpoint/2010/main" xmlns:p15="http://schemas.microsoft.com/office/powerpoint/2012/main" xmlns:mc="http://schemas.openxmlformats.org/markup-compatibility/2006" type="blank" preserve="1">
-  <p:cSld name="Title, 6 Content">
-    <p:spTree>
-      <p:nvGrpSpPr>
-        <p:cNvPr id="1" name=""/>
-        <p:cNvGrpSpPr/>
-        <p:nvPr/>
-      </p:nvGrpSpPr>
-      <p:grpSpPr>
-        <a:xfrm>
-          <a:off x="0" y="0"/>
-          <a:ext cx="0" cy="0"/>
-          <a:chOff x="0" y="0"/>
-          <a:chExt cx="0" cy="0"/>
-        </a:xfrm>
-      </p:grpSpPr>
-      <p:sp>
-        <p:nvSpPr>
-          <p:cNvPr id="148" name="PlaceHolder 1"/>
-          <p:cNvSpPr>
-            <a:spLocks noGrp="1"/>
-          </p:cNvSpPr>
-          <p:nvPr>
-            <p:ph type="title"/>
-          </p:nvPr>
-        </p:nvSpPr>
-        <p:spPr>
-          <a:xfrm>
-            <a:off x="609480" y="273600"/>
-            <a:ext cx="10972440" cy="1144800"/>
-          </a:xfrm>
-          <a:prstGeom prst="rect">
-            <a:avLst/>
-          </a:prstGeom>
-        </p:spPr>
-        <p:txBody>
-          <a:bodyPr lIns="0" rIns="0" tIns="0" bIns="0" anchor="ctr">
-            <a:spAutoFit/>
-          </a:bodyPr>
-          <a:p>
-            <a:pPr algn="ctr"/>
-            <a:endParaRPr b="0" lang="fr-FR" sz="4400" spc="-1" strike="noStrike">
-              <a:latin typeface="Arial"/>
-            </a:endParaRPr>
-          </a:p>
-        </p:txBody>
-      </p:sp>
-      <p:sp>
-        <p:nvSpPr>
-          <p:cNvPr id="149" name="PlaceHolder 2"/>
-          <p:cNvSpPr>
-            <a:spLocks noGrp="1"/>
-          </p:cNvSpPr>
-          <p:nvPr>
-            <p:ph type="body"/>
-          </p:nvPr>
-        </p:nvSpPr>
-        <p:spPr>
-          <a:xfrm>
-            <a:off x="609480" y="1604520"/>
-            <a:ext cx="3533040" cy="1896840"/>
-          </a:xfrm>
-          <a:prstGeom prst="rect">
-            <a:avLst/>
-          </a:prstGeom>
-        </p:spPr>
-        <p:txBody>
-          <a:bodyPr lIns="0" rIns="0" tIns="0" bIns="0">
-            <a:normAutofit/>
-          </a:bodyPr>
-          <a:p>
-            <a:endParaRPr b="0" lang="fr-FR" sz="3200" spc="-1" strike="noStrike">
-              <a:latin typeface="Arial"/>
-            </a:endParaRPr>
-          </a:p>
-        </p:txBody>
-      </p:sp>
-      <p:sp>
-        <p:nvSpPr>
-          <p:cNvPr id="150" name="PlaceHolder 3"/>
-          <p:cNvSpPr>
-            <a:spLocks noGrp="1"/>
-          </p:cNvSpPr>
-          <p:nvPr>
-            <p:ph type="body"/>
-          </p:nvPr>
-        </p:nvSpPr>
-        <p:spPr>
-          <a:xfrm>
-            <a:off x="4319640" y="1604520"/>
-            <a:ext cx="3533040" cy="1896840"/>
-          </a:xfrm>
-          <a:prstGeom prst="rect">
-            <a:avLst/>
-          </a:prstGeom>
-        </p:spPr>
-        <p:txBody>
-          <a:bodyPr lIns="0" rIns="0" tIns="0" bIns="0">
-            <a:normAutofit/>
-          </a:bodyPr>
-          <a:p>
-            <a:endParaRPr b="0" lang="fr-FR" sz="3200" spc="-1" strike="noStrike">
-              <a:latin typeface="Arial"/>
-            </a:endParaRPr>
-          </a:p>
-        </p:txBody>
-      </p:sp>
-      <p:sp>
-        <p:nvSpPr>
-          <p:cNvPr id="151" name="PlaceHolder 4"/>
-          <p:cNvSpPr>
-            <a:spLocks noGrp="1"/>
-          </p:cNvSpPr>
-          <p:nvPr>
-            <p:ph type="body"/>
-          </p:nvPr>
-        </p:nvSpPr>
-        <p:spPr>
-          <a:xfrm>
-            <a:off x="8029800" y="1604520"/>
-            <a:ext cx="3533040" cy="1896840"/>
-          </a:xfrm>
-          <a:prstGeom prst="rect">
-            <a:avLst/>
-          </a:prstGeom>
-        </p:spPr>
-        <p:txBody>
-          <a:bodyPr lIns="0" rIns="0" tIns="0" bIns="0">
-            <a:normAutofit/>
-          </a:bodyPr>
-          <a:p>
-            <a:endParaRPr b="0" lang="fr-FR" sz="3200" spc="-1" strike="noStrike">
-              <a:latin typeface="Arial"/>
-            </a:endParaRPr>
-          </a:p>
-        </p:txBody>
-      </p:sp>
-      <p:sp>
-        <p:nvSpPr>
-          <p:cNvPr id="152" name="PlaceHolder 5"/>
-          <p:cNvSpPr>
-            <a:spLocks noGrp="1"/>
-          </p:cNvSpPr>
-          <p:nvPr>
-            <p:ph type="body"/>
-          </p:nvPr>
-        </p:nvSpPr>
-        <p:spPr>
-          <a:xfrm>
-            <a:off x="609480" y="3682080"/>
-            <a:ext cx="3533040" cy="1896840"/>
-          </a:xfrm>
-          <a:prstGeom prst="rect">
-            <a:avLst/>
-          </a:prstGeom>
-        </p:spPr>
-        <p:txBody>
-          <a:bodyPr lIns="0" rIns="0" tIns="0" bIns="0">
-            <a:normAutofit/>
-          </a:bodyPr>
-          <a:p>
-            <a:endParaRPr b="0" lang="fr-FR" sz="3200" spc="-1" strike="noStrike">
-              <a:latin typeface="Arial"/>
-            </a:endParaRPr>
-          </a:p>
-        </p:txBody>
-      </p:sp>
-      <p:sp>
-        <p:nvSpPr>
-          <p:cNvPr id="153" name="PlaceHolder 6"/>
-          <p:cNvSpPr>
-            <a:spLocks noGrp="1"/>
-          </p:cNvSpPr>
-          <p:nvPr>
-            <p:ph type="body"/>
-          </p:nvPr>
-        </p:nvSpPr>
-        <p:spPr>
-          <a:xfrm>
-            <a:off x="4319640" y="3682080"/>
-            <a:ext cx="3533040" cy="1896840"/>
-          </a:xfrm>
-          <a:prstGeom prst="rect">
-            <a:avLst/>
-          </a:prstGeom>
-        </p:spPr>
-        <p:txBody>
-          <a:bodyPr lIns="0" rIns="0" tIns="0" bIns="0">
-            <a:normAutofit/>
-          </a:bodyPr>
-          <a:p>
-            <a:endParaRPr b="0" lang="fr-FR" sz="3200" spc="-1" strike="noStrike">
-              <a:latin typeface="Arial"/>
-            </a:endParaRPr>
-          </a:p>
-        </p:txBody>
-      </p:sp>
-      <p:sp>
-        <p:nvSpPr>
-          <p:cNvPr id="154" name="PlaceHolder 7"/>
-          <p:cNvSpPr>
-            <a:spLocks noGrp="1"/>
-          </p:cNvSpPr>
-          <p:nvPr>
-            <p:ph type="body"/>
-          </p:nvPr>
-        </p:nvSpPr>
-        <p:spPr>
-          <a:xfrm>
-            <a:off x="8029800" y="3682080"/>
-            <a:ext cx="3533040" cy="1896840"/>
-          </a:xfrm>
-          <a:prstGeom prst="rect">
-            <a:avLst/>
-          </a:prstGeom>
-        </p:spPr>
-        <p:txBody>
-          <a:bodyPr lIns="0" rIns="0" tIns="0" bIns="0">
-            <a:normAutofit/>
-          </a:bodyPr>
-          <a:p>
-            <a:endParaRPr b="0" lang="fr-FR" sz="3200" spc="-1" strike="noStrike">
-              <a:latin typeface="Arial"/>
-            </a:endParaRPr>
-          </a:p>
-        </p:txBody>
-      </p:sp>
-    </p:spTree>
-  </p:cSld>
-</p:sldLayout>
-</file>
-
-<file path=ppt/slideLayouts/slideLayout49.xml><?xml version="1.0" encoding="utf-8"?>
-<p:sldLayout xmlns:a="http://schemas.openxmlformats.org/drawingml/2006/main" xmlns:p="http://schemas.openxmlformats.org/presentationml/2006/main" xmlns:r="http://schemas.openxmlformats.org/officeDocument/2006/relationships" xmlns:p14="http://schemas.microsoft.com/office/powerpoint/2010/main" xmlns:p15="http://schemas.microsoft.com/office/powerpoint/2012/main" xmlns:mc="http://schemas.openxmlformats.org/markup-compatibility/2006" type="blank" preserve="1">
-  <p:cSld name="Blank Slide">
-    <p:spTree>
-      <p:nvGrpSpPr>
-        <p:cNvPr id="1" name=""/>
-        <p:cNvGrpSpPr/>
-        <p:nvPr/>
-      </p:nvGrpSpPr>
-      <p:grpSpPr>
-        <a:xfrm>
-          <a:off x="0" y="0"/>
-          <a:ext cx="0" cy="0"/>
-          <a:chOff x="0" y="0"/>
-          <a:chExt cx="0" cy="0"/>
-        </a:xfrm>
-      </p:grpSpPr>
     </p:spTree>
   </p:cSld>
 </p:sldLayout>
@@ -4999,1107 +3619,6 @@
 </p:sldLayout>
 </file>
 
-<file path=ppt/slideLayouts/slideLayout50.xml><?xml version="1.0" encoding="utf-8"?>
-<p:sldLayout xmlns:a="http://schemas.openxmlformats.org/drawingml/2006/main" xmlns:p="http://schemas.openxmlformats.org/presentationml/2006/main" xmlns:r="http://schemas.openxmlformats.org/officeDocument/2006/relationships" xmlns:p14="http://schemas.microsoft.com/office/powerpoint/2010/main" xmlns:p15="http://schemas.microsoft.com/office/powerpoint/2012/main" xmlns:mc="http://schemas.openxmlformats.org/markup-compatibility/2006" type="tx" preserve="1">
-  <p:cSld name="Title Slide">
-    <p:spTree>
-      <p:nvGrpSpPr>
-        <p:cNvPr id="1" name=""/>
-        <p:cNvGrpSpPr/>
-        <p:nvPr/>
-      </p:nvGrpSpPr>
-      <p:grpSpPr>
-        <a:xfrm>
-          <a:off x="0" y="0"/>
-          <a:ext cx="0" cy="0"/>
-          <a:chOff x="0" y="0"/>
-          <a:chExt cx="0" cy="0"/>
-        </a:xfrm>
-      </p:grpSpPr>
-      <p:sp>
-        <p:nvSpPr>
-          <p:cNvPr id="155" name="PlaceHolder 1"/>
-          <p:cNvSpPr>
-            <a:spLocks noGrp="1"/>
-          </p:cNvSpPr>
-          <p:nvPr>
-            <p:ph type="title"/>
-          </p:nvPr>
-        </p:nvSpPr>
-        <p:spPr>
-          <a:xfrm>
-            <a:off x="609480" y="273600"/>
-            <a:ext cx="10972440" cy="1144800"/>
-          </a:xfrm>
-          <a:prstGeom prst="rect">
-            <a:avLst/>
-          </a:prstGeom>
-        </p:spPr>
-        <p:txBody>
-          <a:bodyPr lIns="0" rIns="0" tIns="0" bIns="0" anchor="ctr">
-            <a:spAutoFit/>
-          </a:bodyPr>
-          <a:p>
-            <a:pPr algn="ctr"/>
-            <a:endParaRPr b="0" lang="fr-FR" sz="4400" spc="-1" strike="noStrike">
-              <a:latin typeface="Arial"/>
-            </a:endParaRPr>
-          </a:p>
-        </p:txBody>
-      </p:sp>
-      <p:sp>
-        <p:nvSpPr>
-          <p:cNvPr id="156" name="PlaceHolder 2"/>
-          <p:cNvSpPr>
-            <a:spLocks noGrp="1"/>
-          </p:cNvSpPr>
-          <p:nvPr>
-            <p:ph type="subTitle"/>
-          </p:nvPr>
-        </p:nvSpPr>
-        <p:spPr>
-          <a:xfrm>
-            <a:off x="609480" y="1604520"/>
-            <a:ext cx="10972440" cy="3977280"/>
-          </a:xfrm>
-          <a:prstGeom prst="rect">
-            <a:avLst/>
-          </a:prstGeom>
-        </p:spPr>
-        <p:txBody>
-          <a:bodyPr lIns="0" rIns="0" tIns="0" bIns="0" anchor="ctr">
-            <a:spAutoFit/>
-          </a:bodyPr>
-          <a:p>
-            <a:pPr algn="ctr"/>
-            <a:endParaRPr b="0" lang="fr-FR" sz="3200" spc="-1" strike="noStrike">
-              <a:latin typeface="Arial"/>
-            </a:endParaRPr>
-          </a:p>
-        </p:txBody>
-      </p:sp>
-    </p:spTree>
-  </p:cSld>
-</p:sldLayout>
-</file>
-
-<file path=ppt/slideLayouts/slideLayout51.xml><?xml version="1.0" encoding="utf-8"?>
-<p:sldLayout xmlns:a="http://schemas.openxmlformats.org/drawingml/2006/main" xmlns:p="http://schemas.openxmlformats.org/presentationml/2006/main" xmlns:r="http://schemas.openxmlformats.org/officeDocument/2006/relationships" xmlns:p14="http://schemas.microsoft.com/office/powerpoint/2010/main" xmlns:p15="http://schemas.microsoft.com/office/powerpoint/2012/main" xmlns:mc="http://schemas.openxmlformats.org/markup-compatibility/2006" type="obj" preserve="1">
-  <p:cSld name="Title, Content">
-    <p:spTree>
-      <p:nvGrpSpPr>
-        <p:cNvPr id="1" name=""/>
-        <p:cNvGrpSpPr/>
-        <p:nvPr/>
-      </p:nvGrpSpPr>
-      <p:grpSpPr>
-        <a:xfrm>
-          <a:off x="0" y="0"/>
-          <a:ext cx="0" cy="0"/>
-          <a:chOff x="0" y="0"/>
-          <a:chExt cx="0" cy="0"/>
-        </a:xfrm>
-      </p:grpSpPr>
-      <p:sp>
-        <p:nvSpPr>
-          <p:cNvPr id="157" name="PlaceHolder 1"/>
-          <p:cNvSpPr>
-            <a:spLocks noGrp="1"/>
-          </p:cNvSpPr>
-          <p:nvPr>
-            <p:ph type="title"/>
-          </p:nvPr>
-        </p:nvSpPr>
-        <p:spPr>
-          <a:xfrm>
-            <a:off x="609480" y="273600"/>
-            <a:ext cx="10972440" cy="1144800"/>
-          </a:xfrm>
-          <a:prstGeom prst="rect">
-            <a:avLst/>
-          </a:prstGeom>
-        </p:spPr>
-        <p:txBody>
-          <a:bodyPr lIns="0" rIns="0" tIns="0" bIns="0" anchor="ctr">
-            <a:spAutoFit/>
-          </a:bodyPr>
-          <a:p>
-            <a:pPr algn="ctr"/>
-            <a:endParaRPr b="0" lang="fr-FR" sz="4400" spc="-1" strike="noStrike">
-              <a:latin typeface="Arial"/>
-            </a:endParaRPr>
-          </a:p>
-        </p:txBody>
-      </p:sp>
-      <p:sp>
-        <p:nvSpPr>
-          <p:cNvPr id="158" name="PlaceHolder 2"/>
-          <p:cNvSpPr>
-            <a:spLocks noGrp="1"/>
-          </p:cNvSpPr>
-          <p:nvPr>
-            <p:ph type="body"/>
-          </p:nvPr>
-        </p:nvSpPr>
-        <p:spPr>
-          <a:xfrm>
-            <a:off x="609480" y="1604520"/>
-            <a:ext cx="10972440" cy="3977280"/>
-          </a:xfrm>
-          <a:prstGeom prst="rect">
-            <a:avLst/>
-          </a:prstGeom>
-        </p:spPr>
-        <p:txBody>
-          <a:bodyPr lIns="0" rIns="0" tIns="0" bIns="0">
-            <a:normAutofit/>
-          </a:bodyPr>
-          <a:p>
-            <a:endParaRPr b="0" lang="fr-FR" sz="3200" spc="-1" strike="noStrike">
-              <a:latin typeface="Arial"/>
-            </a:endParaRPr>
-          </a:p>
-        </p:txBody>
-      </p:sp>
-    </p:spTree>
-  </p:cSld>
-</p:sldLayout>
-</file>
-
-<file path=ppt/slideLayouts/slideLayout52.xml><?xml version="1.0" encoding="utf-8"?>
-<p:sldLayout xmlns:a="http://schemas.openxmlformats.org/drawingml/2006/main" xmlns:p="http://schemas.openxmlformats.org/presentationml/2006/main" xmlns:r="http://schemas.openxmlformats.org/officeDocument/2006/relationships" xmlns:p14="http://schemas.microsoft.com/office/powerpoint/2010/main" xmlns:p15="http://schemas.microsoft.com/office/powerpoint/2012/main" xmlns:mc="http://schemas.openxmlformats.org/markup-compatibility/2006" type="twoObj" preserve="1">
-  <p:cSld name="Title, 2 Content">
-    <p:spTree>
-      <p:nvGrpSpPr>
-        <p:cNvPr id="1" name=""/>
-        <p:cNvGrpSpPr/>
-        <p:nvPr/>
-      </p:nvGrpSpPr>
-      <p:grpSpPr>
-        <a:xfrm>
-          <a:off x="0" y="0"/>
-          <a:ext cx="0" cy="0"/>
-          <a:chOff x="0" y="0"/>
-          <a:chExt cx="0" cy="0"/>
-        </a:xfrm>
-      </p:grpSpPr>
-      <p:sp>
-        <p:nvSpPr>
-          <p:cNvPr id="159" name="PlaceHolder 1"/>
-          <p:cNvSpPr>
-            <a:spLocks noGrp="1"/>
-          </p:cNvSpPr>
-          <p:nvPr>
-            <p:ph type="title"/>
-          </p:nvPr>
-        </p:nvSpPr>
-        <p:spPr>
-          <a:xfrm>
-            <a:off x="609480" y="273600"/>
-            <a:ext cx="10972440" cy="1144800"/>
-          </a:xfrm>
-          <a:prstGeom prst="rect">
-            <a:avLst/>
-          </a:prstGeom>
-        </p:spPr>
-        <p:txBody>
-          <a:bodyPr lIns="0" rIns="0" tIns="0" bIns="0" anchor="ctr">
-            <a:spAutoFit/>
-          </a:bodyPr>
-          <a:p>
-            <a:pPr algn="ctr"/>
-            <a:endParaRPr b="0" lang="fr-FR" sz="4400" spc="-1" strike="noStrike">
-              <a:latin typeface="Arial"/>
-            </a:endParaRPr>
-          </a:p>
-        </p:txBody>
-      </p:sp>
-      <p:sp>
-        <p:nvSpPr>
-          <p:cNvPr id="160" name="PlaceHolder 2"/>
-          <p:cNvSpPr>
-            <a:spLocks noGrp="1"/>
-          </p:cNvSpPr>
-          <p:nvPr>
-            <p:ph type="body"/>
-          </p:nvPr>
-        </p:nvSpPr>
-        <p:spPr>
-          <a:xfrm>
-            <a:off x="609480" y="1604520"/>
-            <a:ext cx="5354280" cy="3977280"/>
-          </a:xfrm>
-          <a:prstGeom prst="rect">
-            <a:avLst/>
-          </a:prstGeom>
-        </p:spPr>
-        <p:txBody>
-          <a:bodyPr lIns="0" rIns="0" tIns="0" bIns="0">
-            <a:normAutofit/>
-          </a:bodyPr>
-          <a:p>
-            <a:endParaRPr b="0" lang="fr-FR" sz="3200" spc="-1" strike="noStrike">
-              <a:latin typeface="Arial"/>
-            </a:endParaRPr>
-          </a:p>
-        </p:txBody>
-      </p:sp>
-      <p:sp>
-        <p:nvSpPr>
-          <p:cNvPr id="161" name="PlaceHolder 3"/>
-          <p:cNvSpPr>
-            <a:spLocks noGrp="1"/>
-          </p:cNvSpPr>
-          <p:nvPr>
-            <p:ph type="body"/>
-          </p:nvPr>
-        </p:nvSpPr>
-        <p:spPr>
-          <a:xfrm>
-            <a:off x="6231960" y="1604520"/>
-            <a:ext cx="5354280" cy="3977280"/>
-          </a:xfrm>
-          <a:prstGeom prst="rect">
-            <a:avLst/>
-          </a:prstGeom>
-        </p:spPr>
-        <p:txBody>
-          <a:bodyPr lIns="0" rIns="0" tIns="0" bIns="0">
-            <a:normAutofit/>
-          </a:bodyPr>
-          <a:p>
-            <a:endParaRPr b="0" lang="fr-FR" sz="3200" spc="-1" strike="noStrike">
-              <a:latin typeface="Arial"/>
-            </a:endParaRPr>
-          </a:p>
-        </p:txBody>
-      </p:sp>
-    </p:spTree>
-  </p:cSld>
-</p:sldLayout>
-</file>
-
-<file path=ppt/slideLayouts/slideLayout53.xml><?xml version="1.0" encoding="utf-8"?>
-<p:sldLayout xmlns:a="http://schemas.openxmlformats.org/drawingml/2006/main" xmlns:p="http://schemas.openxmlformats.org/presentationml/2006/main" xmlns:r="http://schemas.openxmlformats.org/officeDocument/2006/relationships" xmlns:p14="http://schemas.microsoft.com/office/powerpoint/2010/main" xmlns:p15="http://schemas.microsoft.com/office/powerpoint/2012/main" xmlns:mc="http://schemas.openxmlformats.org/markup-compatibility/2006" type="titleOnly" preserve="1">
-  <p:cSld name="Title Only">
-    <p:spTree>
-      <p:nvGrpSpPr>
-        <p:cNvPr id="1" name=""/>
-        <p:cNvGrpSpPr/>
-        <p:nvPr/>
-      </p:nvGrpSpPr>
-      <p:grpSpPr>
-        <a:xfrm>
-          <a:off x="0" y="0"/>
-          <a:ext cx="0" cy="0"/>
-          <a:chOff x="0" y="0"/>
-          <a:chExt cx="0" cy="0"/>
-        </a:xfrm>
-      </p:grpSpPr>
-      <p:sp>
-        <p:nvSpPr>
-          <p:cNvPr id="162" name="PlaceHolder 1"/>
-          <p:cNvSpPr>
-            <a:spLocks noGrp="1"/>
-          </p:cNvSpPr>
-          <p:nvPr>
-            <p:ph type="title"/>
-          </p:nvPr>
-        </p:nvSpPr>
-        <p:spPr>
-          <a:xfrm>
-            <a:off x="609480" y="273600"/>
-            <a:ext cx="10972440" cy="1144800"/>
-          </a:xfrm>
-          <a:prstGeom prst="rect">
-            <a:avLst/>
-          </a:prstGeom>
-        </p:spPr>
-        <p:txBody>
-          <a:bodyPr lIns="0" rIns="0" tIns="0" bIns="0" anchor="ctr">
-            <a:spAutoFit/>
-          </a:bodyPr>
-          <a:p>
-            <a:pPr algn="ctr"/>
-            <a:endParaRPr b="0" lang="fr-FR" sz="4400" spc="-1" strike="noStrike">
-              <a:latin typeface="Arial"/>
-            </a:endParaRPr>
-          </a:p>
-        </p:txBody>
-      </p:sp>
-    </p:spTree>
-  </p:cSld>
-</p:sldLayout>
-</file>
-
-<file path=ppt/slideLayouts/slideLayout54.xml><?xml version="1.0" encoding="utf-8"?>
-<p:sldLayout xmlns:a="http://schemas.openxmlformats.org/drawingml/2006/main" xmlns:p="http://schemas.openxmlformats.org/presentationml/2006/main" xmlns:r="http://schemas.openxmlformats.org/officeDocument/2006/relationships" xmlns:p14="http://schemas.microsoft.com/office/powerpoint/2010/main" xmlns:p15="http://schemas.microsoft.com/office/powerpoint/2012/main" xmlns:mc="http://schemas.openxmlformats.org/markup-compatibility/2006" type="objOnly" preserve="1">
-  <p:cSld name="Centered Text">
-    <p:spTree>
-      <p:nvGrpSpPr>
-        <p:cNvPr id="1" name=""/>
-        <p:cNvGrpSpPr/>
-        <p:nvPr/>
-      </p:nvGrpSpPr>
-      <p:grpSpPr>
-        <a:xfrm>
-          <a:off x="0" y="0"/>
-          <a:ext cx="0" cy="0"/>
-          <a:chOff x="0" y="0"/>
-          <a:chExt cx="0" cy="0"/>
-        </a:xfrm>
-      </p:grpSpPr>
-      <p:sp>
-        <p:nvSpPr>
-          <p:cNvPr id="163" name="PlaceHolder 1"/>
-          <p:cNvSpPr>
-            <a:spLocks noGrp="1"/>
-          </p:cNvSpPr>
-          <p:nvPr>
-            <p:ph type="subTitle"/>
-          </p:nvPr>
-        </p:nvSpPr>
-        <p:spPr>
-          <a:xfrm>
-            <a:off x="609480" y="273600"/>
-            <a:ext cx="10972440" cy="5307840"/>
-          </a:xfrm>
-          <a:prstGeom prst="rect">
-            <a:avLst/>
-          </a:prstGeom>
-        </p:spPr>
-        <p:txBody>
-          <a:bodyPr lIns="0" rIns="0" tIns="0" bIns="0" anchor="ctr">
-            <a:spAutoFit/>
-          </a:bodyPr>
-          <a:p>
-            <a:pPr algn="ctr"/>
-            <a:endParaRPr b="0" lang="fr-FR" sz="3200" spc="-1" strike="noStrike">
-              <a:latin typeface="Arial"/>
-            </a:endParaRPr>
-          </a:p>
-        </p:txBody>
-      </p:sp>
-    </p:spTree>
-  </p:cSld>
-</p:sldLayout>
-</file>
-
-<file path=ppt/slideLayouts/slideLayout55.xml><?xml version="1.0" encoding="utf-8"?>
-<p:sldLayout xmlns:a="http://schemas.openxmlformats.org/drawingml/2006/main" xmlns:p="http://schemas.openxmlformats.org/presentationml/2006/main" xmlns:r="http://schemas.openxmlformats.org/officeDocument/2006/relationships" xmlns:p14="http://schemas.microsoft.com/office/powerpoint/2010/main" xmlns:p15="http://schemas.microsoft.com/office/powerpoint/2012/main" xmlns:mc="http://schemas.openxmlformats.org/markup-compatibility/2006" type="twoObjAndObj" preserve="1">
-  <p:cSld name="Title, 2 Content and Content">
-    <p:spTree>
-      <p:nvGrpSpPr>
-        <p:cNvPr id="1" name=""/>
-        <p:cNvGrpSpPr/>
-        <p:nvPr/>
-      </p:nvGrpSpPr>
-      <p:grpSpPr>
-        <a:xfrm>
-          <a:off x="0" y="0"/>
-          <a:ext cx="0" cy="0"/>
-          <a:chOff x="0" y="0"/>
-          <a:chExt cx="0" cy="0"/>
-        </a:xfrm>
-      </p:grpSpPr>
-      <p:sp>
-        <p:nvSpPr>
-          <p:cNvPr id="164" name="PlaceHolder 1"/>
-          <p:cNvSpPr>
-            <a:spLocks noGrp="1"/>
-          </p:cNvSpPr>
-          <p:nvPr>
-            <p:ph type="title"/>
-          </p:nvPr>
-        </p:nvSpPr>
-        <p:spPr>
-          <a:xfrm>
-            <a:off x="609480" y="273600"/>
-            <a:ext cx="10972440" cy="1144800"/>
-          </a:xfrm>
-          <a:prstGeom prst="rect">
-            <a:avLst/>
-          </a:prstGeom>
-        </p:spPr>
-        <p:txBody>
-          <a:bodyPr lIns="0" rIns="0" tIns="0" bIns="0" anchor="ctr">
-            <a:spAutoFit/>
-          </a:bodyPr>
-          <a:p>
-            <a:pPr algn="ctr"/>
-            <a:endParaRPr b="0" lang="fr-FR" sz="4400" spc="-1" strike="noStrike">
-              <a:latin typeface="Arial"/>
-            </a:endParaRPr>
-          </a:p>
-        </p:txBody>
-      </p:sp>
-      <p:sp>
-        <p:nvSpPr>
-          <p:cNvPr id="165" name="PlaceHolder 2"/>
-          <p:cNvSpPr>
-            <a:spLocks noGrp="1"/>
-          </p:cNvSpPr>
-          <p:nvPr>
-            <p:ph type="body"/>
-          </p:nvPr>
-        </p:nvSpPr>
-        <p:spPr>
-          <a:xfrm>
-            <a:off x="609480" y="1604520"/>
-            <a:ext cx="5354280" cy="1896840"/>
-          </a:xfrm>
-          <a:prstGeom prst="rect">
-            <a:avLst/>
-          </a:prstGeom>
-        </p:spPr>
-        <p:txBody>
-          <a:bodyPr lIns="0" rIns="0" tIns="0" bIns="0">
-            <a:normAutofit/>
-          </a:bodyPr>
-          <a:p>
-            <a:endParaRPr b="0" lang="fr-FR" sz="3200" spc="-1" strike="noStrike">
-              <a:latin typeface="Arial"/>
-            </a:endParaRPr>
-          </a:p>
-        </p:txBody>
-      </p:sp>
-      <p:sp>
-        <p:nvSpPr>
-          <p:cNvPr id="166" name="PlaceHolder 3"/>
-          <p:cNvSpPr>
-            <a:spLocks noGrp="1"/>
-          </p:cNvSpPr>
-          <p:nvPr>
-            <p:ph type="body"/>
-          </p:nvPr>
-        </p:nvSpPr>
-        <p:spPr>
-          <a:xfrm>
-            <a:off x="6231960" y="1604520"/>
-            <a:ext cx="5354280" cy="3977280"/>
-          </a:xfrm>
-          <a:prstGeom prst="rect">
-            <a:avLst/>
-          </a:prstGeom>
-        </p:spPr>
-        <p:txBody>
-          <a:bodyPr lIns="0" rIns="0" tIns="0" bIns="0">
-            <a:normAutofit/>
-          </a:bodyPr>
-          <a:p>
-            <a:endParaRPr b="0" lang="fr-FR" sz="3200" spc="-1" strike="noStrike">
-              <a:latin typeface="Arial"/>
-            </a:endParaRPr>
-          </a:p>
-        </p:txBody>
-      </p:sp>
-      <p:sp>
-        <p:nvSpPr>
-          <p:cNvPr id="167" name="PlaceHolder 4"/>
-          <p:cNvSpPr>
-            <a:spLocks noGrp="1"/>
-          </p:cNvSpPr>
-          <p:nvPr>
-            <p:ph type="body"/>
-          </p:nvPr>
-        </p:nvSpPr>
-        <p:spPr>
-          <a:xfrm>
-            <a:off x="609480" y="3682080"/>
-            <a:ext cx="5354280" cy="1896840"/>
-          </a:xfrm>
-          <a:prstGeom prst="rect">
-            <a:avLst/>
-          </a:prstGeom>
-        </p:spPr>
-        <p:txBody>
-          <a:bodyPr lIns="0" rIns="0" tIns="0" bIns="0">
-            <a:normAutofit/>
-          </a:bodyPr>
-          <a:p>
-            <a:endParaRPr b="0" lang="fr-FR" sz="3200" spc="-1" strike="noStrike">
-              <a:latin typeface="Arial"/>
-            </a:endParaRPr>
-          </a:p>
-        </p:txBody>
-      </p:sp>
-    </p:spTree>
-  </p:cSld>
-</p:sldLayout>
-</file>
-
-<file path=ppt/slideLayouts/slideLayout56.xml><?xml version="1.0" encoding="utf-8"?>
-<p:sldLayout xmlns:a="http://schemas.openxmlformats.org/drawingml/2006/main" xmlns:p="http://schemas.openxmlformats.org/presentationml/2006/main" xmlns:r="http://schemas.openxmlformats.org/officeDocument/2006/relationships" xmlns:p14="http://schemas.microsoft.com/office/powerpoint/2010/main" xmlns:p15="http://schemas.microsoft.com/office/powerpoint/2012/main" xmlns:mc="http://schemas.openxmlformats.org/markup-compatibility/2006" type="objAndTwoObj" preserve="1">
-  <p:cSld name="Title Content and 2 Content">
-    <p:spTree>
-      <p:nvGrpSpPr>
-        <p:cNvPr id="1" name=""/>
-        <p:cNvGrpSpPr/>
-        <p:nvPr/>
-      </p:nvGrpSpPr>
-      <p:grpSpPr>
-        <a:xfrm>
-          <a:off x="0" y="0"/>
-          <a:ext cx="0" cy="0"/>
-          <a:chOff x="0" y="0"/>
-          <a:chExt cx="0" cy="0"/>
-        </a:xfrm>
-      </p:grpSpPr>
-      <p:sp>
-        <p:nvSpPr>
-          <p:cNvPr id="168" name="PlaceHolder 1"/>
-          <p:cNvSpPr>
-            <a:spLocks noGrp="1"/>
-          </p:cNvSpPr>
-          <p:nvPr>
-            <p:ph type="title"/>
-          </p:nvPr>
-        </p:nvSpPr>
-        <p:spPr>
-          <a:xfrm>
-            <a:off x="609480" y="273600"/>
-            <a:ext cx="10972440" cy="1144800"/>
-          </a:xfrm>
-          <a:prstGeom prst="rect">
-            <a:avLst/>
-          </a:prstGeom>
-        </p:spPr>
-        <p:txBody>
-          <a:bodyPr lIns="0" rIns="0" tIns="0" bIns="0" anchor="ctr">
-            <a:spAutoFit/>
-          </a:bodyPr>
-          <a:p>
-            <a:pPr algn="ctr"/>
-            <a:endParaRPr b="0" lang="fr-FR" sz="4400" spc="-1" strike="noStrike">
-              <a:latin typeface="Arial"/>
-            </a:endParaRPr>
-          </a:p>
-        </p:txBody>
-      </p:sp>
-      <p:sp>
-        <p:nvSpPr>
-          <p:cNvPr id="169" name="PlaceHolder 2"/>
-          <p:cNvSpPr>
-            <a:spLocks noGrp="1"/>
-          </p:cNvSpPr>
-          <p:nvPr>
-            <p:ph type="body"/>
-          </p:nvPr>
-        </p:nvSpPr>
-        <p:spPr>
-          <a:xfrm>
-            <a:off x="609480" y="1604520"/>
-            <a:ext cx="5354280" cy="3977280"/>
-          </a:xfrm>
-          <a:prstGeom prst="rect">
-            <a:avLst/>
-          </a:prstGeom>
-        </p:spPr>
-        <p:txBody>
-          <a:bodyPr lIns="0" rIns="0" tIns="0" bIns="0">
-            <a:normAutofit/>
-          </a:bodyPr>
-          <a:p>
-            <a:endParaRPr b="0" lang="fr-FR" sz="3200" spc="-1" strike="noStrike">
-              <a:latin typeface="Arial"/>
-            </a:endParaRPr>
-          </a:p>
-        </p:txBody>
-      </p:sp>
-      <p:sp>
-        <p:nvSpPr>
-          <p:cNvPr id="170" name="PlaceHolder 3"/>
-          <p:cNvSpPr>
-            <a:spLocks noGrp="1"/>
-          </p:cNvSpPr>
-          <p:nvPr>
-            <p:ph type="body"/>
-          </p:nvPr>
-        </p:nvSpPr>
-        <p:spPr>
-          <a:xfrm>
-            <a:off x="6231960" y="1604520"/>
-            <a:ext cx="5354280" cy="1896840"/>
-          </a:xfrm>
-          <a:prstGeom prst="rect">
-            <a:avLst/>
-          </a:prstGeom>
-        </p:spPr>
-        <p:txBody>
-          <a:bodyPr lIns="0" rIns="0" tIns="0" bIns="0">
-            <a:normAutofit/>
-          </a:bodyPr>
-          <a:p>
-            <a:endParaRPr b="0" lang="fr-FR" sz="3200" spc="-1" strike="noStrike">
-              <a:latin typeface="Arial"/>
-            </a:endParaRPr>
-          </a:p>
-        </p:txBody>
-      </p:sp>
-      <p:sp>
-        <p:nvSpPr>
-          <p:cNvPr id="171" name="PlaceHolder 4"/>
-          <p:cNvSpPr>
-            <a:spLocks noGrp="1"/>
-          </p:cNvSpPr>
-          <p:nvPr>
-            <p:ph type="body"/>
-          </p:nvPr>
-        </p:nvSpPr>
-        <p:spPr>
-          <a:xfrm>
-            <a:off x="6231960" y="3682080"/>
-            <a:ext cx="5354280" cy="1896840"/>
-          </a:xfrm>
-          <a:prstGeom prst="rect">
-            <a:avLst/>
-          </a:prstGeom>
-        </p:spPr>
-        <p:txBody>
-          <a:bodyPr lIns="0" rIns="0" tIns="0" bIns="0">
-            <a:normAutofit/>
-          </a:bodyPr>
-          <a:p>
-            <a:endParaRPr b="0" lang="fr-FR" sz="3200" spc="-1" strike="noStrike">
-              <a:latin typeface="Arial"/>
-            </a:endParaRPr>
-          </a:p>
-        </p:txBody>
-      </p:sp>
-    </p:spTree>
-  </p:cSld>
-</p:sldLayout>
-</file>
-
-<file path=ppt/slideLayouts/slideLayout57.xml><?xml version="1.0" encoding="utf-8"?>
-<p:sldLayout xmlns:a="http://schemas.openxmlformats.org/drawingml/2006/main" xmlns:p="http://schemas.openxmlformats.org/presentationml/2006/main" xmlns:r="http://schemas.openxmlformats.org/officeDocument/2006/relationships" xmlns:p14="http://schemas.microsoft.com/office/powerpoint/2010/main" xmlns:p15="http://schemas.microsoft.com/office/powerpoint/2012/main" xmlns:mc="http://schemas.openxmlformats.org/markup-compatibility/2006" type="twoObjOverTx" preserve="1">
-  <p:cSld name="Title, 2 Content over Content">
-    <p:spTree>
-      <p:nvGrpSpPr>
-        <p:cNvPr id="1" name=""/>
-        <p:cNvGrpSpPr/>
-        <p:nvPr/>
-      </p:nvGrpSpPr>
-      <p:grpSpPr>
-        <a:xfrm>
-          <a:off x="0" y="0"/>
-          <a:ext cx="0" cy="0"/>
-          <a:chOff x="0" y="0"/>
-          <a:chExt cx="0" cy="0"/>
-        </a:xfrm>
-      </p:grpSpPr>
-      <p:sp>
-        <p:nvSpPr>
-          <p:cNvPr id="172" name="PlaceHolder 1"/>
-          <p:cNvSpPr>
-            <a:spLocks noGrp="1"/>
-          </p:cNvSpPr>
-          <p:nvPr>
-            <p:ph type="title"/>
-          </p:nvPr>
-        </p:nvSpPr>
-        <p:spPr>
-          <a:xfrm>
-            <a:off x="609480" y="273600"/>
-            <a:ext cx="10972440" cy="1144800"/>
-          </a:xfrm>
-          <a:prstGeom prst="rect">
-            <a:avLst/>
-          </a:prstGeom>
-        </p:spPr>
-        <p:txBody>
-          <a:bodyPr lIns="0" rIns="0" tIns="0" bIns="0" anchor="ctr">
-            <a:spAutoFit/>
-          </a:bodyPr>
-          <a:p>
-            <a:pPr algn="ctr"/>
-            <a:endParaRPr b="0" lang="fr-FR" sz="4400" spc="-1" strike="noStrike">
-              <a:latin typeface="Arial"/>
-            </a:endParaRPr>
-          </a:p>
-        </p:txBody>
-      </p:sp>
-      <p:sp>
-        <p:nvSpPr>
-          <p:cNvPr id="173" name="PlaceHolder 2"/>
-          <p:cNvSpPr>
-            <a:spLocks noGrp="1"/>
-          </p:cNvSpPr>
-          <p:nvPr>
-            <p:ph type="body"/>
-          </p:nvPr>
-        </p:nvSpPr>
-        <p:spPr>
-          <a:xfrm>
-            <a:off x="609480" y="1604520"/>
-            <a:ext cx="5354280" cy="1896840"/>
-          </a:xfrm>
-          <a:prstGeom prst="rect">
-            <a:avLst/>
-          </a:prstGeom>
-        </p:spPr>
-        <p:txBody>
-          <a:bodyPr lIns="0" rIns="0" tIns="0" bIns="0">
-            <a:normAutofit/>
-          </a:bodyPr>
-          <a:p>
-            <a:endParaRPr b="0" lang="fr-FR" sz="3200" spc="-1" strike="noStrike">
-              <a:latin typeface="Arial"/>
-            </a:endParaRPr>
-          </a:p>
-        </p:txBody>
-      </p:sp>
-      <p:sp>
-        <p:nvSpPr>
-          <p:cNvPr id="174" name="PlaceHolder 3"/>
-          <p:cNvSpPr>
-            <a:spLocks noGrp="1"/>
-          </p:cNvSpPr>
-          <p:nvPr>
-            <p:ph type="body"/>
-          </p:nvPr>
-        </p:nvSpPr>
-        <p:spPr>
-          <a:xfrm>
-            <a:off x="6231960" y="1604520"/>
-            <a:ext cx="5354280" cy="1896840"/>
-          </a:xfrm>
-          <a:prstGeom prst="rect">
-            <a:avLst/>
-          </a:prstGeom>
-        </p:spPr>
-        <p:txBody>
-          <a:bodyPr lIns="0" rIns="0" tIns="0" bIns="0">
-            <a:normAutofit/>
-          </a:bodyPr>
-          <a:p>
-            <a:endParaRPr b="0" lang="fr-FR" sz="3200" spc="-1" strike="noStrike">
-              <a:latin typeface="Arial"/>
-            </a:endParaRPr>
-          </a:p>
-        </p:txBody>
-      </p:sp>
-      <p:sp>
-        <p:nvSpPr>
-          <p:cNvPr id="175" name="PlaceHolder 4"/>
-          <p:cNvSpPr>
-            <a:spLocks noGrp="1"/>
-          </p:cNvSpPr>
-          <p:nvPr>
-            <p:ph type="body"/>
-          </p:nvPr>
-        </p:nvSpPr>
-        <p:spPr>
-          <a:xfrm>
-            <a:off x="609480" y="3682080"/>
-            <a:ext cx="10972440" cy="1896840"/>
-          </a:xfrm>
-          <a:prstGeom prst="rect">
-            <a:avLst/>
-          </a:prstGeom>
-        </p:spPr>
-        <p:txBody>
-          <a:bodyPr lIns="0" rIns="0" tIns="0" bIns="0">
-            <a:normAutofit/>
-          </a:bodyPr>
-          <a:p>
-            <a:endParaRPr b="0" lang="fr-FR" sz="3200" spc="-1" strike="noStrike">
-              <a:latin typeface="Arial"/>
-            </a:endParaRPr>
-          </a:p>
-        </p:txBody>
-      </p:sp>
-    </p:spTree>
-  </p:cSld>
-</p:sldLayout>
-</file>
-
-<file path=ppt/slideLayouts/slideLayout58.xml><?xml version="1.0" encoding="utf-8"?>
-<p:sldLayout xmlns:a="http://schemas.openxmlformats.org/drawingml/2006/main" xmlns:p="http://schemas.openxmlformats.org/presentationml/2006/main" xmlns:r="http://schemas.openxmlformats.org/officeDocument/2006/relationships" xmlns:p14="http://schemas.microsoft.com/office/powerpoint/2010/main" xmlns:p15="http://schemas.microsoft.com/office/powerpoint/2012/main" xmlns:mc="http://schemas.openxmlformats.org/markup-compatibility/2006" type="objOverTx" preserve="1">
-  <p:cSld name="Title, Content over Content">
-    <p:spTree>
-      <p:nvGrpSpPr>
-        <p:cNvPr id="1" name=""/>
-        <p:cNvGrpSpPr/>
-        <p:nvPr/>
-      </p:nvGrpSpPr>
-      <p:grpSpPr>
-        <a:xfrm>
-          <a:off x="0" y="0"/>
-          <a:ext cx="0" cy="0"/>
-          <a:chOff x="0" y="0"/>
-          <a:chExt cx="0" cy="0"/>
-        </a:xfrm>
-      </p:grpSpPr>
-      <p:sp>
-        <p:nvSpPr>
-          <p:cNvPr id="176" name="PlaceHolder 1"/>
-          <p:cNvSpPr>
-            <a:spLocks noGrp="1"/>
-          </p:cNvSpPr>
-          <p:nvPr>
-            <p:ph type="title"/>
-          </p:nvPr>
-        </p:nvSpPr>
-        <p:spPr>
-          <a:xfrm>
-            <a:off x="609480" y="273600"/>
-            <a:ext cx="10972440" cy="1144800"/>
-          </a:xfrm>
-          <a:prstGeom prst="rect">
-            <a:avLst/>
-          </a:prstGeom>
-        </p:spPr>
-        <p:txBody>
-          <a:bodyPr lIns="0" rIns="0" tIns="0" bIns="0" anchor="ctr">
-            <a:spAutoFit/>
-          </a:bodyPr>
-          <a:p>
-            <a:pPr algn="ctr"/>
-            <a:endParaRPr b="0" lang="fr-FR" sz="4400" spc="-1" strike="noStrike">
-              <a:latin typeface="Arial"/>
-            </a:endParaRPr>
-          </a:p>
-        </p:txBody>
-      </p:sp>
-      <p:sp>
-        <p:nvSpPr>
-          <p:cNvPr id="177" name="PlaceHolder 2"/>
-          <p:cNvSpPr>
-            <a:spLocks noGrp="1"/>
-          </p:cNvSpPr>
-          <p:nvPr>
-            <p:ph type="body"/>
-          </p:nvPr>
-        </p:nvSpPr>
-        <p:spPr>
-          <a:xfrm>
-            <a:off x="609480" y="1604520"/>
-            <a:ext cx="10972440" cy="1896840"/>
-          </a:xfrm>
-          <a:prstGeom prst="rect">
-            <a:avLst/>
-          </a:prstGeom>
-        </p:spPr>
-        <p:txBody>
-          <a:bodyPr lIns="0" rIns="0" tIns="0" bIns="0">
-            <a:normAutofit/>
-          </a:bodyPr>
-          <a:p>
-            <a:endParaRPr b="0" lang="fr-FR" sz="3200" spc="-1" strike="noStrike">
-              <a:latin typeface="Arial"/>
-            </a:endParaRPr>
-          </a:p>
-        </p:txBody>
-      </p:sp>
-      <p:sp>
-        <p:nvSpPr>
-          <p:cNvPr id="178" name="PlaceHolder 3"/>
-          <p:cNvSpPr>
-            <a:spLocks noGrp="1"/>
-          </p:cNvSpPr>
-          <p:nvPr>
-            <p:ph type="body"/>
-          </p:nvPr>
-        </p:nvSpPr>
-        <p:spPr>
-          <a:xfrm>
-            <a:off x="609480" y="3682080"/>
-            <a:ext cx="10972440" cy="1896840"/>
-          </a:xfrm>
-          <a:prstGeom prst="rect">
-            <a:avLst/>
-          </a:prstGeom>
-        </p:spPr>
-        <p:txBody>
-          <a:bodyPr lIns="0" rIns="0" tIns="0" bIns="0">
-            <a:normAutofit/>
-          </a:bodyPr>
-          <a:p>
-            <a:endParaRPr b="0" lang="fr-FR" sz="3200" spc="-1" strike="noStrike">
-              <a:latin typeface="Arial"/>
-            </a:endParaRPr>
-          </a:p>
-        </p:txBody>
-      </p:sp>
-    </p:spTree>
-  </p:cSld>
-</p:sldLayout>
-</file>
-
-<file path=ppt/slideLayouts/slideLayout59.xml><?xml version="1.0" encoding="utf-8"?>
-<p:sldLayout xmlns:a="http://schemas.openxmlformats.org/drawingml/2006/main" xmlns:p="http://schemas.openxmlformats.org/presentationml/2006/main" xmlns:r="http://schemas.openxmlformats.org/officeDocument/2006/relationships" xmlns:p14="http://schemas.microsoft.com/office/powerpoint/2010/main" xmlns:p15="http://schemas.microsoft.com/office/powerpoint/2012/main" xmlns:mc="http://schemas.openxmlformats.org/markup-compatibility/2006" type="fourObj" preserve="1">
-  <p:cSld name="Title, 4 Content">
-    <p:spTree>
-      <p:nvGrpSpPr>
-        <p:cNvPr id="1" name=""/>
-        <p:cNvGrpSpPr/>
-        <p:nvPr/>
-      </p:nvGrpSpPr>
-      <p:grpSpPr>
-        <a:xfrm>
-          <a:off x="0" y="0"/>
-          <a:ext cx="0" cy="0"/>
-          <a:chOff x="0" y="0"/>
-          <a:chExt cx="0" cy="0"/>
-        </a:xfrm>
-      </p:grpSpPr>
-      <p:sp>
-        <p:nvSpPr>
-          <p:cNvPr id="179" name="PlaceHolder 1"/>
-          <p:cNvSpPr>
-            <a:spLocks noGrp="1"/>
-          </p:cNvSpPr>
-          <p:nvPr>
-            <p:ph type="title"/>
-          </p:nvPr>
-        </p:nvSpPr>
-        <p:spPr>
-          <a:xfrm>
-            <a:off x="609480" y="273600"/>
-            <a:ext cx="10972440" cy="1144800"/>
-          </a:xfrm>
-          <a:prstGeom prst="rect">
-            <a:avLst/>
-          </a:prstGeom>
-        </p:spPr>
-        <p:txBody>
-          <a:bodyPr lIns="0" rIns="0" tIns="0" bIns="0" anchor="ctr">
-            <a:spAutoFit/>
-          </a:bodyPr>
-          <a:p>
-            <a:pPr algn="ctr"/>
-            <a:endParaRPr b="0" lang="fr-FR" sz="4400" spc="-1" strike="noStrike">
-              <a:latin typeface="Arial"/>
-            </a:endParaRPr>
-          </a:p>
-        </p:txBody>
-      </p:sp>
-      <p:sp>
-        <p:nvSpPr>
-          <p:cNvPr id="180" name="PlaceHolder 2"/>
-          <p:cNvSpPr>
-            <a:spLocks noGrp="1"/>
-          </p:cNvSpPr>
-          <p:nvPr>
-            <p:ph type="body"/>
-          </p:nvPr>
-        </p:nvSpPr>
-        <p:spPr>
-          <a:xfrm>
-            <a:off x="609480" y="1604520"/>
-            <a:ext cx="5354280" cy="1896840"/>
-          </a:xfrm>
-          <a:prstGeom prst="rect">
-            <a:avLst/>
-          </a:prstGeom>
-        </p:spPr>
-        <p:txBody>
-          <a:bodyPr lIns="0" rIns="0" tIns="0" bIns="0">
-            <a:normAutofit/>
-          </a:bodyPr>
-          <a:p>
-            <a:endParaRPr b="0" lang="fr-FR" sz="3200" spc="-1" strike="noStrike">
-              <a:latin typeface="Arial"/>
-            </a:endParaRPr>
-          </a:p>
-        </p:txBody>
-      </p:sp>
-      <p:sp>
-        <p:nvSpPr>
-          <p:cNvPr id="181" name="PlaceHolder 3"/>
-          <p:cNvSpPr>
-            <a:spLocks noGrp="1"/>
-          </p:cNvSpPr>
-          <p:nvPr>
-            <p:ph type="body"/>
-          </p:nvPr>
-        </p:nvSpPr>
-        <p:spPr>
-          <a:xfrm>
-            <a:off x="6231960" y="1604520"/>
-            <a:ext cx="5354280" cy="1896840"/>
-          </a:xfrm>
-          <a:prstGeom prst="rect">
-            <a:avLst/>
-          </a:prstGeom>
-        </p:spPr>
-        <p:txBody>
-          <a:bodyPr lIns="0" rIns="0" tIns="0" bIns="0">
-            <a:normAutofit/>
-          </a:bodyPr>
-          <a:p>
-            <a:endParaRPr b="0" lang="fr-FR" sz="3200" spc="-1" strike="noStrike">
-              <a:latin typeface="Arial"/>
-            </a:endParaRPr>
-          </a:p>
-        </p:txBody>
-      </p:sp>
-      <p:sp>
-        <p:nvSpPr>
-          <p:cNvPr id="182" name="PlaceHolder 4"/>
-          <p:cNvSpPr>
-            <a:spLocks noGrp="1"/>
-          </p:cNvSpPr>
-          <p:nvPr>
-            <p:ph type="body"/>
-          </p:nvPr>
-        </p:nvSpPr>
-        <p:spPr>
-          <a:xfrm>
-            <a:off x="609480" y="3682080"/>
-            <a:ext cx="5354280" cy="1896840"/>
-          </a:xfrm>
-          <a:prstGeom prst="rect">
-            <a:avLst/>
-          </a:prstGeom>
-        </p:spPr>
-        <p:txBody>
-          <a:bodyPr lIns="0" rIns="0" tIns="0" bIns="0">
-            <a:normAutofit/>
-          </a:bodyPr>
-          <a:p>
-            <a:endParaRPr b="0" lang="fr-FR" sz="3200" spc="-1" strike="noStrike">
-              <a:latin typeface="Arial"/>
-            </a:endParaRPr>
-          </a:p>
-        </p:txBody>
-      </p:sp>
-      <p:sp>
-        <p:nvSpPr>
-          <p:cNvPr id="183" name="PlaceHolder 5"/>
-          <p:cNvSpPr>
-            <a:spLocks noGrp="1"/>
-          </p:cNvSpPr>
-          <p:nvPr>
-            <p:ph type="body"/>
-          </p:nvPr>
-        </p:nvSpPr>
-        <p:spPr>
-          <a:xfrm>
-            <a:off x="6231960" y="3682080"/>
-            <a:ext cx="5354280" cy="1896840"/>
-          </a:xfrm>
-          <a:prstGeom prst="rect">
-            <a:avLst/>
-          </a:prstGeom>
-        </p:spPr>
-        <p:txBody>
-          <a:bodyPr lIns="0" rIns="0" tIns="0" bIns="0">
-            <a:normAutofit/>
-          </a:bodyPr>
-          <a:p>
-            <a:endParaRPr b="0" lang="fr-FR" sz="3200" spc="-1" strike="noStrike">
-              <a:latin typeface="Arial"/>
-            </a:endParaRPr>
-          </a:p>
-        </p:txBody>
-      </p:sp>
-    </p:spTree>
-  </p:cSld>
-</p:sldLayout>
-</file>
-
 <file path=ppt/slideLayouts/slideLayout6.xml><?xml version="1.0" encoding="utf-8"?>
 <p:sldLayout xmlns:a="http://schemas.openxmlformats.org/drawingml/2006/main" xmlns:p="http://schemas.openxmlformats.org/presentationml/2006/main" xmlns:r="http://schemas.openxmlformats.org/officeDocument/2006/relationships" xmlns:p14="http://schemas.microsoft.com/office/powerpoint/2010/main" xmlns:p15="http://schemas.microsoft.com/office/powerpoint/2012/main" xmlns:mc="http://schemas.openxmlformats.org/markup-compatibility/2006" type="objOnly" preserve="1">
   <p:cSld name="Centered Text">
@@ -6142,239 +3661,6 @@
           </a:bodyPr>
           <a:p>
             <a:pPr algn="ctr"/>
-            <a:endParaRPr b="0" lang="fr-FR" sz="3200" spc="-1" strike="noStrike">
-              <a:latin typeface="Arial"/>
-            </a:endParaRPr>
-          </a:p>
-        </p:txBody>
-      </p:sp>
-    </p:spTree>
-  </p:cSld>
-</p:sldLayout>
-</file>
-
-<file path=ppt/slideLayouts/slideLayout60.xml><?xml version="1.0" encoding="utf-8"?>
-<p:sldLayout xmlns:a="http://schemas.openxmlformats.org/drawingml/2006/main" xmlns:p="http://schemas.openxmlformats.org/presentationml/2006/main" xmlns:r="http://schemas.openxmlformats.org/officeDocument/2006/relationships" xmlns:p14="http://schemas.microsoft.com/office/powerpoint/2010/main" xmlns:p15="http://schemas.microsoft.com/office/powerpoint/2012/main" xmlns:mc="http://schemas.openxmlformats.org/markup-compatibility/2006" type="blank" preserve="1">
-  <p:cSld name="Title, 6 Content">
-    <p:spTree>
-      <p:nvGrpSpPr>
-        <p:cNvPr id="1" name=""/>
-        <p:cNvGrpSpPr/>
-        <p:nvPr/>
-      </p:nvGrpSpPr>
-      <p:grpSpPr>
-        <a:xfrm>
-          <a:off x="0" y="0"/>
-          <a:ext cx="0" cy="0"/>
-          <a:chOff x="0" y="0"/>
-          <a:chExt cx="0" cy="0"/>
-        </a:xfrm>
-      </p:grpSpPr>
-      <p:sp>
-        <p:nvSpPr>
-          <p:cNvPr id="184" name="PlaceHolder 1"/>
-          <p:cNvSpPr>
-            <a:spLocks noGrp="1"/>
-          </p:cNvSpPr>
-          <p:nvPr>
-            <p:ph type="title"/>
-          </p:nvPr>
-        </p:nvSpPr>
-        <p:spPr>
-          <a:xfrm>
-            <a:off x="609480" y="273600"/>
-            <a:ext cx="10972440" cy="1144800"/>
-          </a:xfrm>
-          <a:prstGeom prst="rect">
-            <a:avLst/>
-          </a:prstGeom>
-        </p:spPr>
-        <p:txBody>
-          <a:bodyPr lIns="0" rIns="0" tIns="0" bIns="0" anchor="ctr">
-            <a:spAutoFit/>
-          </a:bodyPr>
-          <a:p>
-            <a:pPr algn="ctr"/>
-            <a:endParaRPr b="0" lang="fr-FR" sz="4400" spc="-1" strike="noStrike">
-              <a:latin typeface="Arial"/>
-            </a:endParaRPr>
-          </a:p>
-        </p:txBody>
-      </p:sp>
-      <p:sp>
-        <p:nvSpPr>
-          <p:cNvPr id="185" name="PlaceHolder 2"/>
-          <p:cNvSpPr>
-            <a:spLocks noGrp="1"/>
-          </p:cNvSpPr>
-          <p:nvPr>
-            <p:ph type="body"/>
-          </p:nvPr>
-        </p:nvSpPr>
-        <p:spPr>
-          <a:xfrm>
-            <a:off x="609480" y="1604520"/>
-            <a:ext cx="3533040" cy="1896840"/>
-          </a:xfrm>
-          <a:prstGeom prst="rect">
-            <a:avLst/>
-          </a:prstGeom>
-        </p:spPr>
-        <p:txBody>
-          <a:bodyPr lIns="0" rIns="0" tIns="0" bIns="0">
-            <a:normAutofit/>
-          </a:bodyPr>
-          <a:p>
-            <a:endParaRPr b="0" lang="fr-FR" sz="3200" spc="-1" strike="noStrike">
-              <a:latin typeface="Arial"/>
-            </a:endParaRPr>
-          </a:p>
-        </p:txBody>
-      </p:sp>
-      <p:sp>
-        <p:nvSpPr>
-          <p:cNvPr id="186" name="PlaceHolder 3"/>
-          <p:cNvSpPr>
-            <a:spLocks noGrp="1"/>
-          </p:cNvSpPr>
-          <p:nvPr>
-            <p:ph type="body"/>
-          </p:nvPr>
-        </p:nvSpPr>
-        <p:spPr>
-          <a:xfrm>
-            <a:off x="4319640" y="1604520"/>
-            <a:ext cx="3533040" cy="1896840"/>
-          </a:xfrm>
-          <a:prstGeom prst="rect">
-            <a:avLst/>
-          </a:prstGeom>
-        </p:spPr>
-        <p:txBody>
-          <a:bodyPr lIns="0" rIns="0" tIns="0" bIns="0">
-            <a:normAutofit/>
-          </a:bodyPr>
-          <a:p>
-            <a:endParaRPr b="0" lang="fr-FR" sz="3200" spc="-1" strike="noStrike">
-              <a:latin typeface="Arial"/>
-            </a:endParaRPr>
-          </a:p>
-        </p:txBody>
-      </p:sp>
-      <p:sp>
-        <p:nvSpPr>
-          <p:cNvPr id="187" name="PlaceHolder 4"/>
-          <p:cNvSpPr>
-            <a:spLocks noGrp="1"/>
-          </p:cNvSpPr>
-          <p:nvPr>
-            <p:ph type="body"/>
-          </p:nvPr>
-        </p:nvSpPr>
-        <p:spPr>
-          <a:xfrm>
-            <a:off x="8029800" y="1604520"/>
-            <a:ext cx="3533040" cy="1896840"/>
-          </a:xfrm>
-          <a:prstGeom prst="rect">
-            <a:avLst/>
-          </a:prstGeom>
-        </p:spPr>
-        <p:txBody>
-          <a:bodyPr lIns="0" rIns="0" tIns="0" bIns="0">
-            <a:normAutofit/>
-          </a:bodyPr>
-          <a:p>
-            <a:endParaRPr b="0" lang="fr-FR" sz="3200" spc="-1" strike="noStrike">
-              <a:latin typeface="Arial"/>
-            </a:endParaRPr>
-          </a:p>
-        </p:txBody>
-      </p:sp>
-      <p:sp>
-        <p:nvSpPr>
-          <p:cNvPr id="188" name="PlaceHolder 5"/>
-          <p:cNvSpPr>
-            <a:spLocks noGrp="1"/>
-          </p:cNvSpPr>
-          <p:nvPr>
-            <p:ph type="body"/>
-          </p:nvPr>
-        </p:nvSpPr>
-        <p:spPr>
-          <a:xfrm>
-            <a:off x="609480" y="3682080"/>
-            <a:ext cx="3533040" cy="1896840"/>
-          </a:xfrm>
-          <a:prstGeom prst="rect">
-            <a:avLst/>
-          </a:prstGeom>
-        </p:spPr>
-        <p:txBody>
-          <a:bodyPr lIns="0" rIns="0" tIns="0" bIns="0">
-            <a:normAutofit/>
-          </a:bodyPr>
-          <a:p>
-            <a:endParaRPr b="0" lang="fr-FR" sz="3200" spc="-1" strike="noStrike">
-              <a:latin typeface="Arial"/>
-            </a:endParaRPr>
-          </a:p>
-        </p:txBody>
-      </p:sp>
-      <p:sp>
-        <p:nvSpPr>
-          <p:cNvPr id="189" name="PlaceHolder 6"/>
-          <p:cNvSpPr>
-            <a:spLocks noGrp="1"/>
-          </p:cNvSpPr>
-          <p:nvPr>
-            <p:ph type="body"/>
-          </p:nvPr>
-        </p:nvSpPr>
-        <p:spPr>
-          <a:xfrm>
-            <a:off x="4319640" y="3682080"/>
-            <a:ext cx="3533040" cy="1896840"/>
-          </a:xfrm>
-          <a:prstGeom prst="rect">
-            <a:avLst/>
-          </a:prstGeom>
-        </p:spPr>
-        <p:txBody>
-          <a:bodyPr lIns="0" rIns="0" tIns="0" bIns="0">
-            <a:normAutofit/>
-          </a:bodyPr>
-          <a:p>
-            <a:endParaRPr b="0" lang="fr-FR" sz="3200" spc="-1" strike="noStrike">
-              <a:latin typeface="Arial"/>
-            </a:endParaRPr>
-          </a:p>
-        </p:txBody>
-      </p:sp>
-      <p:sp>
-        <p:nvSpPr>
-          <p:cNvPr id="190" name="PlaceHolder 7"/>
-          <p:cNvSpPr>
-            <a:spLocks noGrp="1"/>
-          </p:cNvSpPr>
-          <p:nvPr>
-            <p:ph type="body"/>
-          </p:nvPr>
-        </p:nvSpPr>
-        <p:spPr>
-          <a:xfrm>
-            <a:off x="8029800" y="3682080"/>
-            <a:ext cx="3533040" cy="1896840"/>
-          </a:xfrm>
-          <a:prstGeom prst="rect">
-            <a:avLst/>
-          </a:prstGeom>
-        </p:spPr>
-        <p:txBody>
-          <a:bodyPr lIns="0" rIns="0" tIns="0" bIns="0">
-            <a:normAutofit/>
-          </a:bodyPr>
-          <a:p>
             <a:endParaRPr b="0" lang="fr-FR" sz="3200" spc="-1" strike="noStrike">
               <a:latin typeface="Arial"/>
             </a:endParaRPr>
@@ -6820,9 +4106,12 @@
   <p:cSld>
     <p:bg>
       <p:bgPr>
-        <a:solidFill>
-          <a:srgbClr val="ffffff"/>
-        </a:solidFill>
+        <a:blipFill rotWithShape="0">
+          <a:blip r:embed="rId2"/>
+          <a:stretch>
+            <a:fillRect/>
+          </a:stretch>
+        </a:blipFill>
       </p:bgPr>
     </p:bg>
     <p:spTree>
@@ -6851,8 +4140,8 @@
         </p:nvSpPr>
         <p:spPr>
           <a:xfrm>
-            <a:off x="837720" y="454680"/>
-            <a:ext cx="10514880" cy="1145160"/>
+            <a:off x="609480" y="273240"/>
+            <a:ext cx="10972080" cy="1145160"/>
           </a:xfrm>
           <a:prstGeom prst="rect">
             <a:avLst/>
@@ -6888,7 +4177,7 @@
         <p:spPr>
           <a:xfrm>
             <a:off x="609480" y="1604520"/>
-            <a:ext cx="10972440" cy="3977280"/>
+            <a:ext cx="10972080" cy="3976920"/>
           </a:xfrm>
           <a:prstGeom prst="rect">
             <a:avLst/>
@@ -6911,12 +4200,12 @@
               <a:buChar char=""/>
             </a:pPr>
             <a:r>
-              <a:rPr b="0" lang="fr-FR" sz="3200" spc="-1" strike="noStrike">
+              <a:rPr b="0" lang="fr-FR" sz="1800" spc="-1" strike="noStrike">
                 <a:latin typeface="Arial"/>
               </a:rPr>
               <a:t>Cliquez pour éditer le format du plan de texte</a:t>
             </a:r>
-            <a:endParaRPr b="0" lang="fr-FR" sz="3200" spc="-1" strike="noStrike">
+            <a:endParaRPr b="0" lang="fr-FR" sz="1800" spc="-1" strike="noStrike">
               <a:latin typeface="Arial"/>
             </a:endParaRPr>
           </a:p>
@@ -6933,12 +4222,12 @@
               <a:buChar char=""/>
             </a:pPr>
             <a:r>
-              <a:rPr b="0" lang="fr-FR" sz="2800" spc="-1" strike="noStrike">
+              <a:rPr b="0" lang="fr-FR" sz="1800" spc="-1" strike="noStrike">
                 <a:latin typeface="Arial"/>
               </a:rPr>
               <a:t>Second niveau de plan</a:t>
             </a:r>
-            <a:endParaRPr b="0" lang="fr-FR" sz="2800" spc="-1" strike="noStrike">
+            <a:endParaRPr b="0" lang="fr-FR" sz="1800" spc="-1" strike="noStrike">
               <a:latin typeface="Arial"/>
             </a:endParaRPr>
           </a:p>
@@ -6955,12 +4244,12 @@
               <a:buChar char=""/>
             </a:pPr>
             <a:r>
-              <a:rPr b="0" lang="fr-FR" sz="2400" spc="-1" strike="noStrike">
+              <a:rPr b="0" lang="fr-FR" sz="1800" spc="-1" strike="noStrike">
                 <a:latin typeface="Arial"/>
               </a:rPr>
               <a:t>Troisième niveau de plan</a:t>
             </a:r>
-            <a:endParaRPr b="0" lang="fr-FR" sz="2400" spc="-1" strike="noStrike">
+            <a:endParaRPr b="0" lang="fr-FR" sz="1800" spc="-1" strike="noStrike">
               <a:latin typeface="Arial"/>
             </a:endParaRPr>
           </a:p>
@@ -6977,12 +4266,12 @@
               <a:buChar char=""/>
             </a:pPr>
             <a:r>
-              <a:rPr b="0" lang="fr-FR" sz="2000" spc="-1" strike="noStrike">
+              <a:rPr b="0" lang="fr-FR" sz="1800" spc="-1" strike="noStrike">
                 <a:latin typeface="Arial"/>
               </a:rPr>
               <a:t>Quatrième niveau de plan</a:t>
             </a:r>
-            <a:endParaRPr b="0" lang="fr-FR" sz="2000" spc="-1" strike="noStrike">
+            <a:endParaRPr b="0" lang="fr-FR" sz="1800" spc="-1" strike="noStrike">
               <a:latin typeface="Arial"/>
             </a:endParaRPr>
           </a:p>
@@ -6999,12 +4288,12 @@
               <a:buChar char=""/>
             </a:pPr>
             <a:r>
-              <a:rPr b="0" lang="fr-FR" sz="2000" spc="-1" strike="noStrike">
+              <a:rPr b="0" lang="fr-FR" sz="1800" spc="-1" strike="noStrike">
                 <a:latin typeface="Arial"/>
               </a:rPr>
               <a:t>Cinquième niveau de plan</a:t>
             </a:r>
-            <a:endParaRPr b="0" lang="fr-FR" sz="2000" spc="-1" strike="noStrike">
+            <a:endParaRPr b="0" lang="fr-FR" sz="1800" spc="-1" strike="noStrike">
               <a:latin typeface="Arial"/>
             </a:endParaRPr>
           </a:p>
@@ -7021,12 +4310,12 @@
               <a:buChar char=""/>
             </a:pPr>
             <a:r>
-              <a:rPr b="0" lang="fr-FR" sz="2000" spc="-1" strike="noStrike">
+              <a:rPr b="0" lang="fr-FR" sz="1800" spc="-1" strike="noStrike">
                 <a:latin typeface="Arial"/>
               </a:rPr>
               <a:t>Sixième niveau de plan</a:t>
             </a:r>
-            <a:endParaRPr b="0" lang="fr-FR" sz="2000" spc="-1" strike="noStrike">
+            <a:endParaRPr b="0" lang="fr-FR" sz="1800" spc="-1" strike="noStrike">
               <a:latin typeface="Arial"/>
             </a:endParaRPr>
           </a:p>
@@ -7043,12 +4332,12 @@
               <a:buChar char=""/>
             </a:pPr>
             <a:r>
-              <a:rPr b="0" lang="fr-FR" sz="2000" spc="-1" strike="noStrike">
+              <a:rPr b="0" lang="fr-FR" sz="1800" spc="-1" strike="noStrike">
                 <a:latin typeface="Arial"/>
               </a:rPr>
               <a:t>Septième niveau de plan</a:t>
             </a:r>
-            <a:endParaRPr b="0" lang="fr-FR" sz="2000" spc="-1" strike="noStrike">
+            <a:endParaRPr b="0" lang="fr-FR" sz="1800" spc="-1" strike="noStrike">
               <a:latin typeface="Arial"/>
             </a:endParaRPr>
           </a:p>
@@ -7058,18 +4347,18 @@
   </p:cSld>
   <p:clrMap bg1="lt1" bg2="lt2" tx1="dk1" tx2="dk2" accent1="accent1" accent2="accent2" accent3="accent3" accent4="accent4" accent5="accent5" accent6="accent6" hlink="hlink" folHlink="folHlink"/>
   <p:sldLayoutIdLst>
-    <p:sldLayoutId id="2147483649" r:id="rId2"/>
-    <p:sldLayoutId id="2147483650" r:id="rId3"/>
-    <p:sldLayoutId id="2147483651" r:id="rId4"/>
-    <p:sldLayoutId id="2147483652" r:id="rId5"/>
-    <p:sldLayoutId id="2147483653" r:id="rId6"/>
-    <p:sldLayoutId id="2147483654" r:id="rId7"/>
-    <p:sldLayoutId id="2147483655" r:id="rId8"/>
-    <p:sldLayoutId id="2147483656" r:id="rId9"/>
-    <p:sldLayoutId id="2147483657" r:id="rId10"/>
-    <p:sldLayoutId id="2147483658" r:id="rId11"/>
-    <p:sldLayoutId id="2147483659" r:id="rId12"/>
-    <p:sldLayoutId id="2147483660" r:id="rId13"/>
+    <p:sldLayoutId id="2147483649" r:id="rId3"/>
+    <p:sldLayoutId id="2147483650" r:id="rId4"/>
+    <p:sldLayoutId id="2147483651" r:id="rId5"/>
+    <p:sldLayoutId id="2147483652" r:id="rId6"/>
+    <p:sldLayoutId id="2147483653" r:id="rId7"/>
+    <p:sldLayoutId id="2147483654" r:id="rId8"/>
+    <p:sldLayoutId id="2147483655" r:id="rId9"/>
+    <p:sldLayoutId id="2147483656" r:id="rId10"/>
+    <p:sldLayoutId id="2147483657" r:id="rId11"/>
+    <p:sldLayoutId id="2147483658" r:id="rId12"/>
+    <p:sldLayoutId id="2147483659" r:id="rId13"/>
+    <p:sldLayoutId id="2147483660" r:id="rId14"/>
   </p:sldLayoutIdLst>
 </p:sldMaster>
 </file>
@@ -7370,8 +4659,8 @@
         </p:nvSpPr>
         <p:spPr>
           <a:xfrm>
-            <a:off x="837720" y="454680"/>
-            <a:ext cx="10514880" cy="1145160"/>
+            <a:off x="609480" y="273240"/>
+            <a:ext cx="10972080" cy="1145160"/>
           </a:xfrm>
           <a:prstGeom prst="rect">
             <a:avLst/>
@@ -7589,519 +4878,6 @@
     <p:sldLayoutId id="2147483684" r:id="rId11"/>
     <p:sldLayoutId id="2147483685" r:id="rId12"/>
     <p:sldLayoutId id="2147483686" r:id="rId13"/>
-  </p:sldLayoutIdLst>
-</p:sldMaster>
-</file>
-
-<file path=ppt/slideMasters/slideMaster4.xml><?xml version="1.0" encoding="utf-8"?>
-<p:sldMaster xmlns:a="http://schemas.openxmlformats.org/drawingml/2006/main" xmlns:p="http://schemas.openxmlformats.org/presentationml/2006/main" xmlns:r="http://schemas.openxmlformats.org/officeDocument/2006/relationships" xmlns:p14="http://schemas.microsoft.com/office/powerpoint/2010/main" xmlns:p15="http://schemas.microsoft.com/office/powerpoint/2012/main" xmlns:mc="http://schemas.openxmlformats.org/markup-compatibility/2006">
-  <p:cSld>
-    <p:bg>
-      <p:bgPr>
-        <a:blipFill rotWithShape="0">
-          <a:blip r:embed="rId2"/>
-          <a:stretch>
-            <a:fillRect/>
-          </a:stretch>
-        </a:blipFill>
-      </p:bgPr>
-    </p:bg>
-    <p:spTree>
-      <p:nvGrpSpPr>
-        <p:cNvPr id="1" name=""/>
-        <p:cNvGrpSpPr/>
-        <p:nvPr/>
-      </p:nvGrpSpPr>
-      <p:grpSpPr>
-        <a:xfrm>
-          <a:off x="0" y="0"/>
-          <a:ext cx="0" cy="0"/>
-          <a:chOff x="0" y="0"/>
-          <a:chExt cx="0" cy="0"/>
-        </a:xfrm>
-      </p:grpSpPr>
-      <p:sp>
-        <p:nvSpPr>
-          <p:cNvPr id="114" name="PlaceHolder 1"/>
-          <p:cNvSpPr>
-            <a:spLocks noGrp="1"/>
-          </p:cNvSpPr>
-          <p:nvPr>
-            <p:ph type="title"/>
-          </p:nvPr>
-        </p:nvSpPr>
-        <p:spPr>
-          <a:xfrm>
-            <a:off x="609480" y="979560"/>
-            <a:ext cx="10972440" cy="1567440"/>
-          </a:xfrm>
-          <a:prstGeom prst="rect">
-            <a:avLst/>
-          </a:prstGeom>
-        </p:spPr>
-        <p:txBody>
-          <a:bodyPr lIns="0" rIns="0" tIns="0" bIns="0" anchor="ctr">
-            <a:noAutofit/>
-          </a:bodyPr>
-          <a:p>
-            <a:pPr algn="ctr"/>
-            <a:r>
-              <a:rPr b="0" lang="fr-FR" sz="5320" spc="-1" strike="noStrike">
-                <a:solidFill>
-                  <a:srgbClr val="ffffff"/>
-                </a:solidFill>
-                <a:latin typeface="Arial"/>
-              </a:rPr>
-              <a:t>Cliquez pour </a:t>
-            </a:r>
-            <a:r>
-              <a:rPr b="0" lang="fr-FR" sz="5320" spc="-1" strike="noStrike">
-                <a:solidFill>
-                  <a:srgbClr val="ffffff"/>
-                </a:solidFill>
-                <a:latin typeface="Arial"/>
-              </a:rPr>
-              <a:t>éditer le </a:t>
-            </a:r>
-            <a:r>
-              <a:rPr b="0" lang="fr-FR" sz="5320" spc="-1" strike="noStrike">
-                <a:solidFill>
-                  <a:srgbClr val="ffffff"/>
-                </a:solidFill>
-                <a:latin typeface="Arial"/>
-              </a:rPr>
-              <a:t>format du </a:t>
-            </a:r>
-            <a:r>
-              <a:rPr b="0" lang="fr-FR" sz="5320" spc="-1" strike="noStrike">
-                <a:solidFill>
-                  <a:srgbClr val="ffffff"/>
-                </a:solidFill>
-                <a:latin typeface="Arial"/>
-              </a:rPr>
-              <a:t>texte-titre</a:t>
-            </a:r>
-            <a:endParaRPr b="0" lang="fr-FR" sz="5320" spc="-1" strike="noStrike">
-              <a:solidFill>
-                <a:srgbClr val="ffffff"/>
-              </a:solidFill>
-              <a:latin typeface="Arial"/>
-            </a:endParaRPr>
-          </a:p>
-        </p:txBody>
-      </p:sp>
-      <p:sp>
-        <p:nvSpPr>
-          <p:cNvPr id="115" name="PlaceHolder 2"/>
-          <p:cNvSpPr>
-            <a:spLocks noGrp="1"/>
-          </p:cNvSpPr>
-          <p:nvPr>
-            <p:ph type="body"/>
-          </p:nvPr>
-        </p:nvSpPr>
-        <p:spPr>
-          <a:xfrm>
-            <a:off x="609480" y="2873520"/>
-            <a:ext cx="10972440" cy="5405400"/>
-          </a:xfrm>
-          <a:prstGeom prst="rect">
-            <a:avLst/>
-          </a:prstGeom>
-        </p:spPr>
-        <p:txBody>
-          <a:bodyPr lIns="0" rIns="0" tIns="0" bIns="0">
-            <a:spAutoFit/>
-          </a:bodyPr>
-          <a:p>
-            <a:pPr marL="432000" indent="-324000">
-              <a:spcBef>
-                <a:spcPts val="1709"/>
-              </a:spcBef>
-              <a:buClr>
-                <a:srgbClr val="ffffff"/>
-              </a:buClr>
-              <a:buSzPct val="45000"/>
-              <a:buFont typeface="Wingdings" charset="2"/>
-              <a:buChar char=""/>
-            </a:pPr>
-            <a:r>
-              <a:rPr b="0" lang="fr-FR" sz="3870" spc="-1" strike="noStrike">
-                <a:solidFill>
-                  <a:srgbClr val="ffffff"/>
-                </a:solidFill>
-                <a:latin typeface="Arial"/>
-              </a:rPr>
-              <a:t>Cliquez pour éditer le format du plan de texte</a:t>
-            </a:r>
-            <a:endParaRPr b="0" lang="fr-FR" sz="3870" spc="-1" strike="noStrike">
-              <a:solidFill>
-                <a:srgbClr val="ffffff"/>
-              </a:solidFill>
-              <a:latin typeface="Arial"/>
-            </a:endParaRPr>
-          </a:p>
-          <a:p>
-            <a:pPr lvl="1" marL="864000" indent="-324000">
-              <a:spcBef>
-                <a:spcPts val="1369"/>
-              </a:spcBef>
-              <a:buClr>
-                <a:srgbClr val="ffffff"/>
-              </a:buClr>
-              <a:buSzPct val="75000"/>
-              <a:buFont typeface="Symbol" charset="2"/>
-              <a:buChar char=""/>
-            </a:pPr>
-            <a:r>
-              <a:rPr b="0" lang="fr-FR" sz="3509" spc="-1" strike="noStrike">
-                <a:solidFill>
-                  <a:srgbClr val="ffffff"/>
-                </a:solidFill>
-                <a:latin typeface="Arial"/>
-              </a:rPr>
-              <a:t>Second niveau de plan</a:t>
-            </a:r>
-            <a:endParaRPr b="0" lang="fr-FR" sz="3509" spc="-1" strike="noStrike">
-              <a:solidFill>
-                <a:srgbClr val="ffffff"/>
-              </a:solidFill>
-              <a:latin typeface="Arial"/>
-            </a:endParaRPr>
-          </a:p>
-          <a:p>
-            <a:pPr lvl="2" marL="1296000" indent="-288000">
-              <a:spcBef>
-                <a:spcPts val="1026"/>
-              </a:spcBef>
-              <a:buClr>
-                <a:srgbClr val="ffffff"/>
-              </a:buClr>
-              <a:buSzPct val="45000"/>
-              <a:buFont typeface="Wingdings" charset="2"/>
-              <a:buChar char=""/>
-            </a:pPr>
-            <a:r>
-              <a:rPr b="0" lang="fr-FR" sz="3180" spc="-1" strike="noStrike">
-                <a:solidFill>
-                  <a:srgbClr val="ffffff"/>
-                </a:solidFill>
-                <a:latin typeface="Arial"/>
-              </a:rPr>
-              <a:t>Troisième niveau de plan</a:t>
-            </a:r>
-            <a:endParaRPr b="0" lang="fr-FR" sz="3180" spc="-1" strike="noStrike">
-              <a:solidFill>
-                <a:srgbClr val="ffffff"/>
-              </a:solidFill>
-              <a:latin typeface="Arial"/>
-            </a:endParaRPr>
-          </a:p>
-          <a:p>
-            <a:pPr lvl="3" marL="1728000" indent="-216000">
-              <a:spcBef>
-                <a:spcPts val="683"/>
-              </a:spcBef>
-              <a:buClr>
-                <a:srgbClr val="ffffff"/>
-              </a:buClr>
-              <a:buSzPct val="75000"/>
-              <a:buFont typeface="Symbol" charset="2"/>
-              <a:buChar char=""/>
-            </a:pPr>
-            <a:r>
-              <a:rPr b="0" lang="fr-FR" sz="2880" spc="-1" strike="noStrike">
-                <a:solidFill>
-                  <a:srgbClr val="ffffff"/>
-                </a:solidFill>
-                <a:latin typeface="Arial"/>
-              </a:rPr>
-              <a:t>Quatrième niveau de plan</a:t>
-            </a:r>
-            <a:endParaRPr b="0" lang="fr-FR" sz="2880" spc="-1" strike="noStrike">
-              <a:solidFill>
-                <a:srgbClr val="ffffff"/>
-              </a:solidFill>
-              <a:latin typeface="Arial"/>
-            </a:endParaRPr>
-          </a:p>
-          <a:p>
-            <a:pPr lvl="4" marL="2160000" indent="-216000">
-              <a:spcBef>
-                <a:spcPts val="340"/>
-              </a:spcBef>
-              <a:buClr>
-                <a:srgbClr val="ffffff"/>
-              </a:buClr>
-              <a:buSzPct val="45000"/>
-              <a:buFont typeface="Wingdings" charset="2"/>
-              <a:buChar char=""/>
-            </a:pPr>
-            <a:r>
-              <a:rPr b="0" lang="fr-FR" sz="2610" spc="-1" strike="noStrike">
-                <a:solidFill>
-                  <a:srgbClr val="ffffff"/>
-                </a:solidFill>
-                <a:latin typeface="Arial"/>
-              </a:rPr>
-              <a:t>Cinquième niveau de plan</a:t>
-            </a:r>
-            <a:endParaRPr b="0" lang="fr-FR" sz="2610" spc="-1" strike="noStrike">
-              <a:solidFill>
-                <a:srgbClr val="ffffff"/>
-              </a:solidFill>
-              <a:latin typeface="Arial"/>
-            </a:endParaRPr>
-          </a:p>
-          <a:p>
-            <a:pPr lvl="5" marL="2592000" indent="-216000">
-              <a:spcBef>
-                <a:spcPts val="340"/>
-              </a:spcBef>
-              <a:buClr>
-                <a:srgbClr val="ffffff"/>
-              </a:buClr>
-              <a:buSzPct val="45000"/>
-              <a:buFont typeface="Wingdings" charset="2"/>
-              <a:buChar char=""/>
-            </a:pPr>
-            <a:r>
-              <a:rPr b="0" lang="fr-FR" sz="2370" spc="-1" strike="noStrike">
-                <a:solidFill>
-                  <a:srgbClr val="ffffff"/>
-                </a:solidFill>
-                <a:latin typeface="Arial"/>
-              </a:rPr>
-              <a:t>Sixième niveau de plan</a:t>
-            </a:r>
-            <a:endParaRPr b="0" lang="fr-FR" sz="2370" spc="-1" strike="noStrike">
-              <a:solidFill>
-                <a:srgbClr val="ffffff"/>
-              </a:solidFill>
-              <a:latin typeface="Arial"/>
-            </a:endParaRPr>
-          </a:p>
-          <a:p>
-            <a:pPr lvl="6" marL="3024000" indent="-216000">
-              <a:spcBef>
-                <a:spcPts val="340"/>
-              </a:spcBef>
-              <a:buClr>
-                <a:srgbClr val="ffffff"/>
-              </a:buClr>
-              <a:buSzPct val="45000"/>
-              <a:buFont typeface="Wingdings" charset="2"/>
-              <a:buChar char=""/>
-            </a:pPr>
-            <a:r>
-              <a:rPr b="0" lang="fr-FR" sz="2150" spc="-1" strike="noStrike">
-                <a:solidFill>
-                  <a:srgbClr val="ffffff"/>
-                </a:solidFill>
-                <a:latin typeface="Arial"/>
-              </a:rPr>
-              <a:t>Septième niveau de plan</a:t>
-            </a:r>
-            <a:endParaRPr b="0" lang="fr-FR" sz="2150" spc="-1" strike="noStrike">
-              <a:solidFill>
-                <a:srgbClr val="ffffff"/>
-              </a:solidFill>
-              <a:latin typeface="Arial"/>
-            </a:endParaRPr>
-          </a:p>
-        </p:txBody>
-      </p:sp>
-      <p:sp>
-        <p:nvSpPr>
-          <p:cNvPr id="116" name="PlaceHolder 3"/>
-          <p:cNvSpPr>
-            <a:spLocks noGrp="1"/>
-          </p:cNvSpPr>
-          <p:nvPr>
-            <p:ph type="dt"/>
-          </p:nvPr>
-        </p:nvSpPr>
-        <p:spPr>
-          <a:xfrm>
-            <a:off x="609480" y="6247080"/>
-            <a:ext cx="2840400" cy="472680"/>
-          </a:xfrm>
-          <a:prstGeom prst="rect">
-            <a:avLst/>
-          </a:prstGeom>
-        </p:spPr>
-        <p:txBody>
-          <a:bodyPr lIns="0" rIns="0" tIns="0" bIns="0">
-            <a:noAutofit/>
-          </a:bodyPr>
-          <a:p>
-            <a:r>
-              <a:rPr b="0" lang="fr-FR" sz="1400" spc="-1" strike="noStrike">
-                <a:solidFill>
-                  <a:srgbClr val="ffffff"/>
-                </a:solidFill>
-                <a:latin typeface="Times New Roman"/>
-              </a:rPr>
-              <a:t> </a:t>
-            </a:r>
-            <a:endParaRPr b="0" lang="fr-FR" sz="1400" spc="-1" strike="noStrike">
-              <a:solidFill>
-                <a:srgbClr val="ffffff"/>
-              </a:solidFill>
-              <a:latin typeface="Times New Roman"/>
-            </a:endParaRPr>
-          </a:p>
-        </p:txBody>
-      </p:sp>
-      <p:sp>
-        <p:nvSpPr>
-          <p:cNvPr id="117" name="PlaceHolder 4"/>
-          <p:cNvSpPr>
-            <a:spLocks noGrp="1"/>
-          </p:cNvSpPr>
-          <p:nvPr>
-            <p:ph type="ftr"/>
-          </p:nvPr>
-        </p:nvSpPr>
-        <p:spPr>
-          <a:xfrm>
-            <a:off x="4169520" y="6247080"/>
-            <a:ext cx="3864600" cy="472680"/>
-          </a:xfrm>
-          <a:prstGeom prst="rect">
-            <a:avLst/>
-          </a:prstGeom>
-        </p:spPr>
-        <p:txBody>
-          <a:bodyPr lIns="0" rIns="0" tIns="0" bIns="0">
-            <a:noAutofit/>
-          </a:bodyPr>
-          <a:p>
-            <a:pPr algn="ctr"/>
-            <a:r>
-              <a:rPr b="0" lang="fr-FR" sz="1400" spc="-1" strike="noStrike">
-                <a:solidFill>
-                  <a:srgbClr val="ffffff"/>
-                </a:solidFill>
-                <a:latin typeface="Times New Roman"/>
-              </a:rPr>
-              <a:t> </a:t>
-            </a:r>
-            <a:endParaRPr b="0" lang="fr-FR" sz="1400" spc="-1" strike="noStrike">
-              <a:solidFill>
-                <a:srgbClr val="ffffff"/>
-              </a:solidFill>
-              <a:latin typeface="Times New Roman"/>
-            </a:endParaRPr>
-          </a:p>
-        </p:txBody>
-      </p:sp>
-      <p:sp>
-        <p:nvSpPr>
-          <p:cNvPr id="118" name="PlaceHolder 5"/>
-          <p:cNvSpPr>
-            <a:spLocks noGrp="1"/>
-          </p:cNvSpPr>
-          <p:nvPr>
-            <p:ph type="sldNum"/>
-          </p:nvPr>
-        </p:nvSpPr>
-        <p:spPr>
-          <a:xfrm>
-            <a:off x="8741520" y="6247080"/>
-            <a:ext cx="2840400" cy="472680"/>
-          </a:xfrm>
-          <a:prstGeom prst="rect">
-            <a:avLst/>
-          </a:prstGeom>
-        </p:spPr>
-        <p:txBody>
-          <a:bodyPr lIns="0" rIns="0" tIns="0" bIns="0">
-            <a:noAutofit/>
-          </a:bodyPr>
-          <a:p>
-            <a:pPr algn="r"/>
-            <a:fld id="{102D6EA4-EE92-4D8E-BE85-8C0316E855C4}" type="slidenum">
-              <a:rPr b="0" lang="fr-FR" sz="1400" spc="-1" strike="noStrike">
-                <a:solidFill>
-                  <a:srgbClr val="ffffff"/>
-                </a:solidFill>
-                <a:latin typeface="Times New Roman"/>
-              </a:rPr>
-              <a:t>1</a:t>
-            </a:fld>
-            <a:endParaRPr b="0" lang="fr-FR" sz="1400" spc="-1" strike="noStrike">
-              <a:solidFill>
-                <a:srgbClr val="ffffff"/>
-              </a:solidFill>
-              <a:latin typeface="Times New Roman"/>
-            </a:endParaRPr>
-          </a:p>
-        </p:txBody>
-      </p:sp>
-    </p:spTree>
-  </p:cSld>
-  <p:clrMap bg1="lt1" bg2="lt2" tx1="dk1" tx2="dk2" accent1="accent1" accent2="accent2" accent3="accent3" accent4="accent4" accent5="accent5" accent6="accent6" hlink="hlink" folHlink="folHlink"/>
-  <p:sldLayoutIdLst>
-    <p:sldLayoutId id="2147483688" r:id="rId3"/>
-    <p:sldLayoutId id="2147483689" r:id="rId4"/>
-    <p:sldLayoutId id="2147483690" r:id="rId5"/>
-    <p:sldLayoutId id="2147483691" r:id="rId6"/>
-    <p:sldLayoutId id="2147483692" r:id="rId7"/>
-    <p:sldLayoutId id="2147483693" r:id="rId8"/>
-    <p:sldLayoutId id="2147483694" r:id="rId9"/>
-    <p:sldLayoutId id="2147483695" r:id="rId10"/>
-    <p:sldLayoutId id="2147483696" r:id="rId11"/>
-    <p:sldLayoutId id="2147483697" r:id="rId12"/>
-    <p:sldLayoutId id="2147483698" r:id="rId13"/>
-    <p:sldLayoutId id="2147483699" r:id="rId14"/>
-  </p:sldLayoutIdLst>
-</p:sldMaster>
-</file>
-
-<file path=ppt/slideMasters/slideMaster5.xml><?xml version="1.0" encoding="utf-8"?>
-<p:sldMaster xmlns:a="http://schemas.openxmlformats.org/drawingml/2006/main" xmlns:p="http://schemas.openxmlformats.org/presentationml/2006/main" xmlns:r="http://schemas.openxmlformats.org/officeDocument/2006/relationships" xmlns:p14="http://schemas.microsoft.com/office/powerpoint/2010/main" xmlns:p15="http://schemas.microsoft.com/office/powerpoint/2012/main" xmlns:mc="http://schemas.openxmlformats.org/markup-compatibility/2006">
-  <p:cSld>
-    <p:bg>
-      <p:bgPr>
-        <a:blipFill rotWithShape="0">
-          <a:blip r:embed="rId2"/>
-          <a:stretch>
-            <a:fillRect/>
-          </a:stretch>
-        </a:blipFill>
-      </p:bgPr>
-    </p:bg>
-    <p:spTree>
-      <p:nvGrpSpPr>
-        <p:cNvPr id="1" name=""/>
-        <p:cNvGrpSpPr/>
-        <p:nvPr/>
-      </p:nvGrpSpPr>
-      <p:grpSpPr>
-        <a:xfrm>
-          <a:off x="0" y="0"/>
-          <a:ext cx="0" cy="0"/>
-          <a:chOff x="0" y="0"/>
-          <a:chExt cx="0" cy="0"/>
-        </a:xfrm>
-      </p:grpSpPr>
-    </p:spTree>
-  </p:cSld>
-  <p:clrMap bg1="lt1" bg2="lt2" tx1="dk1" tx2="dk2" accent1="accent1" accent2="accent2" accent3="accent3" accent4="accent4" accent5="accent5" accent6="accent6" hlink="hlink" folHlink="folHlink"/>
-  <p:sldLayoutIdLst>
-    <p:sldLayoutId id="2147483701" r:id="rId3"/>
-    <p:sldLayoutId id="2147483702" r:id="rId4"/>
-    <p:sldLayoutId id="2147483703" r:id="rId5"/>
-    <p:sldLayoutId id="2147483704" r:id="rId6"/>
-    <p:sldLayoutId id="2147483705" r:id="rId7"/>
-    <p:sldLayoutId id="2147483706" r:id="rId8"/>
-    <p:sldLayoutId id="2147483707" r:id="rId9"/>
-    <p:sldLayoutId id="2147483708" r:id="rId10"/>
-    <p:sldLayoutId id="2147483709" r:id="rId11"/>
-    <p:sldLayoutId id="2147483710" r:id="rId12"/>
-    <p:sldLayoutId id="2147483711" r:id="rId13"/>
-    <p:sldLayoutId id="2147483712" r:id="rId14"/>
   </p:sldLayoutIdLst>
 </p:sldMaster>
 </file>
@@ -8125,14 +4901,14 @@
       </p:grpSpPr>
       <p:sp>
         <p:nvSpPr>
-          <p:cNvPr id="191" name="CustomShape 1"/>
+          <p:cNvPr id="114" name="CustomShape 1"/>
           <p:cNvSpPr/>
           <p:nvPr/>
         </p:nvSpPr>
         <p:spPr>
           <a:xfrm>
             <a:off x="1523520" y="769680"/>
-            <a:ext cx="9143280" cy="2386800"/>
+            <a:ext cx="9142920" cy="2386440"/>
           </a:xfrm>
           <a:prstGeom prst="rect">
             <a:avLst/>
@@ -8150,7 +4926,7 @@
         </p:style>
         <p:txBody>
           <a:bodyPr lIns="90000" rIns="90000" tIns="45000" bIns="45000" anchor="b">
-            <a:normAutofit fontScale="54000"/>
+            <a:normAutofit fontScale="66000"/>
           </a:bodyPr>
           <a:p>
             <a:pPr algn="ctr">
@@ -8164,6 +4940,7 @@
                   <a:srgbClr val="000000"/>
                 </a:solidFill>
                 <a:latin typeface="Calibri Light"/>
+                <a:ea typeface="DejaVu Sans"/>
               </a:rPr>
               <a:t>Projet Météo:</a:t>
             </a:r>
@@ -8175,6 +4952,7 @@
                   <a:srgbClr val="000000"/>
                 </a:solidFill>
                 <a:latin typeface="Calibri Light"/>
+                <a:ea typeface="DejaVu Sans"/>
               </a:rPr>
               <a:t>Allier le hardware au software Embarquer sous le soleil</a:t>
             </a:r>
@@ -8186,14 +4964,14 @@
       </p:sp>
       <p:sp>
         <p:nvSpPr>
-          <p:cNvPr id="192" name="CustomShape 2"/>
+          <p:cNvPr id="115" name="CustomShape 2"/>
           <p:cNvSpPr/>
           <p:nvPr/>
         </p:nvSpPr>
         <p:spPr>
           <a:xfrm>
             <a:off x="1523520" y="3602160"/>
-            <a:ext cx="9143280" cy="1654920"/>
+            <a:ext cx="9142920" cy="1654560"/>
           </a:xfrm>
           <a:prstGeom prst="rect">
             <a:avLst/>
@@ -8228,6 +5006,7 @@
                   <a:srgbClr val="000000"/>
                 </a:solidFill>
                 <a:latin typeface="Calibri"/>
+                <a:ea typeface="DejaVu Sans"/>
               </a:rPr>
               <a:t>Katia Gasperi, Jerome Lane</a:t>
             </a:r>
@@ -8250,6 +5029,7 @@
                   <a:srgbClr val="000000"/>
                 </a:solidFill>
                 <a:latin typeface="Calibri"/>
+                <a:ea typeface="DejaVu Sans"/>
               </a:rPr>
               <a:t>Le 18 Avril 2019</a:t>
             </a:r>
@@ -8272,6 +5052,7 @@
                   <a:srgbClr val="000000"/>
                 </a:solidFill>
                 <a:latin typeface="Calibri"/>
+                <a:ea typeface="DejaVu Sans"/>
               </a:rPr>
               <a:t>AJC Formation - Ausy</a:t>
             </a:r>
@@ -8283,7 +5064,7 @@
       </p:sp>
       <p:pic>
         <p:nvPicPr>
-          <p:cNvPr id="193" name="Image 3" descr=""/>
+          <p:cNvPr id="116" name="Image 3" descr=""/>
           <p:cNvPicPr/>
           <p:nvPr/>
         </p:nvPicPr>
@@ -8294,7 +5075,7 @@
         <p:spPr>
           <a:xfrm>
             <a:off x="6719400" y="5452560"/>
-            <a:ext cx="2183400" cy="456480"/>
+            <a:ext cx="2183040" cy="456120"/>
           </a:xfrm>
           <a:prstGeom prst="rect">
             <a:avLst/>
@@ -8306,7 +5087,7 @@
       </p:pic>
       <p:pic>
         <p:nvPicPr>
-          <p:cNvPr id="194" name="Image 5" descr=""/>
+          <p:cNvPr id="117" name="Image 5" descr=""/>
           <p:cNvPicPr/>
           <p:nvPr/>
         </p:nvPicPr>
@@ -8317,7 +5098,7 @@
         <p:spPr>
           <a:xfrm>
             <a:off x="3882960" y="5099760"/>
-            <a:ext cx="1195920" cy="934200"/>
+            <a:ext cx="1195560" cy="933840"/>
           </a:xfrm>
           <a:prstGeom prst="rect">
             <a:avLst/>
@@ -8386,14 +5167,14 @@
       </p:grpSpPr>
       <p:sp>
         <p:nvSpPr>
-          <p:cNvPr id="249" name="CustomShape 1"/>
+          <p:cNvPr id="172" name="CustomShape 1"/>
           <p:cNvSpPr/>
           <p:nvPr/>
         </p:nvSpPr>
         <p:spPr>
           <a:xfrm>
             <a:off x="837720" y="263520"/>
-            <a:ext cx="10514880" cy="1324800"/>
+            <a:ext cx="10514520" cy="1324440"/>
           </a:xfrm>
           <a:prstGeom prst="rect">
             <a:avLst/>
@@ -8425,6 +5206,7 @@
                   <a:srgbClr val="000000"/>
                 </a:solidFill>
                 <a:latin typeface="Calibri Light"/>
+                <a:ea typeface="DejaVu Sans"/>
               </a:rPr>
               <a:t>Interface graphique: diagramme de classe</a:t>
             </a:r>
@@ -8436,14 +5218,14 @@
       </p:sp>
       <p:sp>
         <p:nvSpPr>
-          <p:cNvPr id="250" name="CustomShape 2"/>
+          <p:cNvPr id="173" name="CustomShape 2"/>
           <p:cNvSpPr/>
           <p:nvPr/>
         </p:nvSpPr>
         <p:spPr>
           <a:xfrm>
             <a:off x="8610120" y="6356520"/>
-            <a:ext cx="2742480" cy="364320"/>
+            <a:ext cx="2742120" cy="363960"/>
           </a:xfrm>
           <a:prstGeom prst="rect">
             <a:avLst/>
@@ -8469,12 +5251,13 @@
                 <a:spcPct val="100000"/>
               </a:lnSpc>
             </a:pPr>
-            <a:fld id="{A2A851E9-F96F-4E84-A82D-AE3466006F72}" type="slidenum">
+            <a:fld id="{C2566F88-A8EE-4301-AB0B-5248DB6DE76F}" type="slidenum">
               <a:rPr b="0" lang="fr-FR" sz="1200" spc="-1" strike="noStrike">
                 <a:solidFill>
                   <a:srgbClr val="8b8b8b"/>
                 </a:solidFill>
                 <a:latin typeface="Calibri"/>
+                <a:ea typeface="DejaVu Sans"/>
               </a:rPr>
               <a:t>&lt;numéro&gt;</a:t>
             </a:fld>
@@ -8486,7 +5269,7 @@
       </p:sp>
       <p:pic>
         <p:nvPicPr>
-          <p:cNvPr id="251" name="" descr=""/>
+          <p:cNvPr id="174" name="" descr=""/>
           <p:cNvPicPr/>
           <p:nvPr/>
         </p:nvPicPr>
@@ -8497,7 +5280,7 @@
         <p:spPr>
           <a:xfrm>
             <a:off x="1907640" y="1656000"/>
-            <a:ext cx="6818040" cy="4998960"/>
+            <a:ext cx="6817680" cy="4998600"/>
           </a:xfrm>
           <a:prstGeom prst="rect">
             <a:avLst/>
@@ -8509,14 +5292,14 @@
       </p:pic>
       <p:sp>
         <p:nvSpPr>
-          <p:cNvPr id="252" name="CustomShape 3"/>
+          <p:cNvPr id="175" name="CustomShape 3"/>
           <p:cNvSpPr/>
           <p:nvPr/>
         </p:nvSpPr>
         <p:spPr>
           <a:xfrm>
-            <a:off x="6933240" y="4785840"/>
-            <a:ext cx="4745520" cy="364320"/>
+            <a:off x="7387200" y="4785840"/>
+            <a:ext cx="3837240" cy="363960"/>
           </a:xfrm>
           <a:prstGeom prst="rect">
             <a:avLst/>
@@ -8617,14 +5400,14 @@
       </p:grpSpPr>
       <p:sp>
         <p:nvSpPr>
-          <p:cNvPr id="253" name="CustomShape 1"/>
+          <p:cNvPr id="176" name="CustomShape 1"/>
           <p:cNvSpPr/>
           <p:nvPr/>
         </p:nvSpPr>
         <p:spPr>
           <a:xfrm>
             <a:off x="837720" y="263520"/>
-            <a:ext cx="10514880" cy="1324800"/>
+            <a:ext cx="10514520" cy="1324440"/>
           </a:xfrm>
           <a:prstGeom prst="rect">
             <a:avLst/>
@@ -8656,6 +5439,7 @@
                   <a:srgbClr val="000000"/>
                 </a:solidFill>
                 <a:latin typeface="Calibri Light"/>
+                <a:ea typeface="DejaVu Sans"/>
               </a:rPr>
               <a:t>Planification de l’historisation des métriques météo</a:t>
             </a:r>
@@ -8667,14 +5451,14 @@
       </p:sp>
       <p:sp>
         <p:nvSpPr>
-          <p:cNvPr id="254" name="CustomShape 2"/>
+          <p:cNvPr id="177" name="CustomShape 2"/>
           <p:cNvSpPr/>
           <p:nvPr/>
         </p:nvSpPr>
         <p:spPr>
           <a:xfrm>
             <a:off x="8610120" y="6356520"/>
-            <a:ext cx="2742480" cy="364320"/>
+            <a:ext cx="2742120" cy="363960"/>
           </a:xfrm>
           <a:prstGeom prst="rect">
             <a:avLst/>
@@ -8700,12 +5484,13 @@
                 <a:spcPct val="100000"/>
               </a:lnSpc>
             </a:pPr>
-            <a:fld id="{3F09FA6B-2496-4EB4-87F0-11CCC69EE0A9}" type="slidenum">
+            <a:fld id="{560347E7-C474-45A2-A423-CF818C41EA67}" type="slidenum">
               <a:rPr b="0" lang="fr-FR" sz="1200" spc="-1" strike="noStrike">
                 <a:solidFill>
                   <a:srgbClr val="8b8b8b"/>
                 </a:solidFill>
                 <a:latin typeface="Calibri"/>
+                <a:ea typeface="DejaVu Sans"/>
               </a:rPr>
               <a:t>&lt;numéro&gt;</a:t>
             </a:fld>
@@ -8717,7 +5502,7 @@
       </p:sp>
       <p:pic>
         <p:nvPicPr>
-          <p:cNvPr id="255" name="Image 4" descr=""/>
+          <p:cNvPr id="178" name="Image 4" descr=""/>
           <p:cNvPicPr/>
           <p:nvPr/>
         </p:nvPicPr>
@@ -8728,7 +5513,7 @@
         <p:spPr>
           <a:xfrm>
             <a:off x="5667120" y="1850040"/>
-            <a:ext cx="3247200" cy="2332800"/>
+            <a:ext cx="3246840" cy="2332440"/>
           </a:xfrm>
           <a:prstGeom prst="rect">
             <a:avLst/>
@@ -8797,14 +5582,14 @@
       </p:grpSpPr>
       <p:sp>
         <p:nvSpPr>
-          <p:cNvPr id="256" name="CustomShape 1"/>
+          <p:cNvPr id="179" name="CustomShape 1"/>
           <p:cNvSpPr/>
           <p:nvPr/>
         </p:nvSpPr>
         <p:spPr>
           <a:xfrm>
             <a:off x="1880640" y="357120"/>
-            <a:ext cx="8228880" cy="631080"/>
+            <a:ext cx="8228520" cy="630720"/>
           </a:xfrm>
           <a:prstGeom prst="rect">
             <a:avLst/>
@@ -8836,6 +5621,7 @@
                   <a:srgbClr val="000000"/>
                 </a:solidFill>
                 <a:latin typeface="Calibri Light"/>
+                <a:ea typeface="DejaVu Sans"/>
               </a:rPr>
               <a:t>Negretti &amp; Zambra</a:t>
             </a:r>
@@ -8847,7 +5633,7 @@
       </p:sp>
       <p:pic>
         <p:nvPicPr>
-          <p:cNvPr id="257" name="Image 7" descr=""/>
+          <p:cNvPr id="180" name="Image 7" descr=""/>
           <p:cNvPicPr/>
           <p:nvPr/>
         </p:nvPicPr>
@@ -8858,7 +5644,7 @@
         <p:spPr>
           <a:xfrm>
             <a:off x="2595240" y="1428840"/>
-            <a:ext cx="3126240" cy="4785480"/>
+            <a:ext cx="3125880" cy="4785120"/>
           </a:xfrm>
           <a:prstGeom prst="rect">
             <a:avLst/>
@@ -8870,14 +5656,14 @@
       </p:pic>
       <p:sp>
         <p:nvSpPr>
-          <p:cNvPr id="258" name="CustomShape 2"/>
+          <p:cNvPr id="181" name="CustomShape 2"/>
           <p:cNvSpPr/>
           <p:nvPr/>
         </p:nvSpPr>
         <p:spPr>
           <a:xfrm>
             <a:off x="6238440" y="1225800"/>
-            <a:ext cx="3571200" cy="5301720"/>
+            <a:ext cx="3570840" cy="5301720"/>
           </a:xfrm>
           <a:prstGeom prst="rect">
             <a:avLst/>
@@ -8998,7 +5784,7 @@
             </a:endParaRPr>
           </a:p>
           <a:p>
-            <a:pPr marL="216000" indent="-215640">
+            <a:pPr marL="216000" indent="-215280">
               <a:lnSpc>
                 <a:spcPct val="100000"/>
               </a:lnSpc>
@@ -9053,7 +5839,7 @@
             </a:endParaRPr>
           </a:p>
           <a:p>
-            <a:pPr marL="216000" indent="-215640">
+            <a:pPr marL="216000" indent="-215280">
               <a:lnSpc>
                 <a:spcPct val="100000"/>
               </a:lnSpc>
@@ -9088,7 +5874,7 @@
             </a:endParaRPr>
           </a:p>
           <a:p>
-            <a:pPr marL="216000" indent="-215640">
+            <a:pPr marL="216000" indent="-215280">
               <a:lnSpc>
                 <a:spcPct val="100000"/>
               </a:lnSpc>
@@ -9123,7 +5909,7 @@
             </a:endParaRPr>
           </a:p>
           <a:p>
-            <a:pPr marL="216000" indent="-215640">
+            <a:pPr marL="216000" indent="-215280">
               <a:lnSpc>
                 <a:spcPct val="100000"/>
               </a:lnSpc>
@@ -9158,7 +5944,7 @@
             </a:endParaRPr>
           </a:p>
           <a:p>
-            <a:pPr marL="216000" indent="-215640">
+            <a:pPr marL="216000" indent="-215280">
               <a:lnSpc>
                 <a:spcPct val="100000"/>
               </a:lnSpc>
@@ -9203,7 +5989,7 @@
             </a:endParaRPr>
           </a:p>
           <a:p>
-            <a:pPr marL="216000" indent="-215640">
+            <a:pPr marL="216000" indent="-215280">
               <a:lnSpc>
                 <a:spcPct val="100000"/>
               </a:lnSpc>
@@ -9238,7 +6024,7 @@
             </a:endParaRPr>
           </a:p>
           <a:p>
-            <a:pPr marL="216000" indent="-215640">
+            <a:pPr marL="216000" indent="-215280">
               <a:lnSpc>
                 <a:spcPct val="100000"/>
               </a:lnSpc>
@@ -9343,7 +6129,7 @@
       </p:grpSpPr>
       <p:pic>
         <p:nvPicPr>
-          <p:cNvPr id="259" name="Image 2" descr=""/>
+          <p:cNvPr id="182" name="Image 2" descr=""/>
           <p:cNvPicPr/>
           <p:nvPr/>
         </p:nvPicPr>
@@ -9354,7 +6140,7 @@
         <p:spPr>
           <a:xfrm>
             <a:off x="2381040" y="1357200"/>
-            <a:ext cx="3142440" cy="3445560"/>
+            <a:ext cx="3142080" cy="3445200"/>
           </a:xfrm>
           <a:prstGeom prst="rect">
             <a:avLst/>
@@ -9366,7 +6152,7 @@
       </p:pic>
       <p:pic>
         <p:nvPicPr>
-          <p:cNvPr id="260" name="Image 3" descr=""/>
+          <p:cNvPr id="183" name="Image 3" descr=""/>
           <p:cNvPicPr/>
           <p:nvPr/>
         </p:nvPicPr>
@@ -9377,7 +6163,7 @@
         <p:spPr>
           <a:xfrm>
             <a:off x="7381440" y="3643200"/>
-            <a:ext cx="2702880" cy="2642400"/>
+            <a:ext cx="2702520" cy="2642040"/>
           </a:xfrm>
           <a:prstGeom prst="rect">
             <a:avLst/>
@@ -9389,14 +6175,14 @@
       </p:pic>
       <p:sp>
         <p:nvSpPr>
-          <p:cNvPr id="261" name="CustomShape 1"/>
+          <p:cNvPr id="184" name="CustomShape 1"/>
           <p:cNvSpPr/>
           <p:nvPr/>
         </p:nvSpPr>
         <p:spPr>
           <a:xfrm>
             <a:off x="1880640" y="357120"/>
-            <a:ext cx="8228880" cy="631080"/>
+            <a:ext cx="8228520" cy="630720"/>
           </a:xfrm>
           <a:prstGeom prst="rect">
             <a:avLst/>
@@ -9428,6 +6214,7 @@
                   <a:srgbClr val="000000"/>
                 </a:solidFill>
                 <a:latin typeface="Calibri Light"/>
+                <a:ea typeface="DejaVu Sans"/>
               </a:rPr>
               <a:t>Algorithme de Zambretti</a:t>
             </a:r>
@@ -9439,14 +6226,14 @@
       </p:sp>
       <p:sp>
         <p:nvSpPr>
-          <p:cNvPr id="262" name="CustomShape 2"/>
+          <p:cNvPr id="185" name="CustomShape 2"/>
           <p:cNvSpPr/>
           <p:nvPr/>
         </p:nvSpPr>
         <p:spPr>
           <a:xfrm rot="3640800">
             <a:off x="5606640" y="1128960"/>
-            <a:ext cx="278280" cy="2053800"/>
+            <a:ext cx="277920" cy="2053440"/>
           </a:xfrm>
           <a:prstGeom prst="downArrow">
             <a:avLst>
@@ -9478,14 +6265,14 @@
       </p:sp>
       <p:sp>
         <p:nvSpPr>
-          <p:cNvPr id="263" name="CustomShape 3"/>
+          <p:cNvPr id="186" name="CustomShape 3"/>
           <p:cNvSpPr/>
           <p:nvPr/>
         </p:nvSpPr>
         <p:spPr>
           <a:xfrm rot="4933800">
-            <a:off x="5967720" y="1563840"/>
-            <a:ext cx="278280" cy="2605320"/>
+            <a:off x="5968080" y="1563480"/>
+            <a:ext cx="277920" cy="2604960"/>
           </a:xfrm>
           <a:prstGeom prst="downArrow">
             <a:avLst>
@@ -9517,14 +6304,14 @@
       </p:sp>
       <p:sp>
         <p:nvSpPr>
-          <p:cNvPr id="264" name="CustomShape 4"/>
+          <p:cNvPr id="187" name="CustomShape 4"/>
           <p:cNvSpPr/>
           <p:nvPr/>
         </p:nvSpPr>
         <p:spPr>
           <a:xfrm>
-            <a:off x="6491160" y="1428840"/>
-            <a:ext cx="2159280" cy="364320"/>
+            <a:off x="6679800" y="1428840"/>
+            <a:ext cx="1781280" cy="363960"/>
           </a:xfrm>
           <a:prstGeom prst="rect">
             <a:avLst/>
@@ -9568,14 +6355,14 @@
       </p:sp>
       <p:sp>
         <p:nvSpPr>
-          <p:cNvPr id="265" name="CustomShape 5"/>
+          <p:cNvPr id="188" name="CustomShape 5"/>
           <p:cNvSpPr/>
           <p:nvPr/>
         </p:nvSpPr>
         <p:spPr>
           <a:xfrm>
-            <a:off x="7070400" y="2500200"/>
-            <a:ext cx="3495960" cy="364320"/>
+            <a:off x="7398000" y="2500200"/>
+            <a:ext cx="2840400" cy="363960"/>
           </a:xfrm>
           <a:prstGeom prst="rect">
             <a:avLst/>
@@ -9619,14 +6406,14 @@
       </p:sp>
       <p:sp>
         <p:nvSpPr>
-          <p:cNvPr id="266" name="CustomShape 6"/>
+          <p:cNvPr id="189" name="CustomShape 6"/>
           <p:cNvSpPr/>
           <p:nvPr/>
         </p:nvSpPr>
         <p:spPr>
           <a:xfrm rot="11452200">
             <a:off x="2954520" y="3334680"/>
-            <a:ext cx="278280" cy="2031120"/>
+            <a:ext cx="277920" cy="2030760"/>
           </a:xfrm>
           <a:prstGeom prst="downArrow">
             <a:avLst>
@@ -9658,14 +6445,14 @@
       </p:sp>
       <p:sp>
         <p:nvSpPr>
-          <p:cNvPr id="267" name="CustomShape 7"/>
+          <p:cNvPr id="190" name="CustomShape 7"/>
           <p:cNvSpPr/>
           <p:nvPr/>
         </p:nvSpPr>
         <p:spPr>
           <a:xfrm rot="11857200">
-            <a:off x="3449160" y="3718440"/>
-            <a:ext cx="278280" cy="1664280"/>
+            <a:off x="3449160" y="3718800"/>
+            <a:ext cx="277920" cy="1663920"/>
           </a:xfrm>
           <a:prstGeom prst="downArrow">
             <a:avLst>
@@ -9697,14 +6484,14 @@
       </p:sp>
       <p:sp>
         <p:nvSpPr>
-          <p:cNvPr id="268" name="CustomShape 8"/>
+          <p:cNvPr id="191" name="CustomShape 8"/>
           <p:cNvSpPr/>
           <p:nvPr/>
         </p:nvSpPr>
         <p:spPr>
           <a:xfrm>
             <a:off x="1738080" y="5357880"/>
-            <a:ext cx="3142440" cy="1187280"/>
+            <a:ext cx="3142080" cy="1186920"/>
           </a:xfrm>
           <a:prstGeom prst="rect">
             <a:avLst/>
@@ -9808,14 +6595,14 @@
       </p:sp>
       <p:sp>
         <p:nvSpPr>
-          <p:cNvPr id="269" name="CustomShape 9"/>
+          <p:cNvPr id="192" name="CustomShape 9"/>
           <p:cNvSpPr/>
           <p:nvPr/>
         </p:nvSpPr>
         <p:spPr>
           <a:xfrm rot="12170400">
             <a:off x="3963960" y="3369600"/>
-            <a:ext cx="278280" cy="2054160"/>
+            <a:ext cx="277920" cy="2053800"/>
           </a:xfrm>
           <a:prstGeom prst="downArrow">
             <a:avLst>
@@ -9847,14 +6634,14 @@
       </p:sp>
       <p:sp>
         <p:nvSpPr>
-          <p:cNvPr id="270" name="CustomShape 10"/>
+          <p:cNvPr id="193" name="CustomShape 10"/>
           <p:cNvSpPr/>
           <p:nvPr/>
         </p:nvSpPr>
         <p:spPr>
           <a:xfrm rot="14204400">
-            <a:off x="5941800" y="3836160"/>
-            <a:ext cx="285120" cy="2782440"/>
+            <a:off x="5941800" y="3836520"/>
+            <a:ext cx="284760" cy="2782080"/>
           </a:xfrm>
           <a:prstGeom prst="downArrow">
             <a:avLst>
@@ -9883,14 +6670,14 @@
       </p:sp>
       <p:sp>
         <p:nvSpPr>
-          <p:cNvPr id="271" name="CustomShape 11"/>
+          <p:cNvPr id="194" name="CustomShape 11"/>
           <p:cNvSpPr/>
           <p:nvPr/>
         </p:nvSpPr>
         <p:spPr>
           <a:xfrm>
-            <a:off x="5361840" y="5640120"/>
-            <a:ext cx="2116800" cy="638640"/>
+            <a:off x="5537880" y="5640120"/>
+            <a:ext cx="1764360" cy="638280"/>
           </a:xfrm>
           <a:prstGeom prst="rect">
             <a:avLst/>
@@ -10011,14 +6798,14 @@
       </p:grpSpPr>
       <p:sp>
         <p:nvSpPr>
-          <p:cNvPr id="272" name="CustomShape 1"/>
+          <p:cNvPr id="195" name="CustomShape 1"/>
           <p:cNvSpPr/>
           <p:nvPr/>
         </p:nvSpPr>
         <p:spPr>
           <a:xfrm>
             <a:off x="1880640" y="357120"/>
-            <a:ext cx="8228880" cy="631080"/>
+            <a:ext cx="8228520" cy="630720"/>
           </a:xfrm>
           <a:prstGeom prst="rect">
             <a:avLst/>
@@ -10036,7 +6823,7 @@
         </p:style>
         <p:txBody>
           <a:bodyPr lIns="90000" rIns="90000" tIns="45000" bIns="45000" anchor="ctr">
-            <a:normAutofit fontScale="35000"/>
+            <a:normAutofit/>
           </a:bodyPr>
           <a:p>
             <a:pPr>
@@ -10050,6 +6837,7 @@
                   <a:srgbClr val="000000"/>
                 </a:solidFill>
                 <a:latin typeface="Calibri Light"/>
+                <a:ea typeface="DejaVu Sans"/>
               </a:rPr>
               <a:t>Algorithme de Zambretti implémenté</a:t>
             </a:r>
@@ -10061,14 +6849,14 @@
       </p:sp>
       <p:sp>
         <p:nvSpPr>
-          <p:cNvPr id="273" name="CustomShape 2"/>
+          <p:cNvPr id="196" name="CustomShape 2"/>
           <p:cNvSpPr/>
           <p:nvPr/>
         </p:nvSpPr>
         <p:spPr>
           <a:xfrm>
             <a:off x="2023560" y="2714760"/>
-            <a:ext cx="1571040" cy="928080"/>
+            <a:ext cx="1570680" cy="927720"/>
           </a:xfrm>
           <a:prstGeom prst="roundRect">
             <a:avLst>
@@ -10127,14 +6915,14 @@
       </p:sp>
       <p:sp>
         <p:nvSpPr>
-          <p:cNvPr id="274" name="CustomShape 3"/>
+          <p:cNvPr id="197" name="CustomShape 3"/>
           <p:cNvSpPr/>
           <p:nvPr/>
         </p:nvSpPr>
         <p:spPr>
           <a:xfrm>
             <a:off x="6810120" y="1714320"/>
-            <a:ext cx="1142280" cy="713520"/>
+            <a:ext cx="1141920" cy="713160"/>
           </a:xfrm>
           <a:prstGeom prst="roundRect">
             <a:avLst>
@@ -10193,14 +6981,14 @@
       </p:sp>
       <p:sp>
         <p:nvSpPr>
-          <p:cNvPr id="275" name="CustomShape 4"/>
+          <p:cNvPr id="198" name="CustomShape 4"/>
           <p:cNvSpPr/>
           <p:nvPr/>
         </p:nvSpPr>
         <p:spPr>
           <a:xfrm>
             <a:off x="3809520" y="3143160"/>
-            <a:ext cx="642240" cy="142200"/>
+            <a:ext cx="641880" cy="141840"/>
           </a:xfrm>
           <a:prstGeom prst="rightArrow">
             <a:avLst>
@@ -10229,14 +7017,14 @@
       </p:sp>
       <p:sp>
         <p:nvSpPr>
-          <p:cNvPr id="276" name="CustomShape 5"/>
+          <p:cNvPr id="199" name="CustomShape 5"/>
           <p:cNvSpPr/>
           <p:nvPr/>
         </p:nvSpPr>
         <p:spPr>
           <a:xfrm>
             <a:off x="4738320" y="2714760"/>
-            <a:ext cx="1571040" cy="928080"/>
+            <a:ext cx="1570680" cy="927720"/>
           </a:xfrm>
           <a:prstGeom prst="roundRect">
             <a:avLst>
@@ -10315,14 +7103,14 @@
       </p:sp>
       <p:sp>
         <p:nvSpPr>
-          <p:cNvPr id="277" name="CustomShape 6"/>
+          <p:cNvPr id="200" name="CustomShape 6"/>
           <p:cNvSpPr/>
           <p:nvPr/>
         </p:nvSpPr>
         <p:spPr>
           <a:xfrm>
             <a:off x="8310240" y="2714760"/>
-            <a:ext cx="1571040" cy="928080"/>
+            <a:ext cx="1570680" cy="927720"/>
           </a:xfrm>
           <a:prstGeom prst="roundRect">
             <a:avLst>
@@ -10401,14 +7189,14 @@
       </p:sp>
       <p:sp>
         <p:nvSpPr>
-          <p:cNvPr id="278" name="CustomShape 7"/>
+          <p:cNvPr id="201" name="CustomShape 7"/>
           <p:cNvSpPr/>
           <p:nvPr/>
         </p:nvSpPr>
         <p:spPr>
           <a:xfrm>
             <a:off x="6453000" y="3071880"/>
-            <a:ext cx="1713960" cy="142200"/>
+            <a:ext cx="1713600" cy="141840"/>
           </a:xfrm>
           <a:prstGeom prst="rightArrow">
             <a:avLst>
@@ -10437,14 +7225,14 @@
       </p:sp>
       <p:sp>
         <p:nvSpPr>
-          <p:cNvPr id="279" name="CustomShape 8"/>
+          <p:cNvPr id="202" name="CustomShape 8"/>
           <p:cNvSpPr/>
           <p:nvPr/>
         </p:nvSpPr>
         <p:spPr>
           <a:xfrm rot="5400000">
-            <a:off x="7203600" y="2750040"/>
-            <a:ext cx="356400" cy="142200"/>
+            <a:off x="7203960" y="2750040"/>
+            <a:ext cx="356040" cy="141840"/>
           </a:xfrm>
           <a:prstGeom prst="rightArrow">
             <a:avLst>
@@ -10473,14 +7261,14 @@
       </p:sp>
       <p:sp>
         <p:nvSpPr>
-          <p:cNvPr id="280" name="CustomShape 9"/>
+          <p:cNvPr id="203" name="CustomShape 9"/>
           <p:cNvSpPr/>
           <p:nvPr/>
         </p:nvSpPr>
         <p:spPr>
           <a:xfrm>
             <a:off x="2309400" y="1996920"/>
-            <a:ext cx="1071000" cy="912600"/>
+            <a:ext cx="1070640" cy="639000"/>
           </a:xfrm>
           <a:prstGeom prst="rect">
             <a:avLst/>
@@ -10544,14 +7332,14 @@
       </p:sp>
       <p:sp>
         <p:nvSpPr>
-          <p:cNvPr id="281" name="CustomShape 10"/>
+          <p:cNvPr id="204" name="CustomShape 10"/>
           <p:cNvSpPr/>
           <p:nvPr/>
         </p:nvSpPr>
         <p:spPr>
           <a:xfrm>
             <a:off x="4738320" y="1285920"/>
-            <a:ext cx="1499400" cy="1324440"/>
+            <a:ext cx="1499040" cy="1324080"/>
           </a:xfrm>
           <a:prstGeom prst="rect">
             <a:avLst/>
@@ -10635,14 +7423,14 @@
       </p:sp>
       <p:sp>
         <p:nvSpPr>
-          <p:cNvPr id="282" name="CustomShape 11"/>
+          <p:cNvPr id="205" name="CustomShape 11"/>
           <p:cNvSpPr/>
           <p:nvPr/>
         </p:nvSpPr>
         <p:spPr>
           <a:xfrm flipH="1" flipV="1" rot="5400000">
-            <a:off x="5625360" y="1398240"/>
-            <a:ext cx="297000" cy="213480"/>
+            <a:off x="5625720" y="1398240"/>
+            <a:ext cx="296640" cy="213120"/>
           </a:xfrm>
           <a:custGeom>
             <a:avLst/>
@@ -10684,14 +7472,14 @@
       </p:sp>
       <p:sp>
         <p:nvSpPr>
-          <p:cNvPr id="283" name="CustomShape 12"/>
+          <p:cNvPr id="206" name="CustomShape 12"/>
           <p:cNvSpPr/>
           <p:nvPr/>
         </p:nvSpPr>
         <p:spPr>
           <a:xfrm flipH="1" rot="16200000">
-            <a:off x="5702400" y="2250360"/>
-            <a:ext cx="285120" cy="213480"/>
+            <a:off x="5702760" y="2250360"/>
+            <a:ext cx="284760" cy="213120"/>
           </a:xfrm>
           <a:custGeom>
             <a:avLst/>
@@ -10733,14 +7521,14 @@
       </p:sp>
       <p:sp>
         <p:nvSpPr>
-          <p:cNvPr id="284" name="CustomShape 13"/>
+          <p:cNvPr id="207" name="CustomShape 13"/>
           <p:cNvSpPr/>
           <p:nvPr/>
         </p:nvSpPr>
         <p:spPr>
           <a:xfrm flipV="1">
-            <a:off x="5667120" y="1999440"/>
-            <a:ext cx="356400" cy="11520"/>
+            <a:off x="5667120" y="1998720"/>
+            <a:ext cx="356040" cy="11160"/>
           </a:xfrm>
           <a:custGeom>
             <a:avLst/>
@@ -10782,14 +7570,14 @@
       </p:sp>
       <p:sp>
         <p:nvSpPr>
-          <p:cNvPr id="285" name="CustomShape 14"/>
+          <p:cNvPr id="208" name="CustomShape 14"/>
           <p:cNvSpPr/>
           <p:nvPr/>
         </p:nvSpPr>
         <p:spPr>
           <a:xfrm>
             <a:off x="6667200" y="1071720"/>
-            <a:ext cx="1428120" cy="638640"/>
+            <a:ext cx="1427760" cy="638280"/>
           </a:xfrm>
           <a:prstGeom prst="rect">
             <a:avLst/>
@@ -10853,14 +7641,14 @@
       </p:sp>
       <p:sp>
         <p:nvSpPr>
-          <p:cNvPr id="286" name="CustomShape 15"/>
+          <p:cNvPr id="209" name="CustomShape 15"/>
           <p:cNvSpPr/>
           <p:nvPr/>
         </p:nvSpPr>
         <p:spPr>
           <a:xfrm>
             <a:off x="1880640" y="3929040"/>
-            <a:ext cx="1999440" cy="3381480"/>
+            <a:ext cx="1999080" cy="3381480"/>
           </a:xfrm>
           <a:prstGeom prst="rect">
             <a:avLst/>
@@ -10901,7 +7689,7 @@
             </a:endParaRPr>
           </a:p>
           <a:p>
-            <a:pPr marL="216000" indent="-215640">
+            <a:pPr marL="216000" indent="-215280">
               <a:lnSpc>
                 <a:spcPct val="100000"/>
               </a:lnSpc>
@@ -10936,7 +7724,7 @@
             </a:endParaRPr>
           </a:p>
           <a:p>
-            <a:pPr marL="216000" indent="-215640">
+            <a:pPr marL="216000" indent="-215280">
               <a:lnSpc>
                 <a:spcPct val="100000"/>
               </a:lnSpc>
@@ -10981,7 +7769,7 @@
             </a:endParaRPr>
           </a:p>
           <a:p>
-            <a:pPr marL="216000" indent="-215640">
+            <a:pPr marL="216000" indent="-215280">
               <a:lnSpc>
                 <a:spcPct val="100000"/>
               </a:lnSpc>
@@ -11019,14 +7807,14 @@
       </p:sp>
       <p:sp>
         <p:nvSpPr>
-          <p:cNvPr id="287" name="CustomShape 16"/>
+          <p:cNvPr id="210" name="CustomShape 16"/>
           <p:cNvSpPr/>
           <p:nvPr/>
         </p:nvSpPr>
         <p:spPr>
           <a:xfrm>
             <a:off x="4452480" y="3929040"/>
-            <a:ext cx="2642400" cy="2147400"/>
+            <a:ext cx="2642040" cy="2147040"/>
           </a:xfrm>
           <a:prstGeom prst="rect">
             <a:avLst/>
@@ -11067,7 +7855,7 @@
             </a:endParaRPr>
           </a:p>
           <a:p>
-            <a:pPr marL="216000" indent="-215640">
+            <a:pPr marL="216000" indent="-215280">
               <a:lnSpc>
                 <a:spcPct val="150000"/>
               </a:lnSpc>
@@ -11102,7 +7890,7 @@
             </a:endParaRPr>
           </a:p>
           <a:p>
-            <a:pPr marL="216000" indent="-215640">
+            <a:pPr marL="216000" indent="-215280">
               <a:lnSpc>
                 <a:spcPct val="150000"/>
               </a:lnSpc>
@@ -11137,7 +7925,7 @@
             </a:endParaRPr>
           </a:p>
           <a:p>
-            <a:pPr marL="216000" indent="-215640">
+            <a:pPr marL="216000" indent="-215280">
               <a:lnSpc>
                 <a:spcPct val="150000"/>
               </a:lnSpc>
@@ -11195,14 +7983,14 @@
       </p:sp>
       <p:sp>
         <p:nvSpPr>
-          <p:cNvPr id="288" name="CustomShape 17"/>
+          <p:cNvPr id="211" name="CustomShape 17"/>
           <p:cNvSpPr/>
           <p:nvPr/>
         </p:nvSpPr>
         <p:spPr>
           <a:xfrm flipH="1" flipV="1" rot="5400000">
-            <a:off x="6125400" y="4327200"/>
-            <a:ext cx="297000" cy="213480"/>
+            <a:off x="6125760" y="4327200"/>
+            <a:ext cx="296640" cy="213120"/>
           </a:xfrm>
           <a:custGeom>
             <a:avLst/>
@@ -11244,14 +8032,14 @@
       </p:sp>
       <p:sp>
         <p:nvSpPr>
-          <p:cNvPr id="289" name="CustomShape 18"/>
+          <p:cNvPr id="212" name="CustomShape 18"/>
           <p:cNvSpPr/>
           <p:nvPr/>
         </p:nvSpPr>
         <p:spPr>
           <a:xfrm flipH="1" rot="16200000">
-            <a:off x="5988240" y="5179320"/>
-            <a:ext cx="285120" cy="213480"/>
+            <a:off x="5988600" y="5179320"/>
+            <a:ext cx="284760" cy="213120"/>
           </a:xfrm>
           <a:custGeom>
             <a:avLst/>
@@ -11293,14 +8081,14 @@
       </p:sp>
       <p:sp>
         <p:nvSpPr>
-          <p:cNvPr id="290" name="CustomShape 19"/>
+          <p:cNvPr id="213" name="CustomShape 19"/>
           <p:cNvSpPr/>
           <p:nvPr/>
         </p:nvSpPr>
         <p:spPr>
           <a:xfrm flipV="1">
-            <a:off x="6167160" y="4857120"/>
-            <a:ext cx="356400" cy="11520"/>
+            <a:off x="6167160" y="4856400"/>
+            <a:ext cx="356040" cy="11160"/>
           </a:xfrm>
           <a:custGeom>
             <a:avLst/>
@@ -11342,14 +8130,14 @@
       </p:sp>
       <p:sp>
         <p:nvSpPr>
-          <p:cNvPr id="291" name="CustomShape 20"/>
+          <p:cNvPr id="214" name="CustomShape 20"/>
           <p:cNvSpPr/>
           <p:nvPr/>
         </p:nvSpPr>
         <p:spPr>
           <a:xfrm>
             <a:off x="8953200" y="3714840"/>
-            <a:ext cx="213480" cy="499320"/>
+            <a:ext cx="213120" cy="498960"/>
           </a:xfrm>
           <a:prstGeom prst="downArrow">
             <a:avLst>
@@ -11378,14 +8166,14 @@
       </p:sp>
       <p:sp>
         <p:nvSpPr>
-          <p:cNvPr id="292" name="CustomShape 21"/>
+          <p:cNvPr id="215" name="CustomShape 21"/>
           <p:cNvSpPr/>
           <p:nvPr/>
         </p:nvSpPr>
         <p:spPr>
           <a:xfrm>
             <a:off x="7453080" y="4357800"/>
-            <a:ext cx="2999520" cy="1735560"/>
+            <a:ext cx="2999160" cy="1461960"/>
           </a:xfrm>
           <a:prstGeom prst="rect">
             <a:avLst/>
@@ -11586,14 +8374,14 @@
       </p:grpSpPr>
       <p:sp>
         <p:nvSpPr>
-          <p:cNvPr id="293" name="CustomShape 1"/>
+          <p:cNvPr id="216" name="CustomShape 1"/>
           <p:cNvSpPr/>
           <p:nvPr/>
         </p:nvSpPr>
         <p:spPr>
           <a:xfrm>
             <a:off x="1880640" y="357120"/>
-            <a:ext cx="8228880" cy="631080"/>
+            <a:ext cx="8228520" cy="630720"/>
           </a:xfrm>
           <a:prstGeom prst="rect">
             <a:avLst/>
@@ -11611,7 +8399,7 @@
         </p:style>
         <p:txBody>
           <a:bodyPr lIns="90000" rIns="90000" tIns="45000" bIns="45000" anchor="ctr">
-            <a:normAutofit fontScale="35000"/>
+            <a:normAutofit/>
           </a:bodyPr>
           <a:p>
             <a:pPr>
@@ -11625,6 +8413,7 @@
                   <a:srgbClr val="000000"/>
                 </a:solidFill>
                 <a:latin typeface="Calibri Light"/>
+                <a:ea typeface="DejaVu Sans"/>
               </a:rPr>
               <a:t>Algorithme de Zambretti implémenté</a:t>
             </a:r>
@@ -11636,14 +8425,14 @@
       </p:sp>
       <p:sp>
         <p:nvSpPr>
-          <p:cNvPr id="294" name="CustomShape 2"/>
+          <p:cNvPr id="217" name="CustomShape 2"/>
           <p:cNvSpPr/>
           <p:nvPr/>
         </p:nvSpPr>
         <p:spPr>
           <a:xfrm>
             <a:off x="2881080" y="1714320"/>
-            <a:ext cx="5928480" cy="2833200"/>
+            <a:ext cx="5928120" cy="2832840"/>
           </a:xfrm>
           <a:prstGeom prst="rect">
             <a:avLst/>
@@ -11854,14 +8643,14 @@
       </p:grpSpPr>
       <p:sp>
         <p:nvSpPr>
-          <p:cNvPr id="295" name="CustomShape 1"/>
+          <p:cNvPr id="218" name="CustomShape 1"/>
           <p:cNvSpPr/>
           <p:nvPr/>
         </p:nvSpPr>
         <p:spPr>
           <a:xfrm>
             <a:off x="1880640" y="357120"/>
-            <a:ext cx="8228880" cy="631080"/>
+            <a:ext cx="8228520" cy="630720"/>
           </a:xfrm>
           <a:prstGeom prst="rect">
             <a:avLst/>
@@ -11893,6 +8682,7 @@
                   <a:srgbClr val="000000"/>
                 </a:solidFill>
                 <a:latin typeface="Calibri Light"/>
+                <a:ea typeface="DejaVu Sans"/>
               </a:rPr>
               <a:t>Etat du travail:</a:t>
             </a:r>
@@ -11904,14 +8694,14 @@
       </p:sp>
       <p:sp>
         <p:nvSpPr>
-          <p:cNvPr id="296" name="CustomShape 2"/>
+          <p:cNvPr id="219" name="CustomShape 2"/>
           <p:cNvSpPr/>
           <p:nvPr/>
         </p:nvSpPr>
         <p:spPr>
           <a:xfrm>
             <a:off x="2381040" y="1571760"/>
-            <a:ext cx="7000200" cy="5164560"/>
+            <a:ext cx="6999840" cy="4753800"/>
           </a:xfrm>
           <a:prstGeom prst="rect">
             <a:avLst/>
@@ -11952,7 +8742,7 @@
             </a:endParaRPr>
           </a:p>
           <a:p>
-            <a:pPr marL="216000" indent="-215640">
+            <a:pPr marL="216000" indent="-215280">
               <a:lnSpc>
                 <a:spcPct val="150000"/>
               </a:lnSpc>
@@ -11977,7 +8767,7 @@
             </a:endParaRPr>
           </a:p>
           <a:p>
-            <a:pPr marL="216000" indent="-215640">
+            <a:pPr marL="216000" indent="-215280">
               <a:lnSpc>
                 <a:spcPct val="150000"/>
               </a:lnSpc>
@@ -12042,7 +8832,7 @@
             </a:endParaRPr>
           </a:p>
           <a:p>
-            <a:pPr marL="216000" indent="-215640">
+            <a:pPr marL="216000" indent="-215280">
               <a:lnSpc>
                 <a:spcPct val="150000"/>
               </a:lnSpc>
@@ -12077,7 +8867,7 @@
             </a:endParaRPr>
           </a:p>
           <a:p>
-            <a:pPr marL="216000" indent="-215640">
+            <a:pPr marL="216000" indent="-215280">
               <a:lnSpc>
                 <a:spcPct val="150000"/>
               </a:lnSpc>
@@ -12112,7 +8902,7 @@
             </a:endParaRPr>
           </a:p>
           <a:p>
-            <a:pPr marL="216000" indent="-215640">
+            <a:pPr marL="216000" indent="-215280">
               <a:lnSpc>
                 <a:spcPct val="150000"/>
               </a:lnSpc>
@@ -12257,14 +9047,14 @@
       </p:grpSpPr>
       <p:sp>
         <p:nvSpPr>
-          <p:cNvPr id="297" name="CustomShape 1"/>
+          <p:cNvPr id="220" name="CustomShape 1"/>
           <p:cNvSpPr/>
           <p:nvPr/>
         </p:nvSpPr>
         <p:spPr>
           <a:xfrm>
             <a:off x="837720" y="365040"/>
-            <a:ext cx="10514880" cy="1324800"/>
+            <a:ext cx="10514520" cy="1324440"/>
           </a:xfrm>
           <a:prstGeom prst="rect">
             <a:avLst/>
@@ -12296,6 +9086,7 @@
                   <a:srgbClr val="000000"/>
                 </a:solidFill>
                 <a:latin typeface="Calibri Light"/>
+                <a:ea typeface="DejaVu Sans"/>
               </a:rPr>
               <a:t>Tests</a:t>
             </a:r>
@@ -12307,14 +9098,14 @@
       </p:sp>
       <p:sp>
         <p:nvSpPr>
-          <p:cNvPr id="298" name="CustomShape 2"/>
+          <p:cNvPr id="221" name="CustomShape 2"/>
           <p:cNvSpPr/>
           <p:nvPr/>
         </p:nvSpPr>
         <p:spPr>
           <a:xfrm>
             <a:off x="837720" y="1825560"/>
-            <a:ext cx="10514880" cy="4350600"/>
+            <a:ext cx="10514520" cy="4350240"/>
           </a:xfrm>
           <a:prstGeom prst="rect">
             <a:avLst/>
@@ -12335,7 +9126,7 @@
             <a:noAutofit/>
           </a:bodyPr>
           <a:p>
-            <a:pPr marL="228600" indent="-227880">
+            <a:pPr marL="228600" indent="-227520">
               <a:lnSpc>
                 <a:spcPct val="90000"/>
               </a:lnSpc>
@@ -12348,16 +9139,7 @@
               <a:buFont typeface="Arial"/>
               <a:buChar char="•"/>
             </a:pPr>
-            <a:r>
-              <a:rPr b="0" lang="fr-FR" sz="2800" spc="-1" strike="noStrike">
-                <a:solidFill>
-                  <a:srgbClr val="000000"/>
-                </a:solidFill>
-                <a:latin typeface="Calibri"/>
-              </a:rPr>
-              <a:t>Environnement de suite de tests unitaires cppunit</a:t>
-            </a:r>
-            <a:endParaRPr b="0" lang="fr-FR" sz="2800" spc="-1" strike="noStrike">
+            <a:endParaRPr b="0" lang="fr-FR" sz="1800" spc="-1" strike="noStrike">
               <a:latin typeface="Arial"/>
             </a:endParaRPr>
           </a:p>
@@ -12370,85 +9152,22 @@
                 <a:spcPts val="1001"/>
               </a:spcBef>
             </a:pPr>
-            <a:endParaRPr b="0" lang="fr-FR" sz="2800" spc="-1" strike="noStrike">
-              <a:latin typeface="Arial"/>
-            </a:endParaRPr>
-          </a:p>
-          <a:p>
-            <a:pPr marL="228600" indent="-227880">
-              <a:lnSpc>
-                <a:spcPct val="90000"/>
-              </a:lnSpc>
-              <a:spcBef>
-                <a:spcPts val="1001"/>
-              </a:spcBef>
-              <a:buClr>
-                <a:srgbClr val="000000"/>
-              </a:buClr>
-              <a:buFont typeface="Arial"/>
-              <a:buChar char="•"/>
-            </a:pPr>
-            <a:r>
-              <a:rPr b="0" lang="fr-FR" sz="2800" spc="-1" strike="noStrike">
-                <a:solidFill>
-                  <a:srgbClr val="000000"/>
-                </a:solidFill>
-                <a:latin typeface="Calibri"/>
-              </a:rPr>
-              <a:t>Cas:</a:t>
-            </a:r>
-            <a:endParaRPr b="0" lang="fr-FR" sz="2800" spc="-1" strike="noStrike">
-              <a:latin typeface="Arial"/>
-            </a:endParaRPr>
-          </a:p>
-          <a:p>
-            <a:pPr lvl="1" marL="685800" indent="-227880">
-              <a:lnSpc>
-                <a:spcPct val="90000"/>
-              </a:lnSpc>
-              <a:spcBef>
-                <a:spcPts val="499"/>
-              </a:spcBef>
-              <a:buClr>
-                <a:srgbClr val="000000"/>
-              </a:buClr>
-              <a:buFont typeface="Arial"/>
-              <a:buChar char="•"/>
-            </a:pPr>
-            <a:r>
-              <a:rPr b="0" lang="fr-FR" sz="2400" spc="-1" strike="noStrike">
-                <a:solidFill>
-                  <a:srgbClr val="000000"/>
-                </a:solidFill>
-                <a:latin typeface="Calibri"/>
-              </a:rPr>
-              <a:t> </a:t>
-            </a:r>
-            <a:r>
-              <a:rPr b="0" lang="fr-FR" sz="2400" spc="-1" strike="noStrike">
-                <a:solidFill>
-                  <a:srgbClr val="000000"/>
-                </a:solidFill>
-                <a:latin typeface="Calibri"/>
-              </a:rPr>
-              <a:t>Pas de mesures produites par les capteurs</a:t>
-            </a:r>
-            <a:endParaRPr b="0" lang="fr-FR" sz="2400" spc="-1" strike="noStrike">
-              <a:latin typeface="Arial"/>
-            </a:endParaRPr>
-          </a:p>
-        </p:txBody>
-      </p:sp>
-      <p:sp>
-        <p:nvSpPr>
-          <p:cNvPr id="299" name="CustomShape 3"/>
+            <a:endParaRPr b="0" lang="fr-FR" sz="1800" spc="-1" strike="noStrike">
+              <a:latin typeface="Arial"/>
+            </a:endParaRPr>
+          </a:p>
+        </p:txBody>
+      </p:sp>
+      <p:sp>
+        <p:nvSpPr>
+          <p:cNvPr id="222" name="CustomShape 3"/>
           <p:cNvSpPr/>
           <p:nvPr/>
         </p:nvSpPr>
         <p:spPr>
           <a:xfrm>
             <a:off x="8610120" y="6356520"/>
-            <a:ext cx="2742480" cy="364320"/>
+            <a:ext cx="2742120" cy="363960"/>
           </a:xfrm>
           <a:prstGeom prst="rect">
             <a:avLst/>
@@ -12474,16 +9193,80 @@
                 <a:spcPct val="100000"/>
               </a:lnSpc>
             </a:pPr>
-            <a:fld id="{235CCFBE-A19E-42CF-A460-9D3EC5734F4B}" type="slidenum">
+            <a:fld id="{B4365659-9E9C-488D-B5AE-1370F9DE8D0C}" type="slidenum">
               <a:rPr b="0" lang="fr-FR" sz="1200" spc="-1" strike="noStrike">
                 <a:solidFill>
                   <a:srgbClr val="8b8b8b"/>
                 </a:solidFill>
                 <a:latin typeface="Calibri"/>
+                <a:ea typeface="DejaVu Sans"/>
               </a:rPr>
               <a:t>16</a:t>
             </a:fld>
             <a:endParaRPr b="0" lang="fr-FR" sz="1200" spc="-1" strike="noStrike">
+              <a:latin typeface="Arial"/>
+            </a:endParaRPr>
+          </a:p>
+        </p:txBody>
+      </p:sp>
+      <p:pic>
+        <p:nvPicPr>
+          <p:cNvPr id="223" name="" descr=""/>
+          <p:cNvPicPr/>
+          <p:nvPr/>
+        </p:nvPicPr>
+        <p:blipFill>
+          <a:blip r:embed="rId1"/>
+          <a:stretch/>
+        </p:blipFill>
+        <p:spPr>
+          <a:xfrm>
+            <a:off x="1126080" y="2176200"/>
+            <a:ext cx="9169920" cy="4231800"/>
+          </a:xfrm>
+          <a:prstGeom prst="rect">
+            <a:avLst/>
+          </a:prstGeom>
+          <a:ln>
+            <a:noFill/>
+          </a:ln>
+        </p:spPr>
+      </p:pic>
+      <p:sp>
+        <p:nvSpPr>
+          <p:cNvPr id="224" name="TextShape 4"/>
+          <p:cNvSpPr txBox="1"/>
+          <p:nvPr/>
+        </p:nvSpPr>
+        <p:spPr>
+          <a:xfrm>
+            <a:off x="1126080" y="1646640"/>
+            <a:ext cx="7025040" cy="446040"/>
+          </a:xfrm>
+          <a:prstGeom prst="rect">
+            <a:avLst/>
+          </a:prstGeom>
+          <a:noFill/>
+          <a:ln>
+            <a:noFill/>
+          </a:ln>
+        </p:spPr>
+        <p:txBody>
+          <a:bodyPr lIns="90000" rIns="90000" tIns="45000" bIns="45000">
+            <a:spAutoFit/>
+          </a:bodyPr>
+          <a:p>
+            <a:r>
+              <a:rPr b="0" lang="fr-FR" sz="2800" spc="-1" strike="noStrike">
+                <a:solidFill>
+                  <a:srgbClr val="000000"/>
+                </a:solidFill>
+                <a:latin typeface="Calibri"/>
+                <a:ea typeface="DejaVu Sans"/>
+              </a:rPr>
+              <a:t>Environnement de suite de tests unitaires Qtest</a:t>
+            </a:r>
+            <a:endParaRPr b="0" lang="fr-FR" sz="2800" spc="-1" strike="noStrike">
               <a:latin typeface="Arial"/>
             </a:endParaRPr>
           </a:p>
@@ -12548,14 +9331,14 @@
       </p:grpSpPr>
       <p:sp>
         <p:nvSpPr>
-          <p:cNvPr id="300" name="CustomShape 1"/>
+          <p:cNvPr id="225" name="CustomShape 1"/>
           <p:cNvSpPr/>
           <p:nvPr/>
         </p:nvSpPr>
         <p:spPr>
           <a:xfrm>
             <a:off x="837720" y="365040"/>
-            <a:ext cx="10514880" cy="1324800"/>
+            <a:ext cx="10514520" cy="1324440"/>
           </a:xfrm>
           <a:prstGeom prst="rect">
             <a:avLst/>
@@ -12587,6 +9370,7 @@
                   <a:srgbClr val="000000"/>
                 </a:solidFill>
                 <a:latin typeface="Calibri Light"/>
+                <a:ea typeface="DejaVu Sans"/>
               </a:rPr>
               <a:t>Déploiement: installation par paquet Debian</a:t>
             </a:r>
@@ -12598,14 +9382,14 @@
       </p:sp>
       <p:sp>
         <p:nvSpPr>
-          <p:cNvPr id="301" name="CustomShape 2"/>
+          <p:cNvPr id="226" name="CustomShape 2"/>
           <p:cNvSpPr/>
           <p:nvPr/>
         </p:nvSpPr>
         <p:spPr>
           <a:xfrm>
             <a:off x="837720" y="1825560"/>
-            <a:ext cx="10514880" cy="4350600"/>
+            <a:ext cx="10514520" cy="4350240"/>
           </a:xfrm>
           <a:prstGeom prst="rect">
             <a:avLst/>
@@ -12626,7 +9410,7 @@
             <a:noAutofit/>
           </a:bodyPr>
           <a:p>
-            <a:pPr marL="228600" indent="-227880">
+            <a:pPr marL="228600" indent="-227520">
               <a:lnSpc>
                 <a:spcPct val="90000"/>
               </a:lnSpc>
@@ -12645,6 +9429,7 @@
                   <a:srgbClr val="000000"/>
                 </a:solidFill>
                 <a:latin typeface="Calibri"/>
+                <a:ea typeface="DejaVu Sans"/>
               </a:rPr>
               <a:t>Téléchargement depuis GitHub du paquet contenant le binaire</a:t>
             </a:r>
@@ -12653,7 +9438,7 @@
             </a:endParaRPr>
           </a:p>
           <a:p>
-            <a:pPr marL="228600" indent="-227880">
+            <a:pPr marL="228600" indent="-227520">
               <a:lnSpc>
                 <a:spcPct val="90000"/>
               </a:lnSpc>
@@ -12672,6 +9457,7 @@
                   <a:srgbClr val="000000"/>
                 </a:solidFill>
                 <a:latin typeface="Calibri"/>
+                <a:ea typeface="DejaVu Sans"/>
               </a:rPr>
               <a:t>Installation avec dpkg –i &lt;nom de l’application&gt;</a:t>
             </a:r>
@@ -12683,14 +9469,14 @@
       </p:sp>
       <p:sp>
         <p:nvSpPr>
-          <p:cNvPr id="302" name="CustomShape 3"/>
+          <p:cNvPr id="227" name="CustomShape 3"/>
           <p:cNvSpPr/>
           <p:nvPr/>
         </p:nvSpPr>
         <p:spPr>
           <a:xfrm>
             <a:off x="8610120" y="6356520"/>
-            <a:ext cx="2742480" cy="364320"/>
+            <a:ext cx="2742120" cy="363960"/>
           </a:xfrm>
           <a:prstGeom prst="rect">
             <a:avLst/>
@@ -12716,14 +9502,15 @@
                 <a:spcPct val="100000"/>
               </a:lnSpc>
             </a:pPr>
-            <a:fld id="{44714ABF-F72A-4267-9E30-F286A1DD052B}" type="slidenum">
+            <a:fld id="{0BFDC7B3-8434-467F-BF2A-5BECB8D29661}" type="slidenum">
               <a:rPr b="0" lang="fr-FR" sz="1200" spc="-1" strike="noStrike">
                 <a:solidFill>
                   <a:srgbClr val="8b8b8b"/>
                 </a:solidFill>
                 <a:latin typeface="Calibri"/>
-              </a:rPr>
-              <a:t>16</a:t>
+                <a:ea typeface="DejaVu Sans"/>
+              </a:rPr>
+              <a:t>&lt;numéro&gt;</a:t>
             </a:fld>
             <a:endParaRPr b="0" lang="fr-FR" sz="1200" spc="-1" strike="noStrike">
               <a:latin typeface="Arial"/>
@@ -12790,14 +9577,14 @@
       </p:grpSpPr>
       <p:sp>
         <p:nvSpPr>
-          <p:cNvPr id="303" name="CustomShape 1"/>
+          <p:cNvPr id="228" name="CustomShape 1"/>
           <p:cNvSpPr/>
           <p:nvPr/>
         </p:nvSpPr>
         <p:spPr>
           <a:xfrm>
             <a:off x="837720" y="365040"/>
-            <a:ext cx="10514880" cy="1324800"/>
+            <a:ext cx="10514520" cy="1324440"/>
           </a:xfrm>
           <a:prstGeom prst="rect">
             <a:avLst/>
@@ -12829,6 +9616,7 @@
                   <a:srgbClr val="000000"/>
                 </a:solidFill>
                 <a:latin typeface="Calibri Light"/>
+                <a:ea typeface="DejaVu Sans"/>
               </a:rPr>
               <a:t>Conclusions</a:t>
             </a:r>
@@ -12840,14 +9628,14 @@
       </p:sp>
       <p:sp>
         <p:nvSpPr>
-          <p:cNvPr id="304" name="CustomShape 2"/>
+          <p:cNvPr id="229" name="CustomShape 2"/>
           <p:cNvSpPr/>
           <p:nvPr/>
         </p:nvSpPr>
         <p:spPr>
           <a:xfrm>
             <a:off x="837720" y="1825560"/>
-            <a:ext cx="10514880" cy="4350600"/>
+            <a:ext cx="10514520" cy="4350240"/>
           </a:xfrm>
           <a:prstGeom prst="rect">
             <a:avLst/>
@@ -12868,7 +9656,7 @@
             <a:noAutofit/>
           </a:bodyPr>
           <a:p>
-            <a:pPr marL="228600" indent="-227880">
+            <a:pPr marL="228600" indent="-227520">
               <a:lnSpc>
                 <a:spcPct val="90000"/>
               </a:lnSpc>
@@ -12887,6 +9675,7 @@
                   <a:srgbClr val="000000"/>
                 </a:solidFill>
                 <a:latin typeface="Calibri"/>
+                <a:ea typeface="DejaVu Sans"/>
               </a:rPr>
               <a:t>Développement efficace:</a:t>
             </a:r>
@@ -12895,7 +9684,7 @@
             </a:endParaRPr>
           </a:p>
           <a:p>
-            <a:pPr lvl="1" marL="685800" indent="-227880">
+            <a:pPr lvl="1" marL="685800" indent="-227520">
               <a:lnSpc>
                 <a:spcPct val="90000"/>
               </a:lnSpc>
@@ -12914,6 +9703,7 @@
                   <a:srgbClr val="000000"/>
                 </a:solidFill>
                 <a:latin typeface="Calibri"/>
+                <a:ea typeface="DejaVu Sans"/>
               </a:rPr>
               <a:t>Prévoyance des contraintes.</a:t>
             </a:r>
@@ -12922,7 +9712,7 @@
             </a:endParaRPr>
           </a:p>
           <a:p>
-            <a:pPr lvl="1" marL="685800" indent="-227880">
+            <a:pPr lvl="1" marL="685800" indent="-227520">
               <a:lnSpc>
                 <a:spcPct val="90000"/>
               </a:lnSpc>
@@ -12941,6 +9731,7 @@
                   <a:srgbClr val="000000"/>
                 </a:solidFill>
                 <a:latin typeface="Calibri"/>
+                <a:ea typeface="DejaVu Sans"/>
               </a:rPr>
               <a:t>Adaptation par le suivit quotidien de l’avance du projet.</a:t>
             </a:r>
@@ -12949,7 +9740,7 @@
             </a:endParaRPr>
           </a:p>
           <a:p>
-            <a:pPr lvl="1" marL="685800" indent="-227880">
+            <a:pPr lvl="1" marL="685800" indent="-227520">
               <a:lnSpc>
                 <a:spcPct val="90000"/>
               </a:lnSpc>
@@ -12968,6 +9759,7 @@
                   <a:srgbClr val="000000"/>
                 </a:solidFill>
                 <a:latin typeface="Calibri"/>
+                <a:ea typeface="DejaVu Sans"/>
               </a:rPr>
               <a:t>Production d’un livrable.</a:t>
             </a:r>
@@ -12986,7 +9778,7 @@
             </a:endParaRPr>
           </a:p>
           <a:p>
-            <a:pPr marL="228600" indent="-227880">
+            <a:pPr marL="228600" indent="-227520">
               <a:lnSpc>
                 <a:spcPct val="90000"/>
               </a:lnSpc>
@@ -13005,6 +9797,7 @@
                   <a:srgbClr val="000000"/>
                 </a:solidFill>
                 <a:latin typeface="Calibri"/>
+                <a:ea typeface="DejaVu Sans"/>
               </a:rPr>
               <a:t>Prototype valide par des tests.</a:t>
             </a:r>
@@ -13013,7 +9806,7 @@
             </a:endParaRPr>
           </a:p>
           <a:p>
-            <a:pPr marL="228600" indent="-227880">
+            <a:pPr marL="228600" indent="-227520">
               <a:lnSpc>
                 <a:spcPct val="90000"/>
               </a:lnSpc>
@@ -13032,6 +9825,7 @@
                   <a:srgbClr val="000000"/>
                 </a:solidFill>
                 <a:latin typeface="Calibri"/>
+                <a:ea typeface="DejaVu Sans"/>
               </a:rPr>
               <a:t>Facilite de déploiement.</a:t>
             </a:r>
@@ -13082,14 +9876,14 @@
       </p:sp>
       <p:sp>
         <p:nvSpPr>
-          <p:cNvPr id="305" name="CustomShape 3"/>
+          <p:cNvPr id="230" name="CustomShape 3"/>
           <p:cNvSpPr/>
           <p:nvPr/>
         </p:nvSpPr>
         <p:spPr>
           <a:xfrm>
             <a:off x="8610120" y="6356520"/>
-            <a:ext cx="2742480" cy="364320"/>
+            <a:ext cx="2742120" cy="363960"/>
           </a:xfrm>
           <a:prstGeom prst="rect">
             <a:avLst/>
@@ -13115,14 +9909,15 @@
                 <a:spcPct val="100000"/>
               </a:lnSpc>
             </a:pPr>
-            <a:fld id="{C5E3533D-F7BF-4168-8772-D86B864554F2}" type="slidenum">
+            <a:fld id="{69434643-9F9C-4B69-A915-6097D40121D0}" type="slidenum">
               <a:rPr b="0" lang="fr-FR" sz="1200" spc="-1" strike="noStrike">
                 <a:solidFill>
                   <a:srgbClr val="8b8b8b"/>
                 </a:solidFill>
                 <a:latin typeface="Calibri"/>
-              </a:rPr>
-              <a:t>16</a:t>
+                <a:ea typeface="DejaVu Sans"/>
+              </a:rPr>
+              <a:t>&lt;numéro&gt;</a:t>
             </a:fld>
             <a:endParaRPr b="0" lang="fr-FR" sz="1200" spc="-1" strike="noStrike">
               <a:latin typeface="Arial"/>
@@ -13189,14 +9984,14 @@
       </p:grpSpPr>
       <p:sp>
         <p:nvSpPr>
-          <p:cNvPr id="195" name="CustomShape 1"/>
+          <p:cNvPr id="118" name="CustomShape 1"/>
           <p:cNvSpPr/>
           <p:nvPr/>
         </p:nvSpPr>
         <p:spPr>
           <a:xfrm>
             <a:off x="837720" y="365040"/>
-            <a:ext cx="10514880" cy="1324800"/>
+            <a:ext cx="10514520" cy="1324440"/>
           </a:xfrm>
           <a:prstGeom prst="rect">
             <a:avLst/>
@@ -13228,6 +10023,7 @@
                   <a:srgbClr val="000000"/>
                 </a:solidFill>
                 <a:latin typeface="Calibri Light"/>
+                <a:ea typeface="DejaVu Sans"/>
               </a:rPr>
               <a:t>La Météo</a:t>
             </a:r>
@@ -13239,14 +10035,14 @@
       </p:sp>
       <p:sp>
         <p:nvSpPr>
-          <p:cNvPr id="196" name="CustomShape 2"/>
+          <p:cNvPr id="119" name="CustomShape 2"/>
           <p:cNvSpPr/>
           <p:nvPr/>
         </p:nvSpPr>
         <p:spPr>
           <a:xfrm>
             <a:off x="837720" y="1825560"/>
-            <a:ext cx="10514880" cy="4350600"/>
+            <a:ext cx="10514520" cy="4350240"/>
           </a:xfrm>
           <a:prstGeom prst="rect">
             <a:avLst/>
@@ -13267,7 +10063,7 @@
             <a:noAutofit/>
           </a:bodyPr>
           <a:p>
-            <a:pPr marL="228600" indent="-227880">
+            <a:pPr marL="228600" indent="-227520">
               <a:lnSpc>
                 <a:spcPct val="90000"/>
               </a:lnSpc>
@@ -13286,6 +10082,7 @@
                   <a:srgbClr val="000000"/>
                 </a:solidFill>
                 <a:latin typeface="Calibri"/>
+                <a:ea typeface="DejaVu Sans"/>
               </a:rPr>
               <a:t>Depuis l’antiquité Grecs jusqu’à maintenant.</a:t>
             </a:r>
@@ -13294,7 +10091,20 @@
             </a:endParaRPr>
           </a:p>
           <a:p>
-            <a:pPr marL="228600" indent="-227880">
+            <a:pPr>
+              <a:lnSpc>
+                <a:spcPct val="90000"/>
+              </a:lnSpc>
+              <a:spcBef>
+                <a:spcPts val="1001"/>
+              </a:spcBef>
+            </a:pPr>
+            <a:endParaRPr b="0" lang="fr-FR" sz="2800" spc="-1" strike="noStrike">
+              <a:latin typeface="Arial"/>
+            </a:endParaRPr>
+          </a:p>
+          <a:p>
+            <a:pPr marL="228600" indent="-227520">
               <a:lnSpc>
                 <a:spcPct val="90000"/>
               </a:lnSpc>
@@ -13307,12 +10117,91 @@
               <a:buFont typeface="Arial"/>
               <a:buChar char="•"/>
             </a:pPr>
+            <a:r>
+              <a:rPr b="0" lang="fr-FR" sz="2800" spc="-1" strike="noStrike">
+                <a:solidFill>
+                  <a:srgbClr val="000000"/>
+                </a:solidFill>
+                <a:latin typeface="Calibri"/>
+                <a:ea typeface="DejaVu Sans"/>
+              </a:rPr>
+              <a:t>Nombreux proverbes, la sagesse populaire</a:t>
+            </a:r>
             <a:endParaRPr b="0" lang="fr-FR" sz="2800" spc="-1" strike="noStrike">
               <a:latin typeface="Arial"/>
             </a:endParaRPr>
           </a:p>
           <a:p>
-            <a:pPr marL="228600" indent="-227880">
+            <a:pPr lvl="1" marL="685800" indent="-227520">
+              <a:lnSpc>
+                <a:spcPct val="90000"/>
+              </a:lnSpc>
+              <a:spcBef>
+                <a:spcPts val="499"/>
+              </a:spcBef>
+              <a:buClr>
+                <a:srgbClr val="000000"/>
+              </a:buClr>
+              <a:buFont typeface="Arial"/>
+              <a:buChar char="•"/>
+            </a:pPr>
+            <a:r>
+              <a:rPr b="0" lang="fr-FR" sz="2400" spc="-1" strike="noStrike">
+                <a:solidFill>
+                  <a:srgbClr val="000000"/>
+                </a:solidFill>
+                <a:latin typeface="Calibri"/>
+                <a:ea typeface="DejaVu Sans"/>
+              </a:rPr>
+              <a:t>"Ciel vêtu de laine, eau peu lointaine. "</a:t>
+            </a:r>
+            <a:endParaRPr b="0" lang="fr-FR" sz="2400" spc="-1" strike="noStrike">
+              <a:latin typeface="Arial"/>
+            </a:endParaRPr>
+          </a:p>
+          <a:p>
+            <a:pPr lvl="1" marL="685800" indent="-227520">
+              <a:lnSpc>
+                <a:spcPct val="90000"/>
+              </a:lnSpc>
+              <a:spcBef>
+                <a:spcPts val="499"/>
+              </a:spcBef>
+              <a:buClr>
+                <a:srgbClr val="000000"/>
+              </a:buClr>
+              <a:buFont typeface="Arial"/>
+              <a:buChar char="•"/>
+            </a:pPr>
+            <a:r>
+              <a:rPr b="0" lang="fr-FR" sz="2400" spc="-1" strike="noStrike">
+                <a:solidFill>
+                  <a:srgbClr val="000000"/>
+                </a:solidFill>
+                <a:latin typeface="Calibri"/>
+                <a:ea typeface="DejaVu Sans"/>
+              </a:rPr>
+              <a:t>"Rouge le matin chagrin, rouge le soir espoir."</a:t>
+            </a:r>
+            <a:endParaRPr b="0" lang="fr-FR" sz="2400" spc="-1" strike="noStrike">
+              <a:latin typeface="Arial"/>
+            </a:endParaRPr>
+          </a:p>
+          <a:p>
+            <a:pPr>
+              <a:lnSpc>
+                <a:spcPct val="90000"/>
+              </a:lnSpc>
+              <a:spcBef>
+                <a:spcPts val="499"/>
+              </a:spcBef>
+            </a:pPr>
+            <a:endParaRPr b="0" lang="fr-FR" sz="2400" spc="-1" strike="noStrike">
+              <a:latin typeface="Arial"/>
+            </a:endParaRPr>
+          </a:p>
+          <a:p>
+            <a:pPr marL="228600" indent="-227520">
               <a:lnSpc>
                 <a:spcPct val="90000"/>
               </a:lnSpc>
@@ -13331,15 +10220,16 @@
                   <a:srgbClr val="000000"/>
                 </a:solidFill>
                 <a:latin typeface="Calibri"/>
-              </a:rPr>
-              <a:t>Nombreux proverbes, la sagesse populaire</a:t>
+                <a:ea typeface="DejaVu Sans"/>
+              </a:rPr>
+              <a:t>Intérêt des prévisions:</a:t>
             </a:r>
             <a:endParaRPr b="0" lang="fr-FR" sz="2800" spc="-1" strike="noStrike">
               <a:latin typeface="Arial"/>
             </a:endParaRPr>
           </a:p>
           <a:p>
-            <a:pPr lvl="1" marL="685800" indent="-227880">
+            <a:pPr lvl="1" marL="685800" indent="-227520">
               <a:lnSpc>
                 <a:spcPct val="90000"/>
               </a:lnSpc>
@@ -13358,15 +10248,16 @@
                   <a:srgbClr val="000000"/>
                 </a:solidFill>
                 <a:latin typeface="Calibri"/>
-              </a:rPr>
-              <a:t>"Ciel vêtu de laine, eau peu lointaine. "</a:t>
+                <a:ea typeface="DejaVu Sans"/>
+              </a:rPr>
+              <a:t>Cultures agricoles</a:t>
             </a:r>
             <a:endParaRPr b="0" lang="fr-FR" sz="2400" spc="-1" strike="noStrike">
               <a:latin typeface="Arial"/>
             </a:endParaRPr>
           </a:p>
           <a:p>
-            <a:pPr lvl="1" marL="685800" indent="-227880">
+            <a:pPr lvl="1" marL="685800" indent="-227520">
               <a:lnSpc>
                 <a:spcPct val="90000"/>
               </a:lnSpc>
@@ -13385,15 +10276,16 @@
                   <a:srgbClr val="000000"/>
                 </a:solidFill>
                 <a:latin typeface="Calibri"/>
-              </a:rPr>
-              <a:t>"Rouge le matin chagrin, rouge le soir espoir."</a:t>
+                <a:ea typeface="DejaVu Sans"/>
+              </a:rPr>
+              <a:t>Pêche</a:t>
             </a:r>
             <a:endParaRPr b="0" lang="fr-FR" sz="2400" spc="-1" strike="noStrike">
               <a:latin typeface="Arial"/>
             </a:endParaRPr>
           </a:p>
           <a:p>
-            <a:pPr lvl="1" marL="685800" indent="-227880">
+            <a:pPr lvl="1" marL="685800" indent="-227520">
               <a:lnSpc>
                 <a:spcPct val="90000"/>
               </a:lnSpc>
@@ -13406,39 +10298,22 @@
               <a:buFont typeface="Arial"/>
               <a:buChar char="•"/>
             </a:pPr>
+            <a:r>
+              <a:rPr b="0" lang="fr-FR" sz="2400" spc="-1" strike="noStrike">
+                <a:solidFill>
+                  <a:srgbClr val="000000"/>
+                </a:solidFill>
+                <a:latin typeface="Calibri"/>
+                <a:ea typeface="DejaVu Sans"/>
+              </a:rPr>
+              <a:t>Voyage en mer</a:t>
+            </a:r>
             <a:endParaRPr b="0" lang="fr-FR" sz="2400" spc="-1" strike="noStrike">
               <a:latin typeface="Arial"/>
             </a:endParaRPr>
           </a:p>
           <a:p>
-            <a:pPr marL="228600" indent="-227880">
-              <a:lnSpc>
-                <a:spcPct val="90000"/>
-              </a:lnSpc>
-              <a:spcBef>
-                <a:spcPts val="1001"/>
-              </a:spcBef>
-              <a:buClr>
-                <a:srgbClr val="000000"/>
-              </a:buClr>
-              <a:buFont typeface="Arial"/>
-              <a:buChar char="•"/>
-            </a:pPr>
-            <a:r>
-              <a:rPr b="0" lang="fr-FR" sz="2800" spc="-1" strike="noStrike">
-                <a:solidFill>
-                  <a:srgbClr val="000000"/>
-                </a:solidFill>
-                <a:latin typeface="Calibri"/>
-              </a:rPr>
-              <a:t>Intérêt des prévisions:</a:t>
-            </a:r>
-            <a:endParaRPr b="0" lang="fr-FR" sz="2800" spc="-1" strike="noStrike">
-              <a:latin typeface="Arial"/>
-            </a:endParaRPr>
-          </a:p>
-          <a:p>
-            <a:pPr lvl="1" marL="685800" indent="-227880">
+            <a:pPr lvl="1" marL="685800" indent="-227520">
               <a:lnSpc>
                 <a:spcPct val="90000"/>
               </a:lnSpc>
@@ -13457,116 +10332,36 @@
                   <a:srgbClr val="000000"/>
                 </a:solidFill>
                 <a:latin typeface="Calibri"/>
-              </a:rPr>
-              <a:t>Cultures agricoles</a:t>
+                <a:ea typeface="DejaVu Sans"/>
+              </a:rPr>
+              <a:t>Aviation</a:t>
             </a:r>
             <a:endParaRPr b="0" lang="fr-FR" sz="2400" spc="-1" strike="noStrike">
               <a:latin typeface="Arial"/>
             </a:endParaRPr>
           </a:p>
           <a:p>
-            <a:pPr lvl="1" marL="685800" indent="-227880">
-              <a:lnSpc>
-                <a:spcPct val="90000"/>
-              </a:lnSpc>
-              <a:spcBef>
-                <a:spcPts val="499"/>
-              </a:spcBef>
-              <a:buClr>
-                <a:srgbClr val="000000"/>
-              </a:buClr>
-              <a:buFont typeface="Arial"/>
-              <a:buChar char="•"/>
-            </a:pPr>
-            <a:r>
-              <a:rPr b="0" lang="fr-FR" sz="2400" spc="-1" strike="noStrike">
-                <a:solidFill>
-                  <a:srgbClr val="000000"/>
-                </a:solidFill>
-                <a:latin typeface="Calibri"/>
-              </a:rPr>
-              <a:t>Pêche</a:t>
-            </a:r>
+            <a:pPr>
+              <a:lnSpc>
+                <a:spcPct val="100000"/>
+              </a:lnSpc>
+            </a:pPr>
             <a:endParaRPr b="0" lang="fr-FR" sz="2400" spc="-1" strike="noStrike">
               <a:latin typeface="Arial"/>
             </a:endParaRPr>
           </a:p>
-          <a:p>
-            <a:pPr lvl="1" marL="685800" indent="-227880">
-              <a:lnSpc>
-                <a:spcPct val="90000"/>
-              </a:lnSpc>
-              <a:spcBef>
-                <a:spcPts val="499"/>
-              </a:spcBef>
-              <a:buClr>
-                <a:srgbClr val="000000"/>
-              </a:buClr>
-              <a:buFont typeface="Arial"/>
-              <a:buChar char="•"/>
-            </a:pPr>
-            <a:r>
-              <a:rPr b="0" lang="fr-FR" sz="2400" spc="-1" strike="noStrike">
-                <a:solidFill>
-                  <a:srgbClr val="000000"/>
-                </a:solidFill>
-                <a:latin typeface="Calibri"/>
-              </a:rPr>
-              <a:t>Voyage en mer</a:t>
-            </a:r>
-            <a:endParaRPr b="0" lang="fr-FR" sz="2400" spc="-1" strike="noStrike">
-              <a:latin typeface="Arial"/>
-            </a:endParaRPr>
-          </a:p>
-          <a:p>
-            <a:pPr lvl="1" marL="685800" indent="-227880">
-              <a:lnSpc>
-                <a:spcPct val="90000"/>
-              </a:lnSpc>
-              <a:spcBef>
-                <a:spcPts val="499"/>
-              </a:spcBef>
-              <a:buClr>
-                <a:srgbClr val="000000"/>
-              </a:buClr>
-              <a:buFont typeface="Arial"/>
-              <a:buChar char="•"/>
-            </a:pPr>
-            <a:r>
-              <a:rPr b="0" lang="fr-FR" sz="2400" spc="-1" strike="noStrike">
-                <a:solidFill>
-                  <a:srgbClr val="000000"/>
-                </a:solidFill>
-                <a:latin typeface="Calibri"/>
-              </a:rPr>
-              <a:t>Aviation</a:t>
-            </a:r>
-            <a:endParaRPr b="0" lang="fr-FR" sz="2400" spc="-1" strike="noStrike">
-              <a:latin typeface="Arial"/>
-            </a:endParaRPr>
-          </a:p>
-          <a:p>
-            <a:pPr>
-              <a:lnSpc>
-                <a:spcPct val="100000"/>
-              </a:lnSpc>
-            </a:pPr>
-            <a:endParaRPr b="0" lang="fr-FR" sz="2400" spc="-1" strike="noStrike">
-              <a:latin typeface="Arial"/>
-            </a:endParaRPr>
-          </a:p>
-        </p:txBody>
-      </p:sp>
-      <p:sp>
-        <p:nvSpPr>
-          <p:cNvPr id="197" name="CustomShape 3"/>
+        </p:txBody>
+      </p:sp>
+      <p:sp>
+        <p:nvSpPr>
+          <p:cNvPr id="120" name="CustomShape 3"/>
           <p:cNvSpPr/>
           <p:nvPr/>
         </p:nvSpPr>
         <p:spPr>
           <a:xfrm>
             <a:off x="8610120" y="6356520"/>
-            <a:ext cx="2742480" cy="364320"/>
+            <a:ext cx="2742120" cy="363960"/>
           </a:xfrm>
           <a:prstGeom prst="rect">
             <a:avLst/>
@@ -13592,14 +10387,15 @@
                 <a:spcPct val="100000"/>
               </a:lnSpc>
             </a:pPr>
-            <a:fld id="{49770E26-C26A-4042-B292-CD9BB7FDADF1}" type="slidenum">
+            <a:fld id="{00481A07-83CD-492B-9C40-66363487337B}" type="slidenum">
               <a:rPr b="0" lang="fr-FR" sz="1200" spc="-1" strike="noStrike">
                 <a:solidFill>
                   <a:srgbClr val="8b8b8b"/>
                 </a:solidFill>
                 <a:latin typeface="Calibri"/>
-              </a:rPr>
-              <a:t>1</a:t>
+                <a:ea typeface="DejaVu Sans"/>
+              </a:rPr>
+              <a:t>&lt;numéro&gt;</a:t>
             </a:fld>
             <a:endParaRPr b="0" lang="fr-FR" sz="1200" spc="-1" strike="noStrike">
               <a:latin typeface="Arial"/>
@@ -13609,7 +10405,7 @@
       </p:sp>
       <p:pic>
         <p:nvPicPr>
-          <p:cNvPr id="198" name="Image 5" descr=""/>
+          <p:cNvPr id="121" name="Image 5" descr=""/>
           <p:cNvPicPr/>
           <p:nvPr/>
         </p:nvPicPr>
@@ -13620,7 +10416,7 @@
         <p:spPr>
           <a:xfrm>
             <a:off x="8606880" y="2808000"/>
-            <a:ext cx="3380760" cy="3380760"/>
+            <a:ext cx="3380400" cy="3380400"/>
           </a:xfrm>
           <a:prstGeom prst="rect">
             <a:avLst/>
@@ -13689,14 +10485,14 @@
       </p:grpSpPr>
       <p:sp>
         <p:nvSpPr>
-          <p:cNvPr id="306" name="CustomShape 1"/>
+          <p:cNvPr id="231" name="CustomShape 1"/>
           <p:cNvSpPr/>
           <p:nvPr/>
         </p:nvSpPr>
         <p:spPr>
           <a:xfrm>
             <a:off x="905760" y="920880"/>
-            <a:ext cx="10514880" cy="819720"/>
+            <a:ext cx="10514520" cy="819360"/>
           </a:xfrm>
           <a:prstGeom prst="rect">
             <a:avLst/>
@@ -13746,14 +10542,14 @@
       </p:sp>
       <p:sp>
         <p:nvSpPr>
-          <p:cNvPr id="307" name="CustomShape 2"/>
+          <p:cNvPr id="232" name="CustomShape 2"/>
           <p:cNvSpPr/>
           <p:nvPr/>
         </p:nvSpPr>
         <p:spPr>
           <a:xfrm>
             <a:off x="8610120" y="6356520"/>
-            <a:ext cx="2742480" cy="364320"/>
+            <a:ext cx="2742120" cy="363960"/>
           </a:xfrm>
           <a:prstGeom prst="rect">
             <a:avLst/>
@@ -13779,14 +10575,15 @@
                 <a:spcPct val="100000"/>
               </a:lnSpc>
             </a:pPr>
-            <a:fld id="{B28F7F9C-DD7B-4100-94A2-8AD64E8A07F2}" type="slidenum">
+            <a:fld id="{74128102-EFBE-4C52-9E10-FCB2B66399C9}" type="slidenum">
               <a:rPr b="0" lang="fr-FR" sz="1200" spc="-1" strike="noStrike">
                 <a:solidFill>
                   <a:srgbClr val="8b8b8b"/>
                 </a:solidFill>
                 <a:latin typeface="Calibri"/>
-              </a:rPr>
-              <a:t>16</a:t>
+                <a:ea typeface="DejaVu Sans"/>
+              </a:rPr>
+              <a:t>&lt;numéro&gt;</a:t>
             </a:fld>
             <a:endParaRPr b="0" lang="fr-FR" sz="1200" spc="-1" strike="noStrike">
               <a:latin typeface="Arial"/>
@@ -13796,7 +10593,7 @@
       </p:sp>
       <p:pic>
         <p:nvPicPr>
-          <p:cNvPr id="308" name="Image 7" descr=""/>
+          <p:cNvPr id="233" name="Image 7" descr=""/>
           <p:cNvPicPr/>
           <p:nvPr/>
         </p:nvPicPr>
@@ -13807,7 +10604,7 @@
         <p:spPr>
           <a:xfrm>
             <a:off x="1802520" y="4992480"/>
-            <a:ext cx="1953000" cy="1464480"/>
+            <a:ext cx="1952640" cy="1464120"/>
           </a:xfrm>
           <a:prstGeom prst="rect">
             <a:avLst/>
@@ -13819,14 +10616,14 @@
       </p:pic>
       <p:sp>
         <p:nvSpPr>
-          <p:cNvPr id="309" name="CustomShape 3"/>
+          <p:cNvPr id="234" name="CustomShape 3"/>
           <p:cNvSpPr/>
           <p:nvPr/>
         </p:nvSpPr>
         <p:spPr>
           <a:xfrm>
             <a:off x="3756240" y="5252760"/>
-            <a:ext cx="4982760" cy="1186920"/>
+            <a:ext cx="4982400" cy="913320"/>
           </a:xfrm>
           <a:prstGeom prst="rect">
             <a:avLst/>
@@ -13900,14 +10697,14 @@
       </p:sp>
       <p:sp>
         <p:nvSpPr>
-          <p:cNvPr id="310" name="CustomShape 4"/>
+          <p:cNvPr id="235" name="CustomShape 4"/>
           <p:cNvSpPr/>
           <p:nvPr/>
         </p:nvSpPr>
         <p:spPr>
           <a:xfrm>
             <a:off x="581040" y="1911240"/>
-            <a:ext cx="11028960" cy="1324800"/>
+            <a:ext cx="11028600" cy="1324440"/>
           </a:xfrm>
           <a:prstGeom prst="rect">
             <a:avLst/>
@@ -13939,6 +10736,7 @@
                   <a:srgbClr val="000000"/>
                 </a:solidFill>
                 <a:latin typeface="Calibri Light"/>
+                <a:ea typeface="DejaVu Sans"/>
               </a:rPr>
               <a:t>Place a la démonstration</a:t>
             </a:r>
@@ -14007,14 +10805,14 @@
       </p:grpSpPr>
       <p:sp>
         <p:nvSpPr>
-          <p:cNvPr id="199" name="CustomShape 1"/>
+          <p:cNvPr id="122" name="CustomShape 1"/>
           <p:cNvSpPr/>
           <p:nvPr/>
         </p:nvSpPr>
         <p:spPr>
           <a:xfrm>
             <a:off x="837720" y="365040"/>
-            <a:ext cx="10514880" cy="1324800"/>
+            <a:ext cx="10514520" cy="1324440"/>
           </a:xfrm>
           <a:prstGeom prst="rect">
             <a:avLst/>
@@ -14046,6 +10844,7 @@
                   <a:srgbClr val="000000"/>
                 </a:solidFill>
                 <a:latin typeface="Calibri Light"/>
+                <a:ea typeface="DejaVu Sans"/>
               </a:rPr>
               <a:t>Objectif: la météo embarquée</a:t>
             </a:r>
@@ -14057,14 +10856,14 @@
       </p:sp>
       <p:sp>
         <p:nvSpPr>
-          <p:cNvPr id="200" name="CustomShape 2"/>
+          <p:cNvPr id="123" name="CustomShape 2"/>
           <p:cNvSpPr/>
           <p:nvPr/>
         </p:nvSpPr>
         <p:spPr>
           <a:xfrm>
             <a:off x="837720" y="1825560"/>
-            <a:ext cx="10514880" cy="4350600"/>
+            <a:ext cx="10514520" cy="4350240"/>
           </a:xfrm>
           <a:prstGeom prst="rect">
             <a:avLst/>
@@ -14082,10 +10881,10 @@
         </p:style>
         <p:txBody>
           <a:bodyPr lIns="90000" rIns="90000" tIns="45000" bIns="45000">
-            <a:normAutofit fontScale="75000"/>
-          </a:bodyPr>
-          <a:p>
-            <a:pPr marL="228600" indent="-227880">
+            <a:normAutofit fontScale="88000"/>
+          </a:bodyPr>
+          <a:p>
+            <a:pPr marL="228600" indent="-227520">
               <a:lnSpc>
                 <a:spcPct val="90000"/>
               </a:lnSpc>
@@ -14104,6 +10903,7 @@
                   <a:srgbClr val="000000"/>
                 </a:solidFill>
                 <a:latin typeface="Calibri"/>
+                <a:ea typeface="DejaVu Sans"/>
               </a:rPr>
               <a:t>Hardware</a:t>
             </a:r>
@@ -14112,7 +10912,7 @@
             </a:endParaRPr>
           </a:p>
           <a:p>
-            <a:pPr lvl="1" marL="685800" indent="-227880">
+            <a:pPr lvl="1" marL="685800" indent="-227520">
               <a:lnSpc>
                 <a:spcPct val="90000"/>
               </a:lnSpc>
@@ -14131,6 +10931,7 @@
                   <a:srgbClr val="000000"/>
                 </a:solidFill>
                 <a:latin typeface="Calibri"/>
+                <a:ea typeface="DejaVu Sans"/>
               </a:rPr>
               <a:t>Système embarqué.</a:t>
             </a:r>
@@ -14139,7 +10940,7 @@
             </a:endParaRPr>
           </a:p>
           <a:p>
-            <a:pPr lvl="1" marL="685800" indent="-227880">
+            <a:pPr lvl="1" marL="685800" indent="-227520">
               <a:lnSpc>
                 <a:spcPct val="90000"/>
               </a:lnSpc>
@@ -14158,6 +10959,7 @@
                   <a:srgbClr val="000000"/>
                 </a:solidFill>
                 <a:latin typeface="Calibri"/>
+                <a:ea typeface="DejaVu Sans"/>
               </a:rPr>
               <a:t>Capteur météo.</a:t>
             </a:r>
@@ -14179,7 +10981,7 @@
             </a:endParaRPr>
           </a:p>
           <a:p>
-            <a:pPr marL="228600" indent="-227880">
+            <a:pPr marL="228600" indent="-227520">
               <a:lnSpc>
                 <a:spcPct val="90000"/>
               </a:lnSpc>
@@ -14198,6 +11000,7 @@
                   <a:srgbClr val="000000"/>
                 </a:solidFill>
                 <a:latin typeface="Calibri"/>
+                <a:ea typeface="DejaVu Sans"/>
               </a:rPr>
               <a:t>Software</a:t>
             </a:r>
@@ -14207,6 +11010,7 @@
                   <a:srgbClr val="000000"/>
                 </a:solidFill>
                 <a:latin typeface="Calibri"/>
+                <a:ea typeface="DejaVu Sans"/>
               </a:rPr>
               <a:t>	</a:t>
             </a:r>
@@ -14215,7 +11019,7 @@
             </a:endParaRPr>
           </a:p>
           <a:p>
-            <a:pPr lvl="1" marL="685800" indent="-227880">
+            <a:pPr lvl="1" marL="685800" indent="-227520">
               <a:lnSpc>
                 <a:spcPct val="90000"/>
               </a:lnSpc>
@@ -14234,6 +11038,7 @@
                   <a:srgbClr val="000000"/>
                 </a:solidFill>
                 <a:latin typeface="Calibri"/>
+                <a:ea typeface="DejaVu Sans"/>
               </a:rPr>
               <a:t>Capture des mesures météorologiques.</a:t>
             </a:r>
@@ -14242,7 +11047,7 @@
             </a:endParaRPr>
           </a:p>
           <a:p>
-            <a:pPr lvl="1" marL="685800" indent="-227880">
+            <a:pPr lvl="1" marL="685800" indent="-227520">
               <a:lnSpc>
                 <a:spcPct val="100000"/>
               </a:lnSpc>
@@ -14261,6 +11066,7 @@
                   <a:srgbClr val="000000"/>
                 </a:solidFill>
                 <a:latin typeface="Calibri"/>
+                <a:ea typeface="DejaVu Sans"/>
               </a:rPr>
               <a:t>Prévision météorologique a cours terme.</a:t>
             </a:r>
@@ -14269,7 +11075,7 @@
             </a:endParaRPr>
           </a:p>
           <a:p>
-            <a:pPr lvl="1" marL="685800" indent="-227880">
+            <a:pPr lvl="1" marL="685800" indent="-227520">
               <a:lnSpc>
                 <a:spcPct val="100000"/>
               </a:lnSpc>
@@ -14288,6 +11094,7 @@
                   <a:srgbClr val="000000"/>
                 </a:solidFill>
                 <a:latin typeface="Calibri"/>
+                <a:ea typeface="DejaVu Sans"/>
               </a:rPr>
               <a:t>Visualisation sur une interface graphique. </a:t>
             </a:r>
@@ -14309,7 +11116,7 @@
             </a:endParaRPr>
           </a:p>
           <a:p>
-            <a:pPr marL="228600" indent="-227880">
+            <a:pPr marL="228600" indent="-227520">
               <a:lnSpc>
                 <a:spcPct val="90000"/>
               </a:lnSpc>
@@ -14328,6 +11135,7 @@
                   <a:srgbClr val="000000"/>
                 </a:solidFill>
                 <a:latin typeface="Calibri"/>
+                <a:ea typeface="DejaVu Sans"/>
               </a:rPr>
               <a:t> </a:t>
             </a:r>
@@ -14337,6 +11145,7 @@
                   <a:srgbClr val="000000"/>
                 </a:solidFill>
                 <a:latin typeface="Calibri"/>
+                <a:ea typeface="DejaVu Sans"/>
               </a:rPr>
               <a:t>Rendu</a:t>
             </a:r>
@@ -14345,7 +11154,7 @@
             </a:endParaRPr>
           </a:p>
           <a:p>
-            <a:pPr lvl="1" marL="685800" indent="-227880">
+            <a:pPr lvl="1" marL="685800" indent="-227520">
               <a:lnSpc>
                 <a:spcPct val="90000"/>
               </a:lnSpc>
@@ -14364,6 +11173,7 @@
                   <a:srgbClr val="000000"/>
                 </a:solidFill>
                 <a:latin typeface="Calibri"/>
+                <a:ea typeface="DejaVu Sans"/>
               </a:rPr>
               <a:t>Simple, esthétique.</a:t>
             </a:r>
@@ -14372,7 +11182,7 @@
             </a:endParaRPr>
           </a:p>
           <a:p>
-            <a:pPr lvl="1" marL="685800" indent="-227880">
+            <a:pPr lvl="1" marL="685800" indent="-227520">
               <a:lnSpc>
                 <a:spcPct val="90000"/>
               </a:lnSpc>
@@ -14391,6 +11201,7 @@
                   <a:srgbClr val="000000"/>
                 </a:solidFill>
                 <a:latin typeface="Calibri"/>
+                <a:ea typeface="DejaVu Sans"/>
               </a:rPr>
               <a:t>Fiabilité attestée par de nombreux tests.</a:t>
             </a:r>
@@ -14425,14 +11236,14 @@
       </p:sp>
       <p:sp>
         <p:nvSpPr>
-          <p:cNvPr id="201" name="CustomShape 3"/>
+          <p:cNvPr id="124" name="CustomShape 3"/>
           <p:cNvSpPr/>
           <p:nvPr/>
         </p:nvSpPr>
         <p:spPr>
           <a:xfrm>
             <a:off x="8610120" y="6356520"/>
-            <a:ext cx="2742480" cy="364320"/>
+            <a:ext cx="2742120" cy="363960"/>
           </a:xfrm>
           <a:prstGeom prst="rect">
             <a:avLst/>
@@ -14458,12 +11269,13 @@
                 <a:spcPct val="100000"/>
               </a:lnSpc>
             </a:pPr>
-            <a:fld id="{1143FB33-30DC-4062-B355-1022F1F7635F}" type="slidenum">
+            <a:fld id="{701DCF38-DB1C-4AAC-8415-04D1C400730D}" type="slidenum">
               <a:rPr b="0" lang="fr-FR" sz="1200" spc="-1" strike="noStrike">
                 <a:solidFill>
                   <a:srgbClr val="8b8b8b"/>
                 </a:solidFill>
                 <a:latin typeface="Calibri"/>
+                <a:ea typeface="DejaVu Sans"/>
               </a:rPr>
               <a:t>3</a:t>
             </a:fld>
@@ -14532,14 +11344,14 @@
       </p:grpSpPr>
       <p:sp>
         <p:nvSpPr>
-          <p:cNvPr id="202" name="CustomShape 1"/>
+          <p:cNvPr id="125" name="CustomShape 1"/>
           <p:cNvSpPr/>
           <p:nvPr/>
         </p:nvSpPr>
         <p:spPr>
           <a:xfrm>
             <a:off x="837720" y="365040"/>
-            <a:ext cx="10514880" cy="1324800"/>
+            <a:ext cx="10514520" cy="1324440"/>
           </a:xfrm>
           <a:prstGeom prst="rect">
             <a:avLst/>
@@ -14571,6 +11383,7 @@
                   <a:srgbClr val="000000"/>
                 </a:solidFill>
                 <a:latin typeface="Calibri Light"/>
+                <a:ea typeface="DejaVu Sans"/>
               </a:rPr>
               <a:t>Mise en place : hardware</a:t>
             </a:r>
@@ -14582,14 +11395,14 @@
       </p:sp>
       <p:sp>
         <p:nvSpPr>
-          <p:cNvPr id="203" name="CustomShape 2"/>
+          <p:cNvPr id="126" name="CustomShape 2"/>
           <p:cNvSpPr/>
           <p:nvPr/>
         </p:nvSpPr>
         <p:spPr>
           <a:xfrm>
             <a:off x="8610120" y="6356520"/>
-            <a:ext cx="2742480" cy="364320"/>
+            <a:ext cx="2742120" cy="363960"/>
           </a:xfrm>
           <a:prstGeom prst="rect">
             <a:avLst/>
@@ -14615,12 +11428,13 @@
                 <a:spcPct val="100000"/>
               </a:lnSpc>
             </a:pPr>
-            <a:fld id="{E91B9AE1-E5FF-46E0-AF98-DE1BB656F929}" type="slidenum">
+            <a:fld id="{38E50E9F-D508-47CC-BB3E-0605EB8E1A21}" type="slidenum">
               <a:rPr b="0" lang="fr-FR" sz="1200" spc="-1" strike="noStrike">
                 <a:solidFill>
                   <a:srgbClr val="8b8b8b"/>
                 </a:solidFill>
                 <a:latin typeface="Calibri"/>
+                <a:ea typeface="DejaVu Sans"/>
               </a:rPr>
               <a:t>3</a:t>
             </a:fld>
@@ -14632,14 +11446,14 @@
       </p:sp>
       <p:sp>
         <p:nvSpPr>
-          <p:cNvPr id="204" name="CustomShape 3"/>
+          <p:cNvPr id="127" name="CustomShape 3"/>
           <p:cNvSpPr/>
           <p:nvPr/>
         </p:nvSpPr>
         <p:spPr>
           <a:xfrm>
             <a:off x="552960" y="1532520"/>
-            <a:ext cx="3513960" cy="1461960"/>
+            <a:ext cx="3513600" cy="1461600"/>
           </a:xfrm>
           <a:prstGeom prst="rect">
             <a:avLst/>
@@ -14670,7 +11484,7 @@
             </a:endParaRPr>
           </a:p>
           <a:p>
-            <a:pPr marL="285840" indent="-285120">
+            <a:pPr marL="285840" indent="-284760">
               <a:lnSpc>
                 <a:spcPct val="100000"/>
               </a:lnSpc>
@@ -14705,7 +11519,7 @@
             </a:endParaRPr>
           </a:p>
           <a:p>
-            <a:pPr marL="285840" indent="-285120">
+            <a:pPr marL="285840" indent="-284760">
               <a:lnSpc>
                 <a:spcPct val="100000"/>
               </a:lnSpc>
@@ -14733,7 +11547,7 @@
       </p:sp>
       <p:pic>
         <p:nvPicPr>
-          <p:cNvPr id="205" name="Image 6" descr=""/>
+          <p:cNvPr id="128" name="Image 6" descr=""/>
           <p:cNvPicPr/>
           <p:nvPr/>
         </p:nvPicPr>
@@ -14744,7 +11558,7 @@
         <p:spPr>
           <a:xfrm>
             <a:off x="5760000" y="1396080"/>
-            <a:ext cx="3322800" cy="2491920"/>
+            <a:ext cx="3322440" cy="2491560"/>
           </a:xfrm>
           <a:prstGeom prst="rect">
             <a:avLst/>
@@ -14756,14 +11570,14 @@
       </p:pic>
       <p:sp>
         <p:nvSpPr>
-          <p:cNvPr id="206" name="CustomShape 4"/>
+          <p:cNvPr id="129" name="CustomShape 4"/>
           <p:cNvSpPr/>
           <p:nvPr/>
         </p:nvSpPr>
         <p:spPr>
           <a:xfrm>
-            <a:off x="3299040" y="6585840"/>
-            <a:ext cx="3940920" cy="272520"/>
+            <a:off x="3598200" y="6585840"/>
+            <a:ext cx="3341880" cy="272160"/>
           </a:xfrm>
           <a:prstGeom prst="rect">
             <a:avLst/>
@@ -14807,7 +11621,7 @@
       </p:sp>
       <p:pic>
         <p:nvPicPr>
-          <p:cNvPr id="207" name="Image 14" descr=""/>
+          <p:cNvPr id="130" name="Image 14" descr=""/>
           <p:cNvPicPr/>
           <p:nvPr/>
         </p:nvPicPr>
@@ -14818,7 +11632,7 @@
         <p:spPr>
           <a:xfrm>
             <a:off x="5688000" y="3960000"/>
-            <a:ext cx="3418920" cy="2491920"/>
+            <a:ext cx="3418560" cy="2491560"/>
           </a:xfrm>
           <a:prstGeom prst="rect">
             <a:avLst/>
@@ -14887,14 +11701,14 @@
       </p:grpSpPr>
       <p:sp>
         <p:nvSpPr>
-          <p:cNvPr id="208" name="CustomShape 1"/>
+          <p:cNvPr id="131" name="CustomShape 1"/>
           <p:cNvSpPr/>
           <p:nvPr/>
         </p:nvSpPr>
         <p:spPr>
           <a:xfrm>
             <a:off x="837720" y="365040"/>
-            <a:ext cx="10514880" cy="1324800"/>
+            <a:ext cx="10514520" cy="1324440"/>
           </a:xfrm>
           <a:prstGeom prst="rect">
             <a:avLst/>
@@ -14938,14 +11752,14 @@
       </p:sp>
       <p:sp>
         <p:nvSpPr>
-          <p:cNvPr id="209" name="CustomShape 2"/>
+          <p:cNvPr id="132" name="CustomShape 2"/>
           <p:cNvSpPr/>
           <p:nvPr/>
         </p:nvSpPr>
         <p:spPr>
           <a:xfrm>
             <a:off x="8610120" y="6356520"/>
-            <a:ext cx="2742480" cy="364320"/>
+            <a:ext cx="2742120" cy="363960"/>
           </a:xfrm>
           <a:prstGeom prst="rect">
             <a:avLst/>
@@ -14971,14 +11785,15 @@
                 <a:spcPct val="100000"/>
               </a:lnSpc>
             </a:pPr>
-            <a:fld id="{F5E9AC02-3391-4338-B1C4-658C1BC57B00}" type="slidenum">
+            <a:fld id="{C6FFFB73-5D8F-4CBD-838F-1DDA61DC7546}" type="slidenum">
               <a:rPr b="0" lang="fr-FR" sz="1200" spc="-1" strike="noStrike">
                 <a:solidFill>
                   <a:srgbClr val="8b8b8b"/>
                 </a:solidFill>
                 <a:latin typeface="Calibri"/>
-              </a:rPr>
-              <a:t>3</a:t>
+                <a:ea typeface="DejaVu Sans"/>
+              </a:rPr>
+              <a:t>&lt;numéro&gt;</a:t>
             </a:fld>
             <a:endParaRPr b="0" lang="fr-FR" sz="1200" spc="-1" strike="noStrike">
               <a:latin typeface="Arial"/>
@@ -14988,14 +11803,14 @@
       </p:sp>
       <p:sp>
         <p:nvSpPr>
-          <p:cNvPr id="210" name="CustomShape 3"/>
+          <p:cNvPr id="133" name="CustomShape 3"/>
           <p:cNvSpPr/>
           <p:nvPr/>
         </p:nvSpPr>
         <p:spPr>
           <a:xfrm>
-            <a:off x="758880" y="1608120"/>
-            <a:ext cx="4065120" cy="4295880"/>
+            <a:off x="1117440" y="1608120"/>
+            <a:ext cx="3347280" cy="4205160"/>
           </a:xfrm>
           <a:prstGeom prst="rect">
             <a:avLst/>
@@ -15026,7 +11841,7 @@
             </a:endParaRPr>
           </a:p>
           <a:p>
-            <a:pPr marL="285840" indent="-285120">
+            <a:pPr marL="285840" indent="-284760">
               <a:lnSpc>
                 <a:spcPct val="100000"/>
               </a:lnSpc>
@@ -15051,7 +11866,7 @@
             </a:endParaRPr>
           </a:p>
           <a:p>
-            <a:pPr lvl="2" marL="648000" indent="-216000">
+            <a:pPr lvl="2" marL="648000" indent="-215640">
               <a:lnSpc>
                 <a:spcPct val="100000"/>
               </a:lnSpc>
@@ -15077,7 +11892,7 @@
             </a:endParaRPr>
           </a:p>
           <a:p>
-            <a:pPr lvl="2" marL="648000" indent="-216000">
+            <a:pPr lvl="2" marL="648000" indent="-215640">
               <a:lnSpc>
                 <a:spcPct val="100000"/>
               </a:lnSpc>
@@ -15113,7 +11928,27 @@
             </a:endParaRPr>
           </a:p>
           <a:p>
-            <a:pPr lvl="1" marL="743040" indent="-285120">
+            <a:pPr>
+              <a:lnSpc>
+                <a:spcPct val="100000"/>
+              </a:lnSpc>
+            </a:pPr>
+            <a:endParaRPr b="0" lang="fr-FR" sz="1800" spc="-1" strike="noStrike">
+              <a:latin typeface="Arial"/>
+            </a:endParaRPr>
+          </a:p>
+          <a:p>
+            <a:pPr>
+              <a:lnSpc>
+                <a:spcPct val="100000"/>
+              </a:lnSpc>
+            </a:pPr>
+            <a:endParaRPr b="0" lang="fr-FR" sz="1800" spc="-1" strike="noStrike">
+              <a:latin typeface="Arial"/>
+            </a:endParaRPr>
+          </a:p>
+          <a:p>
+            <a:pPr marL="285840" indent="-284760">
               <a:lnSpc>
                 <a:spcPct val="100000"/>
               </a:lnSpc>
@@ -15123,12 +11958,22 @@
               <a:buFont typeface="Arial"/>
               <a:buChar char="•"/>
             </a:pPr>
+            <a:r>
+              <a:rPr b="0" lang="fr-FR" sz="1800" spc="-1" strike="noStrike">
+                <a:solidFill>
+                  <a:srgbClr val="000000"/>
+                </a:solidFill>
+                <a:latin typeface="Calibri"/>
+                <a:ea typeface="DejaVu Sans"/>
+              </a:rPr>
+              <a:t>Raspi-config:</a:t>
+            </a:r>
             <a:endParaRPr b="0" lang="fr-FR" sz="1800" spc="-1" strike="noStrike">
               <a:latin typeface="Arial"/>
             </a:endParaRPr>
           </a:p>
           <a:p>
-            <a:pPr lvl="1" marL="743040" indent="-285120">
+            <a:pPr lvl="1" marL="743040" indent="-284760">
               <a:lnSpc>
                 <a:spcPct val="100000"/>
               </a:lnSpc>
@@ -15138,12 +11983,22 @@
               <a:buFont typeface="Arial"/>
               <a:buChar char="•"/>
             </a:pPr>
+            <a:r>
+              <a:rPr b="0" lang="fr-FR" sz="1800" spc="-1" strike="noStrike">
+                <a:solidFill>
+                  <a:srgbClr val="000000"/>
+                </a:solidFill>
+                <a:latin typeface="Calibri"/>
+                <a:ea typeface="DejaVu Sans"/>
+              </a:rPr>
+              <a:t>Gestion de la langue</a:t>
+            </a:r>
             <a:endParaRPr b="0" lang="fr-FR" sz="1800" spc="-1" strike="noStrike">
               <a:latin typeface="Arial"/>
             </a:endParaRPr>
           </a:p>
           <a:p>
-            <a:pPr marL="285840" indent="-285120">
+            <a:pPr lvl="1" marL="743040" indent="-284760">
               <a:lnSpc>
                 <a:spcPct val="100000"/>
               </a:lnSpc>
@@ -15161,14 +12016,14 @@
                 <a:latin typeface="Calibri"/>
                 <a:ea typeface="DejaVu Sans"/>
               </a:rPr>
-              <a:t>Raspi-config:</a:t>
+              <a:t>Librairie graphique</a:t>
             </a:r>
             <a:endParaRPr b="0" lang="fr-FR" sz="1800" spc="-1" strike="noStrike">
               <a:latin typeface="Arial"/>
             </a:endParaRPr>
           </a:p>
           <a:p>
-            <a:pPr lvl="1" marL="743040" indent="-285120">
+            <a:pPr lvl="1" marL="743040" indent="-284760">
               <a:lnSpc>
                 <a:spcPct val="100000"/>
               </a:lnSpc>
@@ -15186,14 +12041,14 @@
                 <a:latin typeface="Calibri"/>
                 <a:ea typeface="DejaVu Sans"/>
               </a:rPr>
-              <a:t>Gestion de la langue</a:t>
+              <a:t>Clavier</a:t>
             </a:r>
             <a:endParaRPr b="0" lang="fr-FR" sz="1800" spc="-1" strike="noStrike">
               <a:latin typeface="Arial"/>
             </a:endParaRPr>
           </a:p>
           <a:p>
-            <a:pPr lvl="1" marL="743040" indent="-285120">
+            <a:pPr lvl="1" marL="743040" indent="-284760">
               <a:lnSpc>
                 <a:spcPct val="100000"/>
               </a:lnSpc>
@@ -15211,14 +12066,34 @@
                 <a:latin typeface="Calibri"/>
                 <a:ea typeface="DejaVu Sans"/>
               </a:rPr>
-              <a:t>Librairie graphique</a:t>
+              <a:t>Réseau</a:t>
             </a:r>
             <a:endParaRPr b="0" lang="fr-FR" sz="1800" spc="-1" strike="noStrike">
               <a:latin typeface="Arial"/>
             </a:endParaRPr>
           </a:p>
           <a:p>
-            <a:pPr lvl="1" marL="743040" indent="-285120">
+            <a:pPr>
+              <a:lnSpc>
+                <a:spcPct val="100000"/>
+              </a:lnSpc>
+            </a:pPr>
+            <a:endParaRPr b="0" lang="fr-FR" sz="1800" spc="-1" strike="noStrike">
+              <a:latin typeface="Arial"/>
+            </a:endParaRPr>
+          </a:p>
+          <a:p>
+            <a:pPr>
+              <a:lnSpc>
+                <a:spcPct val="100000"/>
+              </a:lnSpc>
+            </a:pPr>
+            <a:endParaRPr b="0" lang="fr-FR" sz="1800" spc="-1" strike="noStrike">
+              <a:latin typeface="Arial"/>
+            </a:endParaRPr>
+          </a:p>
+          <a:p>
+            <a:pPr marL="285840" indent="-284760">
               <a:lnSpc>
                 <a:spcPct val="100000"/>
               </a:lnSpc>
@@ -15236,104 +12111,24 @@
                 <a:latin typeface="Calibri"/>
                 <a:ea typeface="DejaVu Sans"/>
               </a:rPr>
-              <a:t>Clavier</a:t>
+              <a:t>Connection sécurisé a distance</a:t>
             </a:r>
             <a:endParaRPr b="0" lang="fr-FR" sz="1800" spc="-1" strike="noStrike">
               <a:latin typeface="Arial"/>
             </a:endParaRPr>
           </a:p>
-          <a:p>
-            <a:pPr lvl="1" marL="743040" indent="-285120">
-              <a:lnSpc>
-                <a:spcPct val="100000"/>
-              </a:lnSpc>
-              <a:buClr>
-                <a:srgbClr val="000000"/>
-              </a:buClr>
-              <a:buFont typeface="Arial"/>
-              <a:buChar char="•"/>
-            </a:pPr>
-            <a:r>
-              <a:rPr b="0" lang="fr-FR" sz="1800" spc="-1" strike="noStrike">
-                <a:solidFill>
-                  <a:srgbClr val="000000"/>
-                </a:solidFill>
-                <a:latin typeface="Calibri"/>
-                <a:ea typeface="DejaVu Sans"/>
-              </a:rPr>
-              <a:t>Réseau</a:t>
-            </a:r>
-            <a:endParaRPr b="0" lang="fr-FR" sz="1800" spc="-1" strike="noStrike">
-              <a:latin typeface="Arial"/>
-            </a:endParaRPr>
-          </a:p>
-          <a:p>
-            <a:pPr lvl="1" marL="743040" indent="-285120">
-              <a:lnSpc>
-                <a:spcPct val="100000"/>
-              </a:lnSpc>
-              <a:buClr>
-                <a:srgbClr val="000000"/>
-              </a:buClr>
-              <a:buFont typeface="Arial"/>
-              <a:buChar char="•"/>
-            </a:pPr>
-            <a:endParaRPr b="0" lang="fr-FR" sz="1800" spc="-1" strike="noStrike">
-              <a:latin typeface="Arial"/>
-            </a:endParaRPr>
-          </a:p>
-          <a:p>
-            <a:pPr lvl="1" marL="743040" indent="-285120">
-              <a:lnSpc>
-                <a:spcPct val="100000"/>
-              </a:lnSpc>
-              <a:buClr>
-                <a:srgbClr val="000000"/>
-              </a:buClr>
-              <a:buFont typeface="Arial"/>
-              <a:buChar char="•"/>
-            </a:pPr>
-            <a:endParaRPr b="0" lang="fr-FR" sz="1800" spc="-1" strike="noStrike">
-              <a:latin typeface="Arial"/>
-            </a:endParaRPr>
-          </a:p>
-          <a:p>
-            <a:pPr marL="285840" indent="-285120">
-              <a:lnSpc>
-                <a:spcPct val="100000"/>
-              </a:lnSpc>
-              <a:buClr>
-                <a:srgbClr val="000000"/>
-              </a:buClr>
-              <a:buFont typeface="Arial"/>
-              <a:buChar char="•"/>
-            </a:pPr>
-            <a:r>
-              <a:rPr b="0" lang="fr-FR" sz="1800" spc="-1" strike="noStrike">
-                <a:solidFill>
-                  <a:srgbClr val="000000"/>
-                </a:solidFill>
-                <a:latin typeface="Calibri"/>
-                <a:ea typeface="DejaVu Sans"/>
-              </a:rPr>
-              <a:t>Connection sécurisé a distance</a:t>
-            </a:r>
-            <a:endParaRPr b="0" lang="fr-FR" sz="1800" spc="-1" strike="noStrike">
-              <a:latin typeface="Arial"/>
-            </a:endParaRPr>
-          </a:p>
-        </p:txBody>
-      </p:sp>
-      <p:sp>
-        <p:nvSpPr>
-          <p:cNvPr id="211" name="CustomShape 4"/>
+        </p:txBody>
+      </p:sp>
+      <p:sp>
+        <p:nvSpPr>
+          <p:cNvPr id="134" name="CustomShape 4"/>
           <p:cNvSpPr/>
           <p:nvPr/>
         </p:nvSpPr>
         <p:spPr>
           <a:xfrm>
-            <a:off x="3299040" y="6585840"/>
-            <a:ext cx="3940920" cy="272520"/>
+            <a:off x="3598200" y="6585840"/>
+            <a:ext cx="3341880" cy="272160"/>
           </a:xfrm>
           <a:prstGeom prst="rect">
             <a:avLst/>
@@ -15377,7 +12172,7 @@
       </p:sp>
       <p:pic>
         <p:nvPicPr>
-          <p:cNvPr id="212" name="" descr=""/>
+          <p:cNvPr id="135" name="" descr=""/>
           <p:cNvPicPr/>
           <p:nvPr/>
         </p:nvPicPr>
@@ -15388,7 +12183,7 @@
         <p:spPr>
           <a:xfrm>
             <a:off x="5116320" y="4068000"/>
-            <a:ext cx="5467680" cy="2252160"/>
+            <a:ext cx="5467320" cy="2251800"/>
           </a:xfrm>
           <a:prstGeom prst="rect">
             <a:avLst/>
@@ -15400,7 +12195,7 @@
       </p:pic>
       <p:pic>
         <p:nvPicPr>
-          <p:cNvPr id="213" name="" descr=""/>
+          <p:cNvPr id="136" name="" descr=""/>
           <p:cNvPicPr/>
           <p:nvPr/>
         </p:nvPicPr>
@@ -15411,7 +12206,7 @@
         <p:spPr>
           <a:xfrm>
             <a:off x="6372000" y="1548000"/>
-            <a:ext cx="2857320" cy="2409480"/>
+            <a:ext cx="2856960" cy="2409120"/>
           </a:xfrm>
           <a:prstGeom prst="rect">
             <a:avLst/>
@@ -15480,14 +12275,14 @@
       </p:grpSpPr>
       <p:sp>
         <p:nvSpPr>
-          <p:cNvPr id="214" name="CustomShape 1"/>
+          <p:cNvPr id="137" name="CustomShape 1"/>
           <p:cNvSpPr/>
           <p:nvPr/>
         </p:nvSpPr>
         <p:spPr>
           <a:xfrm>
             <a:off x="837720" y="-52200"/>
-            <a:ext cx="10766160" cy="1324800"/>
+            <a:ext cx="10765800" cy="1324440"/>
           </a:xfrm>
           <a:prstGeom prst="rect">
             <a:avLst/>
@@ -15519,6 +12314,7 @@
                   <a:srgbClr val="000000"/>
                 </a:solidFill>
                 <a:latin typeface="Calibri Light"/>
+                <a:ea typeface="DejaVu Sans"/>
               </a:rPr>
               <a:t>Méthodologie de type cycle en V</a:t>
             </a:r>
@@ -15530,14 +12326,14 @@
       </p:sp>
       <p:sp>
         <p:nvSpPr>
-          <p:cNvPr id="215" name="CustomShape 2"/>
+          <p:cNvPr id="138" name="CustomShape 2"/>
           <p:cNvSpPr/>
           <p:nvPr/>
         </p:nvSpPr>
         <p:spPr>
           <a:xfrm>
             <a:off x="8610120" y="6356520"/>
-            <a:ext cx="2742480" cy="364320"/>
+            <a:ext cx="2742120" cy="363960"/>
           </a:xfrm>
           <a:prstGeom prst="rect">
             <a:avLst/>
@@ -15563,14 +12359,15 @@
                 <a:spcPct val="100000"/>
               </a:lnSpc>
             </a:pPr>
-            <a:fld id="{F082109B-15CF-4CC9-B883-36A634340323}" type="slidenum">
+            <a:fld id="{62A917E9-AFD2-4EFC-BA9C-23F1BA21AE50}" type="slidenum">
               <a:rPr b="0" lang="fr-FR" sz="1200" spc="-1" strike="noStrike">
                 <a:solidFill>
                   <a:srgbClr val="8b8b8b"/>
                 </a:solidFill>
                 <a:latin typeface="Calibri"/>
-              </a:rPr>
-              <a:t>3</a:t>
+                <a:ea typeface="DejaVu Sans"/>
+              </a:rPr>
+              <a:t>&lt;numéro&gt;</a:t>
             </a:fld>
             <a:endParaRPr b="0" lang="fr-FR" sz="1200" spc="-1" strike="noStrike">
               <a:latin typeface="Arial"/>
@@ -15580,7 +12377,7 @@
       </p:sp>
       <p:pic>
         <p:nvPicPr>
-          <p:cNvPr id="216" name="" descr=""/>
+          <p:cNvPr id="139" name="" descr=""/>
           <p:cNvPicPr/>
           <p:nvPr/>
         </p:nvPicPr>
@@ -15591,7 +12388,7 @@
         <p:spPr>
           <a:xfrm>
             <a:off x="1382760" y="1323360"/>
-            <a:ext cx="9992520" cy="5084280"/>
+            <a:ext cx="9992160" cy="5083920"/>
           </a:xfrm>
           <a:prstGeom prst="rect">
             <a:avLst/>
@@ -15603,14 +12400,14 @@
       </p:pic>
       <p:sp>
         <p:nvSpPr>
-          <p:cNvPr id="217" name="CustomShape 3"/>
+          <p:cNvPr id="140" name="CustomShape 3"/>
           <p:cNvSpPr/>
           <p:nvPr/>
         </p:nvSpPr>
         <p:spPr>
           <a:xfrm>
-            <a:off x="3580560" y="6585840"/>
-            <a:ext cx="5751360" cy="303120"/>
+            <a:off x="4042080" y="6585840"/>
+            <a:ext cx="4827600" cy="302760"/>
           </a:xfrm>
           <a:prstGeom prst="rect">
             <a:avLst/>
@@ -15711,14 +12508,14 @@
       </p:grpSpPr>
       <p:sp>
         <p:nvSpPr>
-          <p:cNvPr id="218" name="CustomShape 1"/>
+          <p:cNvPr id="141" name="CustomShape 1"/>
           <p:cNvSpPr/>
           <p:nvPr/>
         </p:nvSpPr>
         <p:spPr>
           <a:xfrm>
             <a:off x="837720" y="199800"/>
-            <a:ext cx="10766160" cy="1324800"/>
+            <a:ext cx="10765800" cy="1324440"/>
           </a:xfrm>
           <a:prstGeom prst="rect">
             <a:avLst/>
@@ -15750,6 +12547,7 @@
                   <a:srgbClr val="000000"/>
                 </a:solidFill>
                 <a:latin typeface="Calibri Light"/>
+                <a:ea typeface="DejaVu Sans"/>
               </a:rPr>
               <a:t>Outils de la gestion de projet et du code</a:t>
             </a:r>
@@ -15761,14 +12559,14 @@
       </p:sp>
       <p:sp>
         <p:nvSpPr>
-          <p:cNvPr id="219" name="CustomShape 2"/>
+          <p:cNvPr id="142" name="CustomShape 2"/>
           <p:cNvSpPr/>
           <p:nvPr/>
         </p:nvSpPr>
         <p:spPr>
           <a:xfrm>
             <a:off x="8610120" y="6356520"/>
-            <a:ext cx="2742480" cy="364320"/>
+            <a:ext cx="2742120" cy="363960"/>
           </a:xfrm>
           <a:prstGeom prst="rect">
             <a:avLst/>
@@ -15794,14 +12592,15 @@
                 <a:spcPct val="100000"/>
               </a:lnSpc>
             </a:pPr>
-            <a:fld id="{4AFEBE82-98D8-4953-9B3B-5B77B1B6038A}" type="slidenum">
+            <a:fld id="{8C132ACB-1B77-4261-99CA-69F96D4CA6B9}" type="slidenum">
               <a:rPr b="0" lang="fr-FR" sz="1200" spc="-1" strike="noStrike">
                 <a:solidFill>
                   <a:srgbClr val="8b8b8b"/>
                 </a:solidFill>
                 <a:latin typeface="Calibri"/>
-              </a:rPr>
-              <a:t>3</a:t>
+                <a:ea typeface="DejaVu Sans"/>
+              </a:rPr>
+              <a:t>&lt;numéro&gt;</a:t>
             </a:fld>
             <a:endParaRPr b="0" lang="fr-FR" sz="1200" spc="-1" strike="noStrike">
               <a:latin typeface="Arial"/>
@@ -15811,7 +12610,7 @@
       </p:sp>
       <p:pic>
         <p:nvPicPr>
-          <p:cNvPr id="220" name="Image 10" descr=""/>
+          <p:cNvPr id="143" name="Image 10" descr=""/>
           <p:cNvPicPr/>
           <p:nvPr/>
         </p:nvPicPr>
@@ -15822,7 +12621,7 @@
         <p:spPr>
           <a:xfrm>
             <a:off x="586440" y="1640520"/>
-            <a:ext cx="5106240" cy="2652840"/>
+            <a:ext cx="5105880" cy="2652480"/>
           </a:xfrm>
           <a:prstGeom prst="rect">
             <a:avLst/>
@@ -15834,14 +12633,14 @@
       </p:pic>
       <p:sp>
         <p:nvSpPr>
-          <p:cNvPr id="221" name="CustomShape 3"/>
+          <p:cNvPr id="144" name="CustomShape 3"/>
           <p:cNvSpPr/>
           <p:nvPr/>
         </p:nvSpPr>
         <p:spPr>
           <a:xfrm>
-            <a:off x="447480" y="1346760"/>
-            <a:ext cx="891360" cy="364320"/>
+            <a:off x="535680" y="1346760"/>
+            <a:ext cx="714600" cy="363960"/>
           </a:xfrm>
           <a:prstGeom prst="rect">
             <a:avLst/>
@@ -15885,7 +12684,7 @@
       </p:sp>
       <p:pic>
         <p:nvPicPr>
-          <p:cNvPr id="222" name="Image 16" descr=""/>
+          <p:cNvPr id="145" name="Image 16" descr=""/>
           <p:cNvPicPr/>
           <p:nvPr/>
         </p:nvPicPr>
@@ -15896,7 +12695,7 @@
         <p:spPr>
           <a:xfrm>
             <a:off x="6095520" y="1856520"/>
-            <a:ext cx="4222440" cy="2660760"/>
+            <a:ext cx="4222080" cy="2660400"/>
           </a:xfrm>
           <a:prstGeom prst="rect">
             <a:avLst/>
@@ -15908,14 +12707,14 @@
       </p:pic>
       <p:sp>
         <p:nvSpPr>
-          <p:cNvPr id="223" name="CustomShape 4"/>
+          <p:cNvPr id="146" name="CustomShape 4"/>
           <p:cNvSpPr/>
           <p:nvPr/>
         </p:nvSpPr>
         <p:spPr>
           <a:xfrm>
-            <a:off x="6064560" y="1568880"/>
-            <a:ext cx="1500840" cy="364320"/>
+            <a:off x="6238080" y="1568880"/>
+            <a:ext cx="1153440" cy="363960"/>
           </a:xfrm>
           <a:prstGeom prst="rect">
             <a:avLst/>
@@ -15959,7 +12758,7 @@
       </p:sp>
       <p:pic>
         <p:nvPicPr>
-          <p:cNvPr id="224" name="Image 18" descr=""/>
+          <p:cNvPr id="147" name="Image 18" descr=""/>
           <p:cNvPicPr/>
           <p:nvPr/>
         </p:nvPicPr>
@@ -15970,7 +12769,7 @@
         <p:spPr>
           <a:xfrm>
             <a:off x="3879000" y="3258360"/>
-            <a:ext cx="3416040" cy="2512440"/>
+            <a:ext cx="3415680" cy="2512080"/>
           </a:xfrm>
           <a:prstGeom prst="rect">
             <a:avLst/>
@@ -15982,14 +12781,14 @@
       </p:pic>
       <p:sp>
         <p:nvSpPr>
-          <p:cNvPr id="225" name="CustomShape 5"/>
+          <p:cNvPr id="148" name="CustomShape 5"/>
           <p:cNvSpPr/>
           <p:nvPr/>
         </p:nvSpPr>
         <p:spPr>
           <a:xfrm>
             <a:off x="3879000" y="2900880"/>
-            <a:ext cx="1449000" cy="364680"/>
+            <a:ext cx="1448640" cy="364320"/>
           </a:xfrm>
           <a:prstGeom prst="rect">
             <a:avLst/>
@@ -16033,7 +12832,7 @@
       </p:sp>
       <p:pic>
         <p:nvPicPr>
-          <p:cNvPr id="226" name="Image 20" descr=""/>
+          <p:cNvPr id="149" name="Image 20" descr=""/>
           <p:cNvPicPr/>
           <p:nvPr/>
         </p:nvPicPr>
@@ -16044,7 +12843,7 @@
         <p:spPr>
           <a:xfrm>
             <a:off x="6494760" y="3806280"/>
-            <a:ext cx="4370760" cy="2660760"/>
+            <a:ext cx="4370400" cy="2660400"/>
           </a:xfrm>
           <a:prstGeom prst="rect">
             <a:avLst/>
@@ -16056,14 +12855,14 @@
       </p:pic>
       <p:sp>
         <p:nvSpPr>
-          <p:cNvPr id="227" name="CustomShape 6"/>
+          <p:cNvPr id="150" name="CustomShape 6"/>
           <p:cNvSpPr/>
           <p:nvPr/>
         </p:nvSpPr>
         <p:spPr>
           <a:xfrm>
             <a:off x="6372720" y="3474720"/>
-            <a:ext cx="1331280" cy="364680"/>
+            <a:ext cx="1330920" cy="364320"/>
           </a:xfrm>
           <a:prstGeom prst="rect">
             <a:avLst/>
@@ -16164,14 +12963,14 @@
       </p:grpSpPr>
       <p:sp>
         <p:nvSpPr>
-          <p:cNvPr id="228" name="CustomShape 1"/>
+          <p:cNvPr id="151" name="CustomShape 1"/>
           <p:cNvSpPr/>
           <p:nvPr/>
         </p:nvSpPr>
         <p:spPr>
           <a:xfrm>
             <a:off x="837720" y="199800"/>
-            <a:ext cx="10766160" cy="1324800"/>
+            <a:ext cx="10765800" cy="1324440"/>
           </a:xfrm>
           <a:prstGeom prst="rect">
             <a:avLst/>
@@ -16203,6 +13002,7 @@
                   <a:srgbClr val="000000"/>
                 </a:solidFill>
                 <a:latin typeface="Calibri Light"/>
+                <a:ea typeface="DejaVu Sans"/>
               </a:rPr>
               <a:t>Programmation &amp; compilation</a:t>
             </a:r>
@@ -16214,14 +13014,14 @@
       </p:sp>
       <p:sp>
         <p:nvSpPr>
-          <p:cNvPr id="229" name="CustomShape 2"/>
+          <p:cNvPr id="152" name="CustomShape 2"/>
           <p:cNvSpPr/>
           <p:nvPr/>
         </p:nvSpPr>
         <p:spPr>
           <a:xfrm>
             <a:off x="8610120" y="6356520"/>
-            <a:ext cx="2742480" cy="364320"/>
+            <a:ext cx="2742120" cy="363960"/>
           </a:xfrm>
           <a:prstGeom prst="rect">
             <a:avLst/>
@@ -16247,12 +13047,13 @@
                 <a:spcPct val="100000"/>
               </a:lnSpc>
             </a:pPr>
-            <a:fld id="{9E626722-20F6-4A8B-B8BB-3A4A17743440}" type="slidenum">
+            <a:fld id="{06973DA9-7446-42F7-BCE8-D5C24DDFAAE9}" type="slidenum">
               <a:rPr b="0" lang="fr-FR" sz="1200" spc="-1" strike="noStrike">
                 <a:solidFill>
                   <a:srgbClr val="8b8b8b"/>
                 </a:solidFill>
                 <a:latin typeface="Calibri"/>
+                <a:ea typeface="DejaVu Sans"/>
               </a:rPr>
               <a:t>&lt;numéro&gt;</a:t>
             </a:fld>
@@ -16264,14 +13065,14 @@
       </p:sp>
       <p:sp>
         <p:nvSpPr>
-          <p:cNvPr id="230" name="CustomShape 3"/>
+          <p:cNvPr id="153" name="CustomShape 3"/>
           <p:cNvSpPr/>
           <p:nvPr/>
         </p:nvSpPr>
         <p:spPr>
           <a:xfrm>
-            <a:off x="432000" y="4226040"/>
-            <a:ext cx="2981520" cy="1461960"/>
+            <a:off x="659520" y="4226040"/>
+            <a:ext cx="2525760" cy="1461600"/>
           </a:xfrm>
           <a:prstGeom prst="rect">
             <a:avLst/>
@@ -16292,7 +13093,17 @@
             <a:spAutoFit/>
           </a:bodyPr>
           <a:p>
-            <a:pPr marL="285840" indent="-285120">
+            <a:pPr>
+              <a:lnSpc>
+                <a:spcPct val="100000"/>
+              </a:lnSpc>
+            </a:pPr>
+            <a:endParaRPr b="0" lang="fr-FR" sz="1800" spc="-1" strike="noStrike">
+              <a:latin typeface="Arial"/>
+            </a:endParaRPr>
+          </a:p>
+          <a:p>
+            <a:pPr marL="285840" indent="-284760">
               <a:lnSpc>
                 <a:spcPct val="100000"/>
               </a:lnSpc>
@@ -16302,12 +13113,22 @@
               <a:buFont typeface="Arial"/>
               <a:buChar char="•"/>
             </a:pPr>
+            <a:r>
+              <a:rPr b="0" lang="fr-FR" sz="1800" spc="-1" strike="noStrike">
+                <a:solidFill>
+                  <a:srgbClr val="000000"/>
+                </a:solidFill>
+                <a:latin typeface="Calibri"/>
+                <a:ea typeface="DejaVu Sans"/>
+              </a:rPr>
+              <a:t>Compilation autotools</a:t>
+            </a:r>
             <a:endParaRPr b="0" lang="fr-FR" sz="1800" spc="-1" strike="noStrike">
               <a:latin typeface="Arial"/>
             </a:endParaRPr>
           </a:p>
           <a:p>
-            <a:pPr marL="285840" indent="-285120">
+            <a:pPr lvl="1" marL="743040" indent="-284760">
               <a:lnSpc>
                 <a:spcPct val="100000"/>
               </a:lnSpc>
@@ -16325,14 +13146,14 @@
                 <a:latin typeface="Calibri"/>
                 <a:ea typeface="DejaVu Sans"/>
               </a:rPr>
-              <a:t>Compilation autotools</a:t>
+              <a:t>Make</a:t>
             </a:r>
             <a:endParaRPr b="0" lang="fr-FR" sz="1800" spc="-1" strike="noStrike">
               <a:latin typeface="Arial"/>
             </a:endParaRPr>
           </a:p>
           <a:p>
-            <a:pPr lvl="1" marL="743040" indent="-285120">
+            <a:pPr lvl="1" marL="743040" indent="-284760">
               <a:lnSpc>
                 <a:spcPct val="100000"/>
               </a:lnSpc>
@@ -16350,31 +13171,6 @@
                 <a:latin typeface="Calibri"/>
                 <a:ea typeface="DejaVu Sans"/>
               </a:rPr>
-              <a:t>Make</a:t>
-            </a:r>
-            <a:endParaRPr b="0" lang="fr-FR" sz="1800" spc="-1" strike="noStrike">
-              <a:latin typeface="Arial"/>
-            </a:endParaRPr>
-          </a:p>
-          <a:p>
-            <a:pPr lvl="1" marL="743040" indent="-285120">
-              <a:lnSpc>
-                <a:spcPct val="100000"/>
-              </a:lnSpc>
-              <a:buClr>
-                <a:srgbClr val="000000"/>
-              </a:buClr>
-              <a:buFont typeface="Arial"/>
-              <a:buChar char="•"/>
-            </a:pPr>
-            <a:r>
-              <a:rPr b="0" lang="fr-FR" sz="1800" spc="-1" strike="noStrike">
-                <a:solidFill>
-                  <a:srgbClr val="000000"/>
-                </a:solidFill>
-                <a:latin typeface="Calibri"/>
-                <a:ea typeface="DejaVu Sans"/>
-              </a:rPr>
               <a:t>Qmake</a:t>
             </a:r>
             <a:endParaRPr b="0" lang="fr-FR" sz="1800" spc="-1" strike="noStrike">
@@ -16395,7 +13191,7 @@
       </p:sp>
       <p:pic>
         <p:nvPicPr>
-          <p:cNvPr id="231" name="" descr=""/>
+          <p:cNvPr id="154" name="" descr=""/>
           <p:cNvPicPr/>
           <p:nvPr/>
         </p:nvPicPr>
@@ -16406,7 +13202,7 @@
         <p:spPr>
           <a:xfrm>
             <a:off x="7976160" y="3240000"/>
-            <a:ext cx="864000" cy="852480"/>
+            <a:ext cx="863640" cy="852120"/>
           </a:xfrm>
           <a:prstGeom prst="rect">
             <a:avLst/>
@@ -16418,7 +13214,7 @@
       </p:pic>
       <p:pic>
         <p:nvPicPr>
-          <p:cNvPr id="232" name="" descr=""/>
+          <p:cNvPr id="155" name="" descr=""/>
           <p:cNvPicPr/>
           <p:nvPr/>
         </p:nvPicPr>
@@ -16429,7 +13225,7 @@
         <p:spPr>
           <a:xfrm>
             <a:off x="6408000" y="1860480"/>
-            <a:ext cx="1352160" cy="1523520"/>
+            <a:ext cx="1351800" cy="1523160"/>
           </a:xfrm>
           <a:prstGeom prst="rect">
             <a:avLst/>
@@ -16441,7 +13237,7 @@
       </p:pic>
       <p:pic>
         <p:nvPicPr>
-          <p:cNvPr id="233" name="" descr=""/>
+          <p:cNvPr id="156" name="" descr=""/>
           <p:cNvPicPr/>
           <p:nvPr/>
         </p:nvPicPr>
@@ -16452,7 +13248,7 @@
         <p:spPr>
           <a:xfrm>
             <a:off x="4280760" y="1800000"/>
-            <a:ext cx="1551240" cy="1551240"/>
+            <a:ext cx="1550880" cy="1550880"/>
           </a:xfrm>
           <a:prstGeom prst="rect">
             <a:avLst/>
@@ -16464,7 +13260,7 @@
       </p:pic>
       <p:pic>
         <p:nvPicPr>
-          <p:cNvPr id="234" name="" descr=""/>
+          <p:cNvPr id="157" name="" descr=""/>
           <p:cNvPicPr/>
           <p:nvPr/>
         </p:nvPicPr>
@@ -16475,7 +13271,7 @@
         <p:spPr>
           <a:xfrm>
             <a:off x="8785440" y="4121280"/>
-            <a:ext cx="1062720" cy="1062720"/>
+            <a:ext cx="1062360" cy="1062360"/>
           </a:xfrm>
           <a:prstGeom prst="rect">
             <a:avLst/>
@@ -16487,7 +13283,7 @@
       </p:pic>
       <p:pic>
         <p:nvPicPr>
-          <p:cNvPr id="235" name="" descr=""/>
+          <p:cNvPr id="158" name="" descr=""/>
           <p:cNvPicPr/>
           <p:nvPr/>
         </p:nvPicPr>
@@ -16498,7 +13294,7 @@
         <p:spPr>
           <a:xfrm>
             <a:off x="856800" y="1944000"/>
-            <a:ext cx="2095200" cy="2047680"/>
+            <a:ext cx="2094840" cy="2047320"/>
           </a:xfrm>
           <a:prstGeom prst="rect">
             <a:avLst/>
@@ -16567,14 +13363,14 @@
       </p:grpSpPr>
       <p:sp>
         <p:nvSpPr>
-          <p:cNvPr id="236" name="CustomShape 1"/>
+          <p:cNvPr id="159" name="CustomShape 1"/>
           <p:cNvSpPr/>
           <p:nvPr/>
         </p:nvSpPr>
         <p:spPr>
           <a:xfrm>
             <a:off x="837720" y="365040"/>
-            <a:ext cx="10514880" cy="1324800"/>
+            <a:ext cx="10514520" cy="1324440"/>
           </a:xfrm>
           <a:prstGeom prst="rect">
             <a:avLst/>
@@ -16606,6 +13402,7 @@
                   <a:srgbClr val="000000"/>
                 </a:solidFill>
                 <a:latin typeface="Calibri Light"/>
+                <a:ea typeface="DejaVu Sans"/>
               </a:rPr>
               <a:t>Interface graphique: design</a:t>
             </a:r>
@@ -16617,14 +13414,14 @@
       </p:sp>
       <p:sp>
         <p:nvSpPr>
-          <p:cNvPr id="237" name="CustomShape 2"/>
+          <p:cNvPr id="160" name="CustomShape 2"/>
           <p:cNvSpPr/>
           <p:nvPr/>
         </p:nvSpPr>
         <p:spPr>
           <a:xfrm>
             <a:off x="8610120" y="6356520"/>
-            <a:ext cx="2742480" cy="364320"/>
+            <a:ext cx="2742120" cy="363960"/>
           </a:xfrm>
           <a:prstGeom prst="rect">
             <a:avLst/>
@@ -16650,12 +13447,13 @@
                 <a:spcPct val="100000"/>
               </a:lnSpc>
             </a:pPr>
-            <a:fld id="{AC52ACCB-F4E4-4714-AAD6-515745C63084}" type="slidenum">
+            <a:fld id="{AE479F74-613A-4DC2-8173-DF553E305AA9}" type="slidenum">
               <a:rPr b="0" lang="fr-FR" sz="1200" spc="-1" strike="noStrike">
                 <a:solidFill>
                   <a:srgbClr val="8b8b8b"/>
                 </a:solidFill>
                 <a:latin typeface="Calibri"/>
+                <a:ea typeface="DejaVu Sans"/>
               </a:rPr>
               <a:t>&lt;numéro&gt;</a:t>
             </a:fld>
@@ -16667,14 +13465,14 @@
       </p:sp>
       <p:sp>
         <p:nvSpPr>
-          <p:cNvPr id="238" name="CustomShape 3"/>
+          <p:cNvPr id="161" name="CustomShape 3"/>
           <p:cNvSpPr/>
           <p:nvPr/>
         </p:nvSpPr>
         <p:spPr>
           <a:xfrm>
-            <a:off x="7940880" y="2100240"/>
-            <a:ext cx="4044600" cy="364320"/>
+            <a:off x="8309520" y="2100240"/>
+            <a:ext cx="3306960" cy="363960"/>
           </a:xfrm>
           <a:prstGeom prst="rect">
             <a:avLst/>
@@ -16718,7 +13516,7 @@
       </p:sp>
       <p:pic>
         <p:nvPicPr>
-          <p:cNvPr id="239" name="Image 33" descr=""/>
+          <p:cNvPr id="162" name="Image 33" descr=""/>
           <p:cNvPicPr/>
           <p:nvPr/>
         </p:nvPicPr>
@@ -16729,7 +13527,7 @@
         <p:spPr>
           <a:xfrm>
             <a:off x="4564080" y="1356480"/>
-            <a:ext cx="2900880" cy="5364360"/>
+            <a:ext cx="2900520" cy="5364000"/>
           </a:xfrm>
           <a:prstGeom prst="rect">
             <a:avLst/>
@@ -16741,14 +13539,14 @@
       </p:pic>
       <p:sp>
         <p:nvSpPr>
-          <p:cNvPr id="240" name="CustomShape 4"/>
+          <p:cNvPr id="163" name="CustomShape 4"/>
           <p:cNvSpPr/>
           <p:nvPr/>
         </p:nvSpPr>
         <p:spPr>
           <a:xfrm>
-            <a:off x="6556680" y="4797720"/>
-            <a:ext cx="371520" cy="364320"/>
+            <a:off x="6594480" y="4797720"/>
+            <a:ext cx="295560" cy="363960"/>
           </a:xfrm>
           <a:prstGeom prst="rect">
             <a:avLst/>
@@ -16792,14 +13590,14 @@
       </p:sp>
       <p:sp>
         <p:nvSpPr>
-          <p:cNvPr id="241" name="CustomShape 5"/>
+          <p:cNvPr id="164" name="CustomShape 5"/>
           <p:cNvSpPr/>
           <p:nvPr/>
         </p:nvSpPr>
         <p:spPr>
           <a:xfrm>
-            <a:off x="7463880" y="4388400"/>
-            <a:ext cx="3774600" cy="1187280"/>
+            <a:off x="7822440" y="4388400"/>
+            <a:ext cx="3056760" cy="1186920"/>
           </a:xfrm>
           <a:prstGeom prst="rect">
             <a:avLst/>
@@ -16903,14 +13701,14 @@
       </p:sp>
       <p:sp>
         <p:nvSpPr>
-          <p:cNvPr id="242" name="CustomShape 6"/>
+          <p:cNvPr id="165" name="CustomShape 6"/>
           <p:cNvSpPr/>
           <p:nvPr/>
         </p:nvSpPr>
         <p:spPr>
           <a:xfrm flipH="1">
-            <a:off x="6891840" y="4718880"/>
-            <a:ext cx="823680" cy="262800"/>
+            <a:off x="6891120" y="4718880"/>
+            <a:ext cx="823320" cy="262440"/>
           </a:xfrm>
           <a:custGeom>
             <a:avLst/>
@@ -16952,14 +13750,14 @@
       </p:sp>
       <p:sp>
         <p:nvSpPr>
-          <p:cNvPr id="243" name="CustomShape 7"/>
+          <p:cNvPr id="166" name="CustomShape 7"/>
           <p:cNvSpPr/>
           <p:nvPr/>
         </p:nvSpPr>
         <p:spPr>
           <a:xfrm>
-            <a:off x="1067760" y="4728600"/>
-            <a:ext cx="3027960" cy="364320"/>
+            <a:off x="1347120" y="4728600"/>
+            <a:ext cx="2468520" cy="363960"/>
           </a:xfrm>
           <a:prstGeom prst="rect">
             <a:avLst/>
@@ -17003,14 +13801,14 @@
       </p:sp>
       <p:sp>
         <p:nvSpPr>
-          <p:cNvPr id="244" name="CustomShape 8"/>
+          <p:cNvPr id="167" name="CustomShape 8"/>
           <p:cNvSpPr/>
           <p:nvPr/>
         </p:nvSpPr>
         <p:spPr>
           <a:xfrm>
             <a:off x="3968640" y="4903560"/>
-            <a:ext cx="1362240" cy="9000"/>
+            <a:ext cx="1361880" cy="8640"/>
           </a:xfrm>
           <a:custGeom>
             <a:avLst/>
@@ -17052,14 +13850,14 @@
       </p:sp>
       <p:sp>
         <p:nvSpPr>
-          <p:cNvPr id="245" name="CustomShape 9"/>
+          <p:cNvPr id="168" name="CustomShape 9"/>
           <p:cNvSpPr/>
           <p:nvPr/>
         </p:nvSpPr>
         <p:spPr>
           <a:xfrm>
-            <a:off x="846720" y="5733360"/>
-            <a:ext cx="3684960" cy="364320"/>
+            <a:off x="1167480" y="5733360"/>
+            <a:ext cx="3043080" cy="363960"/>
           </a:xfrm>
           <a:prstGeom prst="rect">
             <a:avLst/>
@@ -17103,14 +13901,14 @@
       </p:sp>
       <p:sp>
         <p:nvSpPr>
-          <p:cNvPr id="246" name="CustomShape 10"/>
+          <p:cNvPr id="169" name="CustomShape 10"/>
           <p:cNvSpPr/>
           <p:nvPr/>
         </p:nvSpPr>
         <p:spPr>
           <a:xfrm>
             <a:off x="4430880" y="5575320"/>
-            <a:ext cx="45000" cy="684360"/>
+            <a:ext cx="44640" cy="684000"/>
           </a:xfrm>
           <a:prstGeom prst="leftBrace">
             <a:avLst>
@@ -17141,14 +13939,14 @@
       </p:sp>
       <p:sp>
         <p:nvSpPr>
-          <p:cNvPr id="247" name="CustomShape 11"/>
+          <p:cNvPr id="170" name="CustomShape 11"/>
           <p:cNvSpPr/>
           <p:nvPr/>
         </p:nvSpPr>
         <p:spPr>
           <a:xfrm flipH="1">
             <a:off x="6388560" y="2517480"/>
-            <a:ext cx="1534680" cy="732960"/>
+            <a:ext cx="1534320" cy="732600"/>
           </a:xfrm>
           <a:custGeom>
             <a:avLst/>
@@ -17190,14 +13988,14 @@
       </p:sp>
       <p:sp>
         <p:nvSpPr>
-          <p:cNvPr id="248" name="CustomShape 12"/>
+          <p:cNvPr id="171" name="CustomShape 12"/>
           <p:cNvSpPr/>
           <p:nvPr/>
         </p:nvSpPr>
         <p:spPr>
           <a:xfrm>
             <a:off x="1067040" y="2194200"/>
-            <a:ext cx="2900880" cy="912600"/>
+            <a:ext cx="2900520" cy="639000"/>
           </a:xfrm>
           <a:prstGeom prst="rect">
             <a:avLst/>
@@ -17290,34 +14088,34 @@
         <a:sysClr val="window" lastClr="FFFFFF"/>
       </a:lt1>
       <a:dk2>
-        <a:srgbClr val="44546a"/>
+        <a:srgbClr val="1f497d"/>
       </a:dk2>
       <a:lt2>
-        <a:srgbClr val="e7e6e6"/>
+        <a:srgbClr val="eeece1"/>
       </a:lt2>
       <a:accent1>
-        <a:srgbClr val="4472c4"/>
+        <a:srgbClr val="4f81bd"/>
       </a:accent1>
       <a:accent2>
-        <a:srgbClr val="ed7d31"/>
+        <a:srgbClr val="c0504d"/>
       </a:accent2>
       <a:accent3>
-        <a:srgbClr val="a5a5a5"/>
+        <a:srgbClr val="9bbb59"/>
       </a:accent3>
       <a:accent4>
-        <a:srgbClr val="ffc000"/>
+        <a:srgbClr val="8064a2"/>
       </a:accent4>
       <a:accent5>
-        <a:srgbClr val="5b9bd5"/>
+        <a:srgbClr val="4bacc6"/>
       </a:accent5>
       <a:accent6>
-        <a:srgbClr val="70ad47"/>
+        <a:srgbClr val="f79646"/>
       </a:accent6>
       <a:hlink>
-        <a:srgbClr val="0563c1"/>
+        <a:srgbClr val="0000ff"/>
       </a:hlink>
       <a:folHlink>
-        <a:srgbClr val="954f72"/>
+        <a:srgbClr val="800080"/>
       </a:folHlink>
     </a:clrScheme>
     <a:fontScheme name="Office">
@@ -17946,450 +14744,4 @@
     </a:fmtScheme>
   </a:themeElements>
 </a:theme>
-</file>
-
-<file path=ppt/theme/theme4.xml><?xml version="1.0" encoding="utf-8"?>
-<a:theme xmlns:a="http://schemas.openxmlformats.org/drawingml/2006/main" name="Office Theme">
-  <a:themeElements>
-    <a:clrScheme name="Office">
-      <a:dk1>
-        <a:sysClr val="windowText" lastClr="000000"/>
-      </a:dk1>
-      <a:lt1>
-        <a:sysClr val="window" lastClr="FFFFFF"/>
-      </a:lt1>
-      <a:dk2>
-        <a:srgbClr val="44546a"/>
-      </a:dk2>
-      <a:lt2>
-        <a:srgbClr val="e7e6e6"/>
-      </a:lt2>
-      <a:accent1>
-        <a:srgbClr val="4472c4"/>
-      </a:accent1>
-      <a:accent2>
-        <a:srgbClr val="ed7d31"/>
-      </a:accent2>
-      <a:accent3>
-        <a:srgbClr val="a5a5a5"/>
-      </a:accent3>
-      <a:accent4>
-        <a:srgbClr val="ffc000"/>
-      </a:accent4>
-      <a:accent5>
-        <a:srgbClr val="5b9bd5"/>
-      </a:accent5>
-      <a:accent6>
-        <a:srgbClr val="70ad47"/>
-      </a:accent6>
-      <a:hlink>
-        <a:srgbClr val="0563c1"/>
-      </a:hlink>
-      <a:folHlink>
-        <a:srgbClr val="954f72"/>
-      </a:folHlink>
-    </a:clrScheme>
-    <a:fontScheme name="Office">
-      <a:majorFont>
-        <a:latin typeface="Arial"/>
-        <a:ea typeface="DejaVu Sans"/>
-        <a:cs typeface="DejaVu Sans"/>
-      </a:majorFont>
-      <a:minorFont>
-        <a:latin typeface="Arial"/>
-        <a:ea typeface="DejaVu Sans"/>
-        <a:cs typeface="DejaVu Sans"/>
-      </a:minorFont>
-    </a:fontScheme>
-    <a:fmtScheme name="Office">
-      <a:fillStyleLst>
-        <a:solidFill>
-          <a:schemeClr val="phClr"/>
-        </a:solidFill>
-        <a:gradFill rotWithShape="1">
-          <a:gsLst>
-            <a:gs pos="0">
-              <a:schemeClr val="phClr">
-                <a:tint val="50000"/>
-                <a:satMod val="300000"/>
-              </a:schemeClr>
-            </a:gs>
-            <a:gs pos="35000">
-              <a:schemeClr val="phClr">
-                <a:tint val="37000"/>
-                <a:satMod val="300000"/>
-              </a:schemeClr>
-            </a:gs>
-            <a:gs pos="100000">
-              <a:schemeClr val="phClr">
-                <a:tint val="15000"/>
-                <a:satMod val="350000"/>
-              </a:schemeClr>
-            </a:gs>
-          </a:gsLst>
-          <a:lin ang="16200000" scaled="1"/>
-        </a:gradFill>
-        <a:gradFill rotWithShape="1">
-          <a:gsLst>
-            <a:gs pos="0">
-              <a:schemeClr val="phClr">
-                <a:shade val="51000"/>
-                <a:satMod val="130000"/>
-              </a:schemeClr>
-            </a:gs>
-            <a:gs pos="80000">
-              <a:schemeClr val="phClr">
-                <a:shade val="93000"/>
-                <a:satMod val="130000"/>
-              </a:schemeClr>
-            </a:gs>
-            <a:gs pos="100000">
-              <a:schemeClr val="phClr">
-                <a:shade val="94000"/>
-                <a:satMod val="135000"/>
-              </a:schemeClr>
-            </a:gs>
-          </a:gsLst>
-          <a:lin ang="16200000" scaled="0"/>
-        </a:gradFill>
-      </a:fillStyleLst>
-      <a:lnStyleLst>
-        <a:ln w="9525" cap="flat" cmpd="sng" algn="ctr">
-          <a:solidFill>
-            <a:schemeClr val="phClr">
-              <a:shade val="95000"/>
-              <a:satMod val="105000"/>
-            </a:schemeClr>
-          </a:solidFill>
-          <a:prstDash val="solid"/>
-        </a:ln>
-        <a:ln w="25400" cap="flat" cmpd="sng" algn="ctr">
-          <a:solidFill>
-            <a:schemeClr val="phClr"/>
-          </a:solidFill>
-          <a:prstDash val="solid"/>
-        </a:ln>
-        <a:ln w="38100" cap="flat" cmpd="sng" algn="ctr">
-          <a:solidFill>
-            <a:schemeClr val="phClr"/>
-          </a:solidFill>
-          <a:prstDash val="solid"/>
-        </a:ln>
-      </a:lnStyleLst>
-      <a:effectStyleLst>
-        <a:effectStyle>
-          <a:effectLst>
-            <a:outerShdw blurRad="40000" dist="20000" dir="5400000" rotWithShape="0">
-              <a:srgbClr val="000000">
-                <a:alpha val="38000"/>
-              </a:srgbClr>
-            </a:outerShdw>
-          </a:effectLst>
-        </a:effectStyle>
-        <a:effectStyle>
-          <a:effectLst>
-            <a:outerShdw blurRad="40000" dist="23000" dir="5400000" rotWithShape="0">
-              <a:srgbClr val="000000">
-                <a:alpha val="35000"/>
-              </a:srgbClr>
-            </a:outerShdw>
-          </a:effectLst>
-        </a:effectStyle>
-        <a:effectStyle>
-          <a:effectLst>
-            <a:outerShdw blurRad="40000" dist="23000" dir="5400000" rotWithShape="0">
-              <a:srgbClr val="000000">
-                <a:alpha val="35000"/>
-              </a:srgbClr>
-            </a:outerShdw>
-          </a:effectLst>
-          <a:scene3d>
-            <a:camera prst="orthographicFront">
-              <a:rot lat="0" lon="0" rev="0"/>
-            </a:camera>
-            <a:lightRig rig="threePt" dir="t">
-              <a:rot lat="0" lon="0" rev="1200000"/>
-            </a:lightRig>
-          </a:scene3d>
-          <a:sp3d>
-            <a:bevelT w="63500" h="25400"/>
-          </a:sp3d>
-        </a:effectStyle>
-      </a:effectStyleLst>
-      <a:bgFillStyleLst>
-        <a:solidFill>
-          <a:schemeClr val="phClr"/>
-        </a:solidFill>
-        <a:gradFill rotWithShape="1">
-          <a:gsLst>
-            <a:gs pos="0">
-              <a:schemeClr val="phClr">
-                <a:tint val="40000"/>
-                <a:satMod val="350000"/>
-              </a:schemeClr>
-            </a:gs>
-            <a:gs pos="40000">
-              <a:schemeClr val="phClr">
-                <a:tint val="45000"/>
-                <a:shade val="99000"/>
-                <a:satMod val="350000"/>
-              </a:schemeClr>
-            </a:gs>
-            <a:gs pos="100000">
-              <a:schemeClr val="phClr">
-                <a:shade val="20000"/>
-                <a:satMod val="255000"/>
-              </a:schemeClr>
-            </a:gs>
-          </a:gsLst>
-          <a:path path="circle">
-            <a:fillToRect l="50000" t="-80000" r="50000" b="180000"/>
-          </a:path>
-        </a:gradFill>
-        <a:gradFill rotWithShape="1">
-          <a:gsLst>
-            <a:gs pos="0">
-              <a:schemeClr val="phClr">
-                <a:tint val="80000"/>
-                <a:satMod val="300000"/>
-              </a:schemeClr>
-            </a:gs>
-            <a:gs pos="100000">
-              <a:schemeClr val="phClr">
-                <a:shade val="30000"/>
-                <a:satMod val="200000"/>
-              </a:schemeClr>
-            </a:gs>
-          </a:gsLst>
-          <a:path path="circle">
-            <a:fillToRect l="50000" t="50000" r="50000" b="50000"/>
-          </a:path>
-        </a:gradFill>
-      </a:bgFillStyleLst>
-    </a:fmtScheme>
-  </a:themeElements>
-</a:theme>
-</file>
-
-<file path=ppt/theme/theme5.xml><?xml version="1.0" encoding="utf-8"?>
-<a:theme xmlns:a="http://schemas.openxmlformats.org/drawingml/2006/main" name="Office Theme">
-  <a:themeElements>
-    <a:clrScheme name="Office">
-      <a:dk1>
-        <a:sysClr val="windowText" lastClr="000000"/>
-      </a:dk1>
-      <a:lt1>
-        <a:sysClr val="window" lastClr="FFFFFF"/>
-      </a:lt1>
-      <a:dk2>
-        <a:srgbClr val="44546a"/>
-      </a:dk2>
-      <a:lt2>
-        <a:srgbClr val="e7e6e6"/>
-      </a:lt2>
-      <a:accent1>
-        <a:srgbClr val="4472c4"/>
-      </a:accent1>
-      <a:accent2>
-        <a:srgbClr val="ed7d31"/>
-      </a:accent2>
-      <a:accent3>
-        <a:srgbClr val="a5a5a5"/>
-      </a:accent3>
-      <a:accent4>
-        <a:srgbClr val="ffc000"/>
-      </a:accent4>
-      <a:accent5>
-        <a:srgbClr val="5b9bd5"/>
-      </a:accent5>
-      <a:accent6>
-        <a:srgbClr val="70ad47"/>
-      </a:accent6>
-      <a:hlink>
-        <a:srgbClr val="0563c1"/>
-      </a:hlink>
-      <a:folHlink>
-        <a:srgbClr val="954f72"/>
-      </a:folHlink>
-    </a:clrScheme>
-    <a:fontScheme name="Office">
-      <a:majorFont>
-        <a:latin typeface="Arial"/>
-        <a:ea typeface="DejaVu Sans"/>
-        <a:cs typeface="DejaVu Sans"/>
-      </a:majorFont>
-      <a:minorFont>
-        <a:latin typeface="Arial"/>
-        <a:ea typeface="DejaVu Sans"/>
-        <a:cs typeface="DejaVu Sans"/>
-      </a:minorFont>
-    </a:fontScheme>
-    <a:fmtScheme name="Office">
-      <a:fillStyleLst>
-        <a:solidFill>
-          <a:schemeClr val="phClr"/>
-        </a:solidFill>
-        <a:gradFill rotWithShape="1">
-          <a:gsLst>
-            <a:gs pos="0">
-              <a:schemeClr val="phClr">
-                <a:tint val="50000"/>
-                <a:satMod val="300000"/>
-              </a:schemeClr>
-            </a:gs>
-            <a:gs pos="35000">
-              <a:schemeClr val="phClr">
-                <a:tint val="37000"/>
-                <a:satMod val="300000"/>
-              </a:schemeClr>
-            </a:gs>
-            <a:gs pos="100000">
-              <a:schemeClr val="phClr">
-                <a:tint val="15000"/>
-                <a:satMod val="350000"/>
-              </a:schemeClr>
-            </a:gs>
-          </a:gsLst>
-          <a:lin ang="16200000" scaled="1"/>
-        </a:gradFill>
-        <a:gradFill rotWithShape="1">
-          <a:gsLst>
-            <a:gs pos="0">
-              <a:schemeClr val="phClr">
-                <a:shade val="51000"/>
-                <a:satMod val="130000"/>
-              </a:schemeClr>
-            </a:gs>
-            <a:gs pos="80000">
-              <a:schemeClr val="phClr">
-                <a:shade val="93000"/>
-                <a:satMod val="130000"/>
-              </a:schemeClr>
-            </a:gs>
-            <a:gs pos="100000">
-              <a:schemeClr val="phClr">
-                <a:shade val="94000"/>
-                <a:satMod val="135000"/>
-              </a:schemeClr>
-            </a:gs>
-          </a:gsLst>
-          <a:lin ang="16200000" scaled="0"/>
-        </a:gradFill>
-      </a:fillStyleLst>
-      <a:lnStyleLst>
-        <a:ln w="9525" cap="flat" cmpd="sng" algn="ctr">
-          <a:solidFill>
-            <a:schemeClr val="phClr">
-              <a:shade val="95000"/>
-              <a:satMod val="105000"/>
-            </a:schemeClr>
-          </a:solidFill>
-          <a:prstDash val="solid"/>
-        </a:ln>
-        <a:ln w="25400" cap="flat" cmpd="sng" algn="ctr">
-          <a:solidFill>
-            <a:schemeClr val="phClr"/>
-          </a:solidFill>
-          <a:prstDash val="solid"/>
-        </a:ln>
-        <a:ln w="38100" cap="flat" cmpd="sng" algn="ctr">
-          <a:solidFill>
-            <a:schemeClr val="phClr"/>
-          </a:solidFill>
-          <a:prstDash val="solid"/>
-        </a:ln>
-      </a:lnStyleLst>
-      <a:effectStyleLst>
-        <a:effectStyle>
-          <a:effectLst>
-            <a:outerShdw blurRad="40000" dist="20000" dir="5400000" rotWithShape="0">
-              <a:srgbClr val="000000">
-                <a:alpha val="38000"/>
-              </a:srgbClr>
-            </a:outerShdw>
-          </a:effectLst>
-        </a:effectStyle>
-        <a:effectStyle>
-          <a:effectLst>
-            <a:outerShdw blurRad="40000" dist="23000" dir="5400000" rotWithShape="0">
-              <a:srgbClr val="000000">
-                <a:alpha val="35000"/>
-              </a:srgbClr>
-            </a:outerShdw>
-          </a:effectLst>
-        </a:effectStyle>
-        <a:effectStyle>
-          <a:effectLst>
-            <a:outerShdw blurRad="40000" dist="23000" dir="5400000" rotWithShape="0">
-              <a:srgbClr val="000000">
-                <a:alpha val="35000"/>
-              </a:srgbClr>
-            </a:outerShdw>
-          </a:effectLst>
-          <a:scene3d>
-            <a:camera prst="orthographicFront">
-              <a:rot lat="0" lon="0" rev="0"/>
-            </a:camera>
-            <a:lightRig rig="threePt" dir="t">
-              <a:rot lat="0" lon="0" rev="1200000"/>
-            </a:lightRig>
-          </a:scene3d>
-          <a:sp3d>
-            <a:bevelT w="63500" h="25400"/>
-          </a:sp3d>
-        </a:effectStyle>
-      </a:effectStyleLst>
-      <a:bgFillStyleLst>
-        <a:solidFill>
-          <a:schemeClr val="phClr"/>
-        </a:solidFill>
-        <a:gradFill rotWithShape="1">
-          <a:gsLst>
-            <a:gs pos="0">
-              <a:schemeClr val="phClr">
-                <a:tint val="40000"/>
-                <a:satMod val="350000"/>
-              </a:schemeClr>
-            </a:gs>
-            <a:gs pos="40000">
-              <a:schemeClr val="phClr">
-                <a:tint val="45000"/>
-                <a:shade val="99000"/>
-                <a:satMod val="350000"/>
-              </a:schemeClr>
-            </a:gs>
-            <a:gs pos="100000">
-              <a:schemeClr val="phClr">
-                <a:shade val="20000"/>
-                <a:satMod val="255000"/>
-              </a:schemeClr>
-            </a:gs>
-          </a:gsLst>
-          <a:path path="circle">
-            <a:fillToRect l="50000" t="-80000" r="50000" b="180000"/>
-          </a:path>
-        </a:gradFill>
-        <a:gradFill rotWithShape="1">
-          <a:gsLst>
-            <a:gs pos="0">
-              <a:schemeClr val="phClr">
-                <a:tint val="80000"/>
-                <a:satMod val="300000"/>
-              </a:schemeClr>
-            </a:gs>
-            <a:gs pos="100000">
-              <a:schemeClr val="phClr">
-                <a:shade val="30000"/>
-                <a:satMod val="200000"/>
-              </a:schemeClr>
-            </a:gs>
-          </a:gsLst>
-          <a:path path="circle">
-            <a:fillToRect l="50000" t="50000" r="50000" b="50000"/>
-          </a:path>
-        </a:gradFill>
-      </a:bgFillStyleLst>
-    </a:fmtScheme>
-  </a:themeElements>
-</a:theme>
 </file>